--- a/events-coding-session.pptx
+++ b/events-coding-session.pptx
@@ -10,16 +10,19 @@
     <p:sldId id="270" r:id="rId4"/>
     <p:sldId id="258" r:id="rId5"/>
     <p:sldId id="261" r:id="rId6"/>
-    <p:sldId id="259" r:id="rId7"/>
-    <p:sldId id="260" r:id="rId8"/>
-    <p:sldId id="263" r:id="rId9"/>
-    <p:sldId id="262" r:id="rId10"/>
-    <p:sldId id="266" r:id="rId11"/>
-    <p:sldId id="264" r:id="rId12"/>
-    <p:sldId id="265" r:id="rId13"/>
-    <p:sldId id="267" r:id="rId14"/>
-    <p:sldId id="269" r:id="rId15"/>
-    <p:sldId id="268" r:id="rId16"/>
+    <p:sldId id="271" r:id="rId7"/>
+    <p:sldId id="272" r:id="rId8"/>
+    <p:sldId id="273" r:id="rId9"/>
+    <p:sldId id="259" r:id="rId10"/>
+    <p:sldId id="260" r:id="rId11"/>
+    <p:sldId id="263" r:id="rId12"/>
+    <p:sldId id="262" r:id="rId13"/>
+    <p:sldId id="266" r:id="rId14"/>
+    <p:sldId id="264" r:id="rId15"/>
+    <p:sldId id="265" r:id="rId16"/>
+    <p:sldId id="267" r:id="rId17"/>
+    <p:sldId id="269" r:id="rId18"/>
+    <p:sldId id="268" r:id="rId19"/>
   </p:sldIdLst>
   <p:sldSz cx="12192000" cy="6858000"/>
   <p:notesSz cx="6858000" cy="9144000"/>
@@ -3515,13 +3518,13 @@
               <a:rPr lang="en-US" dirty="0">
                 <a:latin typeface="Fredoka One" panose="02000000000000000000" pitchFamily="2" charset="77"/>
               </a:rPr>
-              <a:t>Step 3.2: </a:t>
+              <a:t>Step 2.1: </a:t>
             </a:r>
             <a:r>
               <a:rPr lang="en-US" sz="3200" dirty="0">
                 <a:latin typeface="Fredoka One" panose="02000000000000000000" pitchFamily="2" charset="77"/>
               </a:rPr>
-              <a:t>Generate a Cookie</a:t>
+              <a:t>Generate the Dropdown Cookie Options</a:t>
             </a:r>
             <a:endParaRPr lang="en-US" dirty="0"/>
           </a:p>
@@ -3545,13 +3548,13 @@
         </p:nvSpPr>
         <p:spPr>
           <a:xfrm>
-            <a:off x="838200" y="1656731"/>
-            <a:ext cx="9933122" cy="4838646"/>
+            <a:off x="838200" y="1825625"/>
+            <a:ext cx="6384010" cy="4351338"/>
           </a:xfrm>
         </p:spPr>
         <p:txBody>
           <a:bodyPr>
-            <a:normAutofit/>
+            <a:normAutofit fontScale="70000" lnSpcReduction="20000"/>
           </a:bodyPr>
           <a:lstStyle/>
           <a:p>
@@ -3564,15 +3567,23 @@
                 <a:ea typeface="Open Sans" panose="020B0606030504020204" pitchFamily="34" charset="0"/>
                 <a:cs typeface="Open Sans" panose="020B0606030504020204" pitchFamily="34" charset="0"/>
               </a:rPr>
-              <a:t>Add an on ‘click’ event listener to the cookie jar &lt;</a:t>
-            </a:r>
-            <a:r>
-              <a:rPr lang="en-US" dirty="0" err="1">
-                <a:latin typeface="Open Sans" panose="020B0606030504020204" pitchFamily="34" charset="0"/>
-                <a:ea typeface="Open Sans" panose="020B0606030504020204" pitchFamily="34" charset="0"/>
-                <a:cs typeface="Open Sans" panose="020B0606030504020204" pitchFamily="34" charset="0"/>
-              </a:rPr>
-              <a:t>img</a:t>
+              <a:t>Create a function called </a:t>
+            </a:r>
+            <a:r>
+              <a:rPr lang="en-US" b="1" dirty="0" err="1">
+                <a:latin typeface="Open Sans" panose="020B0606030504020204" pitchFamily="34" charset="0"/>
+                <a:ea typeface="Open Sans" panose="020B0606030504020204" pitchFamily="34" charset="0"/>
+                <a:cs typeface="Open Sans" panose="020B0606030504020204" pitchFamily="34" charset="0"/>
+              </a:rPr>
+              <a:t>generateCookieOptions</a:t>
+            </a:r>
+            <a:r>
+              <a:rPr lang="en-US" b="1" dirty="0">
+                <a:latin typeface="Open Sans" panose="020B0606030504020204" pitchFamily="34" charset="0"/>
+                <a:ea typeface="Open Sans" panose="020B0606030504020204" pitchFamily="34" charset="0"/>
+                <a:cs typeface="Open Sans" panose="020B0606030504020204" pitchFamily="34" charset="0"/>
+              </a:rPr>
+              <a:t> </a:t>
             </a:r>
             <a:r>
               <a:rPr lang="en-US" dirty="0">
@@ -3580,31 +3591,7 @@
                 <a:ea typeface="Open Sans" panose="020B0606030504020204" pitchFamily="34" charset="0"/>
                 <a:cs typeface="Open Sans" panose="020B0606030504020204" pitchFamily="34" charset="0"/>
               </a:rPr>
-              <a:t>&gt; element that calls on the </a:t>
-            </a:r>
-            <a:r>
-              <a:rPr lang="en-US" b="1" dirty="0" err="1">
-                <a:latin typeface="Open Sans" panose="020B0606030504020204" pitchFamily="34" charset="0"/>
-                <a:ea typeface="Open Sans" panose="020B0606030504020204" pitchFamily="34" charset="0"/>
-                <a:cs typeface="Open Sans" panose="020B0606030504020204" pitchFamily="34" charset="0"/>
-              </a:rPr>
-              <a:t>generateCookie</a:t>
-            </a:r>
-            <a:r>
-              <a:rPr lang="en-US" b="1" dirty="0">
-                <a:latin typeface="Open Sans" panose="020B0606030504020204" pitchFamily="34" charset="0"/>
-                <a:ea typeface="Open Sans" panose="020B0606030504020204" pitchFamily="34" charset="0"/>
-                <a:cs typeface="Open Sans" panose="020B0606030504020204" pitchFamily="34" charset="0"/>
-              </a:rPr>
-              <a:t> </a:t>
-            </a:r>
-            <a:r>
-              <a:rPr lang="en-US" dirty="0">
-                <a:latin typeface="Open Sans" panose="020B0606030504020204" pitchFamily="34" charset="0"/>
-                <a:ea typeface="Open Sans" panose="020B0606030504020204" pitchFamily="34" charset="0"/>
-                <a:cs typeface="Open Sans" panose="020B0606030504020204" pitchFamily="34" charset="0"/>
-              </a:rPr>
-              <a:t>function you made in the last step</a:t>
+              <a:t>that does the following:</a:t>
             </a:r>
           </a:p>
           <a:p>
@@ -3618,8 +3605,9 @@
             </a:endParaRPr>
           </a:p>
           <a:p>
-            <a:pPr marL="0" indent="0">
-              <a:buNone/>
+            <a:pPr marL="514350" indent="-514350">
+              <a:buFont typeface="+mj-lt"/>
+              <a:buAutoNum type="arabicPeriod"/>
             </a:pPr>
             <a:r>
               <a:rPr lang="en-US" dirty="0">
@@ -3627,7 +3615,39 @@
                 <a:ea typeface="Open Sans" panose="020B0606030504020204" pitchFamily="34" charset="0"/>
                 <a:cs typeface="Open Sans" panose="020B0606030504020204" pitchFamily="34" charset="0"/>
               </a:rPr>
-              <a:t>Whenever you click on the cookie jar </a:t>
+              <a:t>Grab the keys of the </a:t>
+            </a:r>
+            <a:r>
+              <a:rPr lang="en-US" i="1" dirty="0">
+                <a:latin typeface="Open Sans" panose="020B0606030504020204" pitchFamily="34" charset="0"/>
+                <a:ea typeface="Open Sans" panose="020B0606030504020204" pitchFamily="34" charset="0"/>
+                <a:cs typeface="Open Sans" panose="020B0606030504020204" pitchFamily="34" charset="0"/>
+              </a:rPr>
+              <a:t>cookies </a:t>
+            </a:r>
+            <a:r>
+              <a:rPr lang="en-US" dirty="0">
+                <a:latin typeface="Open Sans" panose="020B0606030504020204" pitchFamily="34" charset="0"/>
+                <a:ea typeface="Open Sans" panose="020B0606030504020204" pitchFamily="34" charset="0"/>
+                <a:cs typeface="Open Sans" panose="020B0606030504020204" pitchFamily="34" charset="0"/>
+              </a:rPr>
+              <a:t>object</a:t>
+            </a:r>
+            <a:r>
+              <a:rPr lang="en-US" i="1" dirty="0">
+                <a:latin typeface="Open Sans" panose="020B0606030504020204" pitchFamily="34" charset="0"/>
+                <a:ea typeface="Open Sans" panose="020B0606030504020204" pitchFamily="34" charset="0"/>
+                <a:cs typeface="Open Sans" panose="020B0606030504020204" pitchFamily="34" charset="0"/>
+              </a:rPr>
+              <a:t> </a:t>
+            </a:r>
+            <a:r>
+              <a:rPr lang="en-US" dirty="0">
+                <a:latin typeface="Open Sans" panose="020B0606030504020204" pitchFamily="34" charset="0"/>
+                <a:ea typeface="Open Sans" panose="020B0606030504020204" pitchFamily="34" charset="0"/>
+                <a:cs typeface="Open Sans" panose="020B0606030504020204" pitchFamily="34" charset="0"/>
+              </a:rPr>
+              <a:t>variable using the </a:t>
             </a:r>
             <a:r>
               <a:rPr lang="en-US" dirty="0" err="1">
@@ -3635,7 +3655,7 @@
                 <a:ea typeface="Open Sans" panose="020B0606030504020204" pitchFamily="34" charset="0"/>
                 <a:cs typeface="Open Sans" panose="020B0606030504020204" pitchFamily="34" charset="0"/>
               </a:rPr>
-              <a:t>img</a:t>
+              <a:t>Object.keys</a:t>
             </a:r>
             <a:r>
               <a:rPr lang="en-US" dirty="0">
@@ -3643,7 +3663,51 @@
                 <a:ea typeface="Open Sans" panose="020B0606030504020204" pitchFamily="34" charset="0"/>
                 <a:cs typeface="Open Sans" panose="020B0606030504020204" pitchFamily="34" charset="0"/>
               </a:rPr>
-              <a:t> it should generate a cookie</a:t>
+              <a:t>() method</a:t>
+            </a:r>
+          </a:p>
+          <a:p>
+            <a:pPr marL="514350" indent="-514350">
+              <a:buFont typeface="+mj-lt"/>
+              <a:buAutoNum type="arabicPeriod"/>
+            </a:pPr>
+            <a:r>
+              <a:rPr lang="en-US" dirty="0">
+                <a:latin typeface="Open Sans" panose="020B0606030504020204" pitchFamily="34" charset="0"/>
+                <a:ea typeface="Open Sans" panose="020B0606030504020204" pitchFamily="34" charset="0"/>
+                <a:cs typeface="Open Sans" panose="020B0606030504020204" pitchFamily="34" charset="0"/>
+              </a:rPr>
+              <a:t> </a:t>
+            </a:r>
+            <a:r>
+              <a:rPr lang="en-US" b="1" dirty="0">
+                <a:latin typeface="Open Sans" panose="020B0606030504020204" pitchFamily="34" charset="0"/>
+                <a:ea typeface="Open Sans" panose="020B0606030504020204" pitchFamily="34" charset="0"/>
+                <a:cs typeface="Open Sans" panose="020B0606030504020204" pitchFamily="34" charset="0"/>
+              </a:rPr>
+              <a:t>For each </a:t>
+            </a:r>
+            <a:r>
+              <a:rPr lang="en-US" dirty="0">
+                <a:latin typeface="Open Sans" panose="020B0606030504020204" pitchFamily="34" charset="0"/>
+                <a:ea typeface="Open Sans" panose="020B0606030504020204" pitchFamily="34" charset="0"/>
+                <a:cs typeface="Open Sans" panose="020B0606030504020204" pitchFamily="34" charset="0"/>
+              </a:rPr>
+              <a:t>key create an &lt;option&gt; tag with the key as the text and value of option</a:t>
+            </a:r>
+          </a:p>
+          <a:p>
+            <a:pPr marL="514350" indent="-514350">
+              <a:buFont typeface="+mj-lt"/>
+              <a:buAutoNum type="arabicPeriod"/>
+            </a:pPr>
+            <a:r>
+              <a:rPr lang="en-US" dirty="0">
+                <a:latin typeface="Open Sans" panose="020B0606030504020204" pitchFamily="34" charset="0"/>
+                <a:ea typeface="Open Sans" panose="020B0606030504020204" pitchFamily="34" charset="0"/>
+                <a:cs typeface="Open Sans" panose="020B0606030504020204" pitchFamily="34" charset="0"/>
+              </a:rPr>
+              <a:t>Append each &lt;option&gt; tag to the &lt;select&gt; tag</a:t>
             </a:r>
           </a:p>
           <a:p>
@@ -3677,106 +3741,331 @@
               <a:rPr lang="en-US" sz="1800" dirty="0">
                 <a:hlinkClick r:id="rId2"/>
               </a:rPr>
-              <a:t>https://www.w3schools.com/jsref/event_onclick.asp</a:t>
+              <a:t>https://developer.mozilla.org/en-US/docs/Web/JavaScript/Reference/Global_Objects/Object/keys</a:t>
             </a:r>
             <a:endParaRPr lang="en-US" sz="1800" dirty="0"/>
           </a:p>
-        </p:txBody>
-      </p:sp>
-      <p:pic>
-        <p:nvPicPr>
-          <p:cNvPr id="4" name="Picture 3" descr="A picture containing looking, sitting, bird, white&#10;&#10;Description automatically generated">
-            <a:extLst>
-              <a:ext uri="{FF2B5EF4-FFF2-40B4-BE49-F238E27FC236}">
-                <a16:creationId xmlns:a16="http://schemas.microsoft.com/office/drawing/2014/main" id="{3112167A-512B-C446-ABE0-EC5CFB1669E2}"/>
-              </a:ext>
-            </a:extLst>
-          </p:cNvPr>
-          <p:cNvPicPr>
-            <a:picLocks noChangeAspect="1"/>
-          </p:cNvPicPr>
+          <a:p>
+            <a:pPr marL="0" indent="0">
+              <a:buNone/>
+            </a:pPr>
+            <a:r>
+              <a:rPr lang="en-US" sz="1800" dirty="0">
+                <a:hlinkClick r:id="rId3"/>
+              </a:rPr>
+              <a:t>https://developer.mozilla.org/en-US/docs/Web/JavaScript/Reference/Global_Objects/Array/forEach</a:t>
+            </a:r>
+            <a:endParaRPr lang="en-US" sz="1800" dirty="0"/>
+          </a:p>
+          <a:p>
+            <a:pPr marL="0" indent="0">
+              <a:buNone/>
+            </a:pPr>
+            <a:r>
+              <a:rPr lang="en-US" sz="1800" dirty="0">
+                <a:hlinkClick r:id="rId4"/>
+              </a:rPr>
+              <a:t>https://www.w3schools.com/jsref/dom_obj_option.asp</a:t>
+            </a:r>
+            <a:endParaRPr lang="en-US" sz="1800" dirty="0"/>
+          </a:p>
+          <a:p>
+            <a:pPr marL="0" indent="0">
+              <a:buNone/>
+            </a:pPr>
+            <a:endParaRPr lang="en-US" sz="1800" dirty="0"/>
+          </a:p>
+          <a:p>
+            <a:pPr marL="0" indent="0">
+              <a:buNone/>
+            </a:pPr>
+            <a:endParaRPr lang="en-US" dirty="0">
+              <a:latin typeface="Open Sans" panose="020B0606030504020204" pitchFamily="34" charset="0"/>
+              <a:ea typeface="Open Sans" panose="020B0606030504020204" pitchFamily="34" charset="0"/>
+              <a:cs typeface="Open Sans" panose="020B0606030504020204" pitchFamily="34" charset="0"/>
+            </a:endParaRPr>
+          </a:p>
+        </p:txBody>
+      </p:sp>
+      <p:sp>
+        <p:nvSpPr>
+          <p:cNvPr id="6" name="TextBox 5">
+            <a:extLst>
+              <a:ext uri="{FF2B5EF4-FFF2-40B4-BE49-F238E27FC236}">
+                <a16:creationId xmlns:a16="http://schemas.microsoft.com/office/drawing/2014/main" id="{602BD0CA-5998-2D4B-B5F6-A1C577A7D2DF}"/>
+              </a:ext>
+            </a:extLst>
+          </p:cNvPr>
+          <p:cNvSpPr txBox="1"/>
           <p:nvPr/>
-        </p:nvPicPr>
-        <p:blipFill>
-          <a:blip r:embed="rId3"/>
-          <a:stretch>
-            <a:fillRect/>
-          </a:stretch>
-        </p:blipFill>
+        </p:nvSpPr>
         <p:spPr>
           <a:xfrm>
-            <a:off x="9641022" y="2548491"/>
-            <a:ext cx="2260600" cy="2387600"/>
+            <a:off x="7851183" y="1690688"/>
+            <a:ext cx="3502617" cy="2385366"/>
           </a:xfrm>
           <a:prstGeom prst="rect">
             <a:avLst/>
           </a:prstGeom>
+          <a:solidFill>
+            <a:schemeClr val="tx1"/>
+          </a:solidFill>
         </p:spPr>
-      </p:pic>
-      <p:pic>
-        <p:nvPicPr>
-          <p:cNvPr id="5" name="Picture 4" descr="A close up of a logo&#10;&#10;Description automatically generated">
-            <a:extLst>
-              <a:ext uri="{FF2B5EF4-FFF2-40B4-BE49-F238E27FC236}">
-                <a16:creationId xmlns:a16="http://schemas.microsoft.com/office/drawing/2014/main" id="{0BF17ADD-D611-A749-83DC-355EE2187B74}"/>
-              </a:ext>
-            </a:extLst>
-          </p:cNvPr>
-          <p:cNvPicPr>
-            <a:picLocks noChangeAspect="1"/>
-          </p:cNvPicPr>
-          <p:nvPr/>
-        </p:nvPicPr>
-        <p:blipFill>
-          <a:blip r:embed="rId4"/>
-          <a:stretch>
-            <a:fillRect/>
-          </a:stretch>
-        </p:blipFill>
-        <p:spPr>
-          <a:xfrm>
-            <a:off x="7532822" y="4115419"/>
-            <a:ext cx="2108200" cy="2171700"/>
-          </a:xfrm>
-          <a:prstGeom prst="rect">
-            <a:avLst/>
-          </a:prstGeom>
-        </p:spPr>
-      </p:pic>
-      <p:pic>
-        <p:nvPicPr>
-          <p:cNvPr id="6" name="Picture 5" descr="A picture containing food, clock&#10;&#10;Description automatically generated">
-            <a:extLst>
-              <a:ext uri="{FF2B5EF4-FFF2-40B4-BE49-F238E27FC236}">
-                <a16:creationId xmlns:a16="http://schemas.microsoft.com/office/drawing/2014/main" id="{A806B459-B223-5A43-81DB-ACC5DCC7BAC9}"/>
-              </a:ext>
-            </a:extLst>
-          </p:cNvPr>
-          <p:cNvPicPr>
-            <a:picLocks noChangeAspect="1"/>
-          </p:cNvPicPr>
-          <p:nvPr/>
-        </p:nvPicPr>
-        <p:blipFill>
-          <a:blip r:embed="rId5"/>
-          <a:stretch>
-            <a:fillRect/>
-          </a:stretch>
-        </p:blipFill>
-        <p:spPr>
-          <a:xfrm>
-            <a:off x="8916261" y="3894691"/>
-            <a:ext cx="2146300" cy="2082800"/>
-          </a:xfrm>
-          <a:prstGeom prst="rect">
-            <a:avLst/>
-          </a:prstGeom>
-        </p:spPr>
-      </p:pic>
+        <p:txBody>
+          <a:bodyPr wrap="square" rtlCol="0">
+            <a:spAutoFit/>
+          </a:bodyPr>
+          <a:lstStyle/>
+          <a:p>
+            <a:r>
+              <a:rPr lang="en-US" i="1">
+                <a:solidFill>
+                  <a:srgbClr val="66D9EF"/>
+                </a:solidFill>
+                <a:latin typeface="Menlo" panose="020B0609030804020204" pitchFamily="49" charset="0"/>
+              </a:rPr>
+              <a:t>const</a:t>
+            </a:r>
+            <a:r>
+              <a:rPr lang="en-US">
+                <a:solidFill>
+                  <a:srgbClr val="F8F8F2"/>
+                </a:solidFill>
+                <a:latin typeface="Menlo" panose="020B0609030804020204" pitchFamily="49" charset="0"/>
+              </a:rPr>
+              <a:t> cookies </a:t>
+            </a:r>
+            <a:r>
+              <a:rPr lang="en-US">
+                <a:solidFill>
+                  <a:srgbClr val="F92672"/>
+                </a:solidFill>
+                <a:latin typeface="Menlo" panose="020B0609030804020204" pitchFamily="49" charset="0"/>
+              </a:rPr>
+              <a:t>=</a:t>
+            </a:r>
+            <a:r>
+              <a:rPr lang="en-US">
+                <a:solidFill>
+                  <a:srgbClr val="F8F8F2"/>
+                </a:solidFill>
+                <a:latin typeface="Menlo" panose="020B0609030804020204" pitchFamily="49" charset="0"/>
+              </a:rPr>
+              <a:t>{</a:t>
+            </a:r>
+          </a:p>
+          <a:p>
+            <a:r>
+              <a:rPr lang="en-US">
+                <a:solidFill>
+                  <a:srgbClr val="F8F8F2"/>
+                </a:solidFill>
+                <a:latin typeface="Menlo" panose="020B0609030804020204" pitchFamily="49" charset="0"/>
+              </a:rPr>
+              <a:t>	burnt: </a:t>
+            </a:r>
+            <a:r>
+              <a:rPr lang="en-US">
+                <a:solidFill>
+                  <a:srgbClr val="F92672"/>
+                </a:solidFill>
+                <a:latin typeface="Menlo" panose="020B0609030804020204" pitchFamily="49" charset="0"/>
+              </a:rPr>
+              <a:t>-</a:t>
+            </a:r>
+            <a:r>
+              <a:rPr lang="en-US">
+                <a:solidFill>
+                  <a:srgbClr val="AE81FF"/>
+                </a:solidFill>
+                <a:latin typeface="Menlo" panose="020B0609030804020204" pitchFamily="49" charset="0"/>
+              </a:rPr>
+              <a:t>20</a:t>
+            </a:r>
+            <a:r>
+              <a:rPr lang="en-US">
+                <a:solidFill>
+                  <a:srgbClr val="F8F8F2"/>
+                </a:solidFill>
+                <a:latin typeface="Menlo" panose="020B0609030804020204" pitchFamily="49" charset="0"/>
+              </a:rPr>
+              <a:t>,</a:t>
+            </a:r>
+          </a:p>
+          <a:p>
+            <a:r>
+              <a:rPr lang="en-US">
+                <a:solidFill>
+                  <a:srgbClr val="F8F8F2"/>
+                </a:solidFill>
+                <a:latin typeface="Menlo" panose="020B0609030804020204" pitchFamily="49" charset="0"/>
+              </a:rPr>
+              <a:t>	broccoli: </a:t>
+            </a:r>
+            <a:r>
+              <a:rPr lang="en-US">
+                <a:solidFill>
+                  <a:srgbClr val="F92672"/>
+                </a:solidFill>
+                <a:latin typeface="Menlo" panose="020B0609030804020204" pitchFamily="49" charset="0"/>
+              </a:rPr>
+              <a:t>-</a:t>
+            </a:r>
+            <a:r>
+              <a:rPr lang="en-US">
+                <a:solidFill>
+                  <a:srgbClr val="AE81FF"/>
+                </a:solidFill>
+                <a:latin typeface="Menlo" panose="020B0609030804020204" pitchFamily="49" charset="0"/>
+              </a:rPr>
+              <a:t>10</a:t>
+            </a:r>
+            <a:r>
+              <a:rPr lang="en-US">
+                <a:solidFill>
+                  <a:srgbClr val="F8F8F2"/>
+                </a:solidFill>
+                <a:latin typeface="Menlo" panose="020B0609030804020204" pitchFamily="49" charset="0"/>
+              </a:rPr>
+              <a:t>,</a:t>
+            </a:r>
+          </a:p>
+          <a:p>
+            <a:r>
+              <a:rPr lang="en-US">
+                <a:solidFill>
+                  <a:srgbClr val="F8F8F2"/>
+                </a:solidFill>
+                <a:latin typeface="Menlo" panose="020B0609030804020204" pitchFamily="49" charset="0"/>
+              </a:rPr>
+              <a:t>	mnm: </a:t>
+            </a:r>
+            <a:r>
+              <a:rPr lang="en-US">
+                <a:solidFill>
+                  <a:srgbClr val="AE81FF"/>
+                </a:solidFill>
+                <a:latin typeface="Menlo" panose="020B0609030804020204" pitchFamily="49" charset="0"/>
+              </a:rPr>
+              <a:t>10</a:t>
+            </a:r>
+            <a:r>
+              <a:rPr lang="en-US">
+                <a:solidFill>
+                  <a:srgbClr val="F8F8F2"/>
+                </a:solidFill>
+                <a:latin typeface="Menlo" panose="020B0609030804020204" pitchFamily="49" charset="0"/>
+              </a:rPr>
+              <a:t>,</a:t>
+            </a:r>
+          </a:p>
+          <a:p>
+            <a:r>
+              <a:rPr lang="en-US">
+                <a:solidFill>
+                  <a:srgbClr val="F8F8F2"/>
+                </a:solidFill>
+                <a:latin typeface="Menlo" panose="020B0609030804020204" pitchFamily="49" charset="0"/>
+              </a:rPr>
+              <a:t>	chocolate: </a:t>
+            </a:r>
+            <a:r>
+              <a:rPr lang="en-US">
+                <a:solidFill>
+                  <a:srgbClr val="AE81FF"/>
+                </a:solidFill>
+                <a:latin typeface="Menlo" panose="020B0609030804020204" pitchFamily="49" charset="0"/>
+              </a:rPr>
+              <a:t>20</a:t>
+            </a:r>
+            <a:r>
+              <a:rPr lang="en-US">
+                <a:solidFill>
+                  <a:srgbClr val="F8F8F2"/>
+                </a:solidFill>
+                <a:latin typeface="Menlo" panose="020B0609030804020204" pitchFamily="49" charset="0"/>
+              </a:rPr>
+              <a:t>,</a:t>
+            </a:r>
+          </a:p>
+          <a:p>
+            <a:r>
+              <a:rPr lang="en-US">
+                <a:solidFill>
+                  <a:srgbClr val="F8F8F2"/>
+                </a:solidFill>
+                <a:latin typeface="Menlo" panose="020B0609030804020204" pitchFamily="49" charset="0"/>
+              </a:rPr>
+              <a:t>	snickerdoodle: </a:t>
+            </a:r>
+            <a:r>
+              <a:rPr lang="en-US">
+                <a:solidFill>
+                  <a:srgbClr val="AE81FF"/>
+                </a:solidFill>
+                <a:latin typeface="Menlo" panose="020B0609030804020204" pitchFamily="49" charset="0"/>
+              </a:rPr>
+              <a:t>5</a:t>
+            </a:r>
+            <a:r>
+              <a:rPr lang="en-US">
+                <a:solidFill>
+                  <a:srgbClr val="F8F8F2"/>
+                </a:solidFill>
+                <a:latin typeface="Menlo" panose="020B0609030804020204" pitchFamily="49" charset="0"/>
+              </a:rPr>
+              <a:t>,</a:t>
+            </a:r>
+          </a:p>
+          <a:p>
+            <a:r>
+              <a:rPr lang="en-US">
+                <a:solidFill>
+                  <a:srgbClr val="F8F8F2"/>
+                </a:solidFill>
+                <a:latin typeface="Menlo" panose="020B0609030804020204" pitchFamily="49" charset="0"/>
+              </a:rPr>
+              <a:t>	fudge: </a:t>
+            </a:r>
+            <a:r>
+              <a:rPr lang="en-US">
+                <a:solidFill>
+                  <a:srgbClr val="AE81FF"/>
+                </a:solidFill>
+                <a:latin typeface="Menlo" panose="020B0609030804020204" pitchFamily="49" charset="0"/>
+              </a:rPr>
+              <a:t>2</a:t>
+            </a:r>
+            <a:endParaRPr lang="en-US">
+              <a:solidFill>
+                <a:srgbClr val="F8F8F2"/>
+              </a:solidFill>
+              <a:latin typeface="Menlo" panose="020B0609030804020204" pitchFamily="49" charset="0"/>
+            </a:endParaRPr>
+          </a:p>
+          <a:p>
+            <a:r>
+              <a:rPr lang="en-US">
+                <a:solidFill>
+                  <a:srgbClr val="F8F8F2"/>
+                </a:solidFill>
+                <a:latin typeface="Menlo" panose="020B0609030804020204" pitchFamily="49" charset="0"/>
+              </a:rPr>
+              <a:t>}</a:t>
+            </a:r>
+            <a:endParaRPr lang="en-US" dirty="0">
+              <a:solidFill>
+                <a:srgbClr val="F8F8F2"/>
+              </a:solidFill>
+              <a:latin typeface="Menlo" panose="020B0609030804020204" pitchFamily="49" charset="0"/>
+            </a:endParaRPr>
+          </a:p>
+        </p:txBody>
+      </p:sp>
     </p:spTree>
     <p:extLst>
       <p:ext uri="{BB962C8B-B14F-4D97-AF65-F5344CB8AC3E}">
-        <p14:creationId xmlns:p14="http://schemas.microsoft.com/office/powerpoint/2010/main" val="460880512"/>
+        <p14:creationId xmlns:p14="http://schemas.microsoft.com/office/powerpoint/2010/main" val="3060983275"/>
       </p:ext>
     </p:extLst>
   </p:cSld>
@@ -3839,13 +4128,19 @@
               <a:rPr lang="en-US" dirty="0">
                 <a:latin typeface="Fredoka One" panose="02000000000000000000" pitchFamily="2" charset="77"/>
               </a:rPr>
-              <a:t>Step 4.1: </a:t>
+              <a:t>Step 2.2: </a:t>
+            </a:r>
+            <a:r>
+              <a:rPr lang="en-US" sz="3200" dirty="0" err="1">
+                <a:latin typeface="Fredoka One" panose="02000000000000000000" pitchFamily="2" charset="77"/>
+              </a:rPr>
+              <a:t>OnChange</a:t>
             </a:r>
             <a:r>
               <a:rPr lang="en-US" sz="3200" dirty="0">
                 <a:latin typeface="Fredoka One" panose="02000000000000000000" pitchFamily="2" charset="77"/>
               </a:rPr>
-              <a:t>Cookie Eaten Event</a:t>
+              <a:t> Dropdown </a:t>
             </a:r>
             <a:endParaRPr lang="en-US" dirty="0"/>
           </a:p>
@@ -3869,13 +4164,13 @@
         </p:nvSpPr>
         <p:spPr>
           <a:xfrm>
-            <a:off x="838199" y="1656731"/>
-            <a:ext cx="9871129" cy="4838646"/>
+            <a:off x="838200" y="1825625"/>
+            <a:ext cx="6723185" cy="4351338"/>
           </a:xfrm>
         </p:spPr>
         <p:txBody>
           <a:bodyPr>
-            <a:normAutofit fontScale="85000" lnSpcReduction="20000"/>
+            <a:normAutofit/>
           </a:bodyPr>
           <a:lstStyle/>
           <a:p>
@@ -3888,18 +4183,18 @@
                 <a:ea typeface="Open Sans" panose="020B0606030504020204" pitchFamily="34" charset="0"/>
                 <a:cs typeface="Open Sans" panose="020B0606030504020204" pitchFamily="34" charset="0"/>
               </a:rPr>
-              <a:t>Create a function called </a:t>
-            </a:r>
-            <a:r>
-              <a:rPr lang="en-US" b="1" dirty="0" err="1">
-                <a:latin typeface="Open Sans" panose="020B0606030504020204" pitchFamily="34" charset="0"/>
-                <a:ea typeface="Open Sans" panose="020B0606030504020204" pitchFamily="34" charset="0"/>
-                <a:cs typeface="Open Sans" panose="020B0606030504020204" pitchFamily="34" charset="0"/>
-              </a:rPr>
-              <a:t>monsterEat</a:t>
-            </a:r>
-            <a:r>
-              <a:rPr lang="en-US" b="1" dirty="0">
+              <a:t>Add an ‘change’ event listener to the dropdown assigning the </a:t>
+            </a:r>
+            <a:r>
+              <a:rPr lang="en-US" i="1" dirty="0" err="1">
+                <a:latin typeface="Open Sans" panose="020B0606030504020204" pitchFamily="34" charset="0"/>
+                <a:ea typeface="Open Sans" panose="020B0606030504020204" pitchFamily="34" charset="0"/>
+                <a:cs typeface="Open Sans" panose="020B0606030504020204" pitchFamily="34" charset="0"/>
+              </a:rPr>
+              <a:t>selectedCookie</a:t>
+            </a:r>
+            <a:r>
+              <a:rPr lang="en-US" i="1" dirty="0">
                 <a:latin typeface="Open Sans" panose="020B0606030504020204" pitchFamily="34" charset="0"/>
                 <a:ea typeface="Open Sans" panose="020B0606030504020204" pitchFamily="34" charset="0"/>
                 <a:cs typeface="Open Sans" panose="020B0606030504020204" pitchFamily="34" charset="0"/>
@@ -3912,7 +4207,7 @@
                 <a:ea typeface="Open Sans" panose="020B0606030504020204" pitchFamily="34" charset="0"/>
                 <a:cs typeface="Open Sans" panose="020B0606030504020204" pitchFamily="34" charset="0"/>
               </a:rPr>
-              <a:t>that does the following:</a:t>
+              <a:t>variable the value of the dropdown</a:t>
             </a:r>
           </a:p>
           <a:p>
@@ -3926,9 +4221,8 @@
             </a:endParaRPr>
           </a:p>
           <a:p>
-            <a:pPr marL="514350" indent="-514350">
-              <a:buFont typeface="+mj-lt"/>
-              <a:buAutoNum type="arabicPeriod"/>
+            <a:pPr marL="0" indent="0">
+              <a:buNone/>
             </a:pPr>
             <a:r>
               <a:rPr lang="en-US" dirty="0">
@@ -3936,133 +4230,53 @@
                 <a:ea typeface="Open Sans" panose="020B0606030504020204" pitchFamily="34" charset="0"/>
                 <a:cs typeface="Open Sans" panose="020B0606030504020204" pitchFamily="34" charset="0"/>
               </a:rPr>
-              <a:t>Takes in an event parameter</a:t>
-            </a:r>
-          </a:p>
-          <a:p>
-            <a:pPr marL="514350" indent="-514350">
-              <a:buFont typeface="+mj-lt"/>
-              <a:buAutoNum type="arabicPeriod"/>
+              <a:t>Helpful links:</a:t>
+            </a:r>
+          </a:p>
+          <a:p>
+            <a:pPr marL="0" indent="0">
+              <a:buNone/>
             </a:pPr>
             <a:r>
-              <a:rPr lang="en-US" dirty="0">
-                <a:latin typeface="Open Sans" panose="020B0606030504020204" pitchFamily="34" charset="0"/>
-                <a:ea typeface="Open Sans" panose="020B0606030504020204" pitchFamily="34" charset="0"/>
-                <a:cs typeface="Open Sans" panose="020B0606030504020204" pitchFamily="34" charset="0"/>
-              </a:rPr>
-              <a:t>The </a:t>
-            </a:r>
-            <a:r>
-              <a:rPr lang="en-US" i="1" dirty="0" err="1">
-                <a:latin typeface="Open Sans" panose="020B0606030504020204" pitchFamily="34" charset="0"/>
-                <a:ea typeface="Open Sans" panose="020B0606030504020204" pitchFamily="34" charset="0"/>
-                <a:cs typeface="Open Sans" panose="020B0606030504020204" pitchFamily="34" charset="0"/>
-              </a:rPr>
-              <a:t>event.target</a:t>
-            </a:r>
-            <a:r>
-              <a:rPr lang="en-US" i="1" dirty="0">
-                <a:latin typeface="Open Sans" panose="020B0606030504020204" pitchFamily="34" charset="0"/>
-                <a:ea typeface="Open Sans" panose="020B0606030504020204" pitchFamily="34" charset="0"/>
-                <a:cs typeface="Open Sans" panose="020B0606030504020204" pitchFamily="34" charset="0"/>
-              </a:rPr>
-              <a:t> </a:t>
-            </a:r>
-            <a:r>
-              <a:rPr lang="en-US" dirty="0">
-                <a:latin typeface="Open Sans" panose="020B0606030504020204" pitchFamily="34" charset="0"/>
-                <a:ea typeface="Open Sans" panose="020B0606030504020204" pitchFamily="34" charset="0"/>
-                <a:cs typeface="Open Sans" panose="020B0606030504020204" pitchFamily="34" charset="0"/>
-              </a:rPr>
-              <a:t>is equal to selected cookie to eat. Removes the selected cookie from the ‘#cookie-container’</a:t>
-            </a:r>
-          </a:p>
-          <a:p>
-            <a:pPr marL="514350" indent="-514350">
-              <a:buFont typeface="+mj-lt"/>
-              <a:buAutoNum type="arabicPeriod"/>
+              <a:rPr lang="en-US" sz="1800" dirty="0">
+                <a:hlinkClick r:id="rId2"/>
+              </a:rPr>
+              <a:t>https://developer.mozilla.org/en-US/docs/Web/JavaScript/Reference/Global_Objects/Object/keys</a:t>
+            </a:r>
+            <a:endParaRPr lang="en-US" sz="1800" dirty="0"/>
+          </a:p>
+          <a:p>
+            <a:pPr marL="0" indent="0">
+              <a:buNone/>
             </a:pPr>
             <a:r>
-              <a:rPr lang="en-US" dirty="0">
-                <a:latin typeface="Open Sans" panose="020B0606030504020204" pitchFamily="34" charset="0"/>
-                <a:ea typeface="Open Sans" panose="020B0606030504020204" pitchFamily="34" charset="0"/>
-                <a:cs typeface="Open Sans" panose="020B0606030504020204" pitchFamily="34" charset="0"/>
-              </a:rPr>
-              <a:t>Adjust the full progress bar by </a:t>
-            </a:r>
-          </a:p>
-          <a:p>
-            <a:pPr lvl="1"/>
-            <a:r>
-              <a:rPr lang="en-US" dirty="0">
-                <a:latin typeface="Open Sans" panose="020B0606030504020204" pitchFamily="34" charset="0"/>
-                <a:ea typeface="Open Sans" panose="020B0606030504020204" pitchFamily="34" charset="0"/>
-                <a:cs typeface="Open Sans" panose="020B0606030504020204" pitchFamily="34" charset="0"/>
-              </a:rPr>
-              <a:t>calling the </a:t>
-            </a:r>
-            <a:r>
-              <a:rPr lang="en-US" dirty="0" err="1">
-                <a:latin typeface="Open Sans" panose="020B0606030504020204" pitchFamily="34" charset="0"/>
-                <a:ea typeface="Open Sans" panose="020B0606030504020204" pitchFamily="34" charset="0"/>
-                <a:cs typeface="Open Sans" panose="020B0606030504020204" pitchFamily="34" charset="0"/>
-              </a:rPr>
-              <a:t>calculateHunger</a:t>
-            </a:r>
-            <a:r>
-              <a:rPr lang="en-US" dirty="0">
-                <a:latin typeface="Open Sans" panose="020B0606030504020204" pitchFamily="34" charset="0"/>
-                <a:ea typeface="Open Sans" panose="020B0606030504020204" pitchFamily="34" charset="0"/>
-                <a:cs typeface="Open Sans" panose="020B0606030504020204" pitchFamily="34" charset="0"/>
-              </a:rPr>
-              <a:t>(cookie) function passing in the cookie that was selected (</a:t>
-            </a:r>
-            <a:r>
-              <a:rPr lang="en-US" dirty="0" err="1">
-                <a:latin typeface="Open Sans" panose="020B0606030504020204" pitchFamily="34" charset="0"/>
-                <a:ea typeface="Open Sans" panose="020B0606030504020204" pitchFamily="34" charset="0"/>
-                <a:cs typeface="Open Sans" panose="020B0606030504020204" pitchFamily="34" charset="0"/>
-              </a:rPr>
-              <a:t>event.target</a:t>
-            </a:r>
-            <a:r>
-              <a:rPr lang="en-US" dirty="0">
-                <a:latin typeface="Open Sans" panose="020B0606030504020204" pitchFamily="34" charset="0"/>
-                <a:ea typeface="Open Sans" panose="020B0606030504020204" pitchFamily="34" charset="0"/>
-                <a:cs typeface="Open Sans" panose="020B0606030504020204" pitchFamily="34" charset="0"/>
-              </a:rPr>
-              <a:t>)</a:t>
-            </a:r>
-          </a:p>
-          <a:p>
-            <a:pPr lvl="1"/>
-            <a:r>
-              <a:rPr lang="en-US" dirty="0">
-                <a:latin typeface="Open Sans" panose="020B0606030504020204" pitchFamily="34" charset="0"/>
-                <a:ea typeface="Open Sans" panose="020B0606030504020204" pitchFamily="34" charset="0"/>
-                <a:cs typeface="Open Sans" panose="020B0606030504020204" pitchFamily="34" charset="0"/>
-              </a:rPr>
-              <a:t>Assigning the returned value of the </a:t>
-            </a:r>
-            <a:r>
-              <a:rPr lang="en-US" dirty="0" err="1">
-                <a:latin typeface="Open Sans" panose="020B0606030504020204" pitchFamily="34" charset="0"/>
-                <a:ea typeface="Open Sans" panose="020B0606030504020204" pitchFamily="34" charset="0"/>
-                <a:cs typeface="Open Sans" panose="020B0606030504020204" pitchFamily="34" charset="0"/>
-              </a:rPr>
-              <a:t>calculateHunger</a:t>
-            </a:r>
-            <a:r>
-              <a:rPr lang="en-US" dirty="0">
-                <a:latin typeface="Open Sans" panose="020B0606030504020204" pitchFamily="34" charset="0"/>
-                <a:ea typeface="Open Sans" panose="020B0606030504020204" pitchFamily="34" charset="0"/>
-                <a:cs typeface="Open Sans" panose="020B0606030504020204" pitchFamily="34" charset="0"/>
-              </a:rPr>
-              <a:t> function to the width of the progress bar</a:t>
-            </a:r>
-          </a:p>
-          <a:p>
-            <a:pPr marL="457200" lvl="1" indent="0">
+              <a:rPr lang="en-US" sz="1800" dirty="0">
+                <a:hlinkClick r:id="rId3"/>
+              </a:rPr>
+              <a:t>https://developer.mozilla.org/en-US/docs/Web/JavaScript/Reference/Global_Objects/Array/forEach</a:t>
+            </a:r>
+            <a:endParaRPr lang="en-US" sz="1800" dirty="0"/>
+          </a:p>
+          <a:p>
+            <a:pPr marL="0" indent="0">
+              <a:buNone/>
+            </a:pPr>
+            <a:r>
+              <a:rPr lang="en-US" sz="1800" dirty="0">
+                <a:hlinkClick r:id="rId4"/>
+              </a:rPr>
+              <a:t>https://www.w3schools.com/jsref/event_onchange.asp</a:t>
+            </a:r>
+            <a:endParaRPr lang="en-US" sz="1800" dirty="0"/>
+          </a:p>
+          <a:p>
+            <a:pPr marL="0" indent="0">
+              <a:buNone/>
+            </a:pPr>
+            <a:endParaRPr lang="en-US" sz="1800" dirty="0"/>
+          </a:p>
+          <a:p>
+            <a:pPr marL="0" indent="0">
               <a:buNone/>
             </a:pPr>
             <a:endParaRPr lang="en-US" dirty="0">
@@ -4071,61 +4285,42 @@
               <a:cs typeface="Open Sans" panose="020B0606030504020204" pitchFamily="34" charset="0"/>
             </a:endParaRPr>
           </a:p>
-          <a:p>
-            <a:pPr marL="0" indent="0">
-              <a:buNone/>
-            </a:pPr>
-            <a:r>
-              <a:rPr lang="en-US" dirty="0">
-                <a:latin typeface="Open Sans" panose="020B0606030504020204" pitchFamily="34" charset="0"/>
-                <a:ea typeface="Open Sans" panose="020B0606030504020204" pitchFamily="34" charset="0"/>
-                <a:cs typeface="Open Sans" panose="020B0606030504020204" pitchFamily="34" charset="0"/>
-              </a:rPr>
-              <a:t>Helpful links:</a:t>
-            </a:r>
-          </a:p>
-          <a:p>
-            <a:pPr marL="0" indent="0">
-              <a:buNone/>
-            </a:pPr>
-            <a:r>
-              <a:rPr lang="en-US" sz="1800" dirty="0">
-                <a:hlinkClick r:id="rId2"/>
-              </a:rPr>
-              <a:t>https://www.w3schools.com/jsref/prop_style_width.asp </a:t>
-            </a:r>
-            <a:endParaRPr lang="en-US" sz="1800" dirty="0"/>
-          </a:p>
-          <a:p>
-            <a:pPr marL="0" indent="0">
-              <a:buNone/>
-            </a:pPr>
-            <a:r>
-              <a:rPr lang="en-US" sz="1800" dirty="0">
-                <a:hlinkClick r:id="rId3"/>
-              </a:rPr>
-              <a:t>https://developer.mozilla.org/en-US/docs/Web/API/Event/target </a:t>
-            </a:r>
-            <a:endParaRPr lang="en-US" sz="1800" dirty="0"/>
-          </a:p>
-          <a:p>
-            <a:pPr marL="0" indent="0">
-              <a:buNone/>
-            </a:pPr>
-            <a:r>
-              <a:rPr lang="en-US" sz="1800" dirty="0">
-                <a:hlinkClick r:id="rId4"/>
-              </a:rPr>
-              <a:t>https://developer.mozilla.org/en-US/docs/Web/API/Node/removeChild</a:t>
-            </a:r>
-            <a:endParaRPr lang="en-US" sz="1800" dirty="0"/>
-          </a:p>
-        </p:txBody>
-      </p:sp>
+        </p:txBody>
+      </p:sp>
+      <p:pic>
+        <p:nvPicPr>
+          <p:cNvPr id="4" name="Picture 3">
+            <a:extLst>
+              <a:ext uri="{FF2B5EF4-FFF2-40B4-BE49-F238E27FC236}">
+                <a16:creationId xmlns:a16="http://schemas.microsoft.com/office/drawing/2014/main" id="{CF79AB3B-F390-954C-9831-A1C10EA2BE69}"/>
+              </a:ext>
+            </a:extLst>
+          </p:cNvPr>
+          <p:cNvPicPr>
+            <a:picLocks noChangeAspect="1"/>
+          </p:cNvPicPr>
+          <p:nvPr/>
+        </p:nvPicPr>
+        <p:blipFill>
+          <a:blip r:embed="rId5"/>
+          <a:stretch>
+            <a:fillRect/>
+          </a:stretch>
+        </p:blipFill>
+        <p:spPr>
+          <a:xfrm>
+            <a:off x="7837854" y="2904881"/>
+            <a:ext cx="3937000" cy="2806700"/>
+          </a:xfrm>
+          <a:prstGeom prst="rect">
+            <a:avLst/>
+          </a:prstGeom>
+        </p:spPr>
+      </p:pic>
     </p:spTree>
     <p:extLst>
       <p:ext uri="{BB962C8B-B14F-4D97-AF65-F5344CB8AC3E}">
-        <p14:creationId xmlns:p14="http://schemas.microsoft.com/office/powerpoint/2010/main" val="1647890566"/>
+        <p14:creationId xmlns:p14="http://schemas.microsoft.com/office/powerpoint/2010/main" val="117218512"/>
       </p:ext>
     </p:extLst>
   </p:cSld>
@@ -4188,13 +4383,13 @@
               <a:rPr lang="en-US" dirty="0">
                 <a:latin typeface="Fredoka One" panose="02000000000000000000" pitchFamily="2" charset="77"/>
               </a:rPr>
-              <a:t>Step 4.2: </a:t>
+              <a:t>Step 3.1: </a:t>
             </a:r>
             <a:r>
               <a:rPr lang="en-US" sz="3200" dirty="0">
                 <a:latin typeface="Fredoka One" panose="02000000000000000000" pitchFamily="2" charset="77"/>
               </a:rPr>
-              <a:t>Cookie Eaten Event</a:t>
+              <a:t>Generate a Cookie</a:t>
             </a:r>
             <a:endParaRPr lang="en-US" dirty="0"/>
           </a:p>
@@ -4218,13 +4413,13 @@
         </p:nvSpPr>
         <p:spPr>
           <a:xfrm>
-            <a:off x="838199" y="1656731"/>
-            <a:ext cx="9871129" cy="4838646"/>
+            <a:off x="838200" y="1656731"/>
+            <a:ext cx="9933122" cy="4838646"/>
           </a:xfrm>
         </p:spPr>
         <p:txBody>
           <a:bodyPr>
-            <a:normAutofit/>
+            <a:normAutofit fontScale="70000" lnSpcReduction="20000"/>
           </a:bodyPr>
           <a:lstStyle/>
           <a:p>
@@ -4237,7 +4432,7 @@
                 <a:ea typeface="Open Sans" panose="020B0606030504020204" pitchFamily="34" charset="0"/>
                 <a:cs typeface="Open Sans" panose="020B0606030504020204" pitchFamily="34" charset="0"/>
               </a:rPr>
-              <a:t>Add the </a:t>
+              <a:t>Create a function called </a:t>
             </a:r>
             <a:r>
               <a:rPr lang="en-US" b="1" dirty="0" err="1">
@@ -4245,7 +4440,7 @@
                 <a:ea typeface="Open Sans" panose="020B0606030504020204" pitchFamily="34" charset="0"/>
                 <a:cs typeface="Open Sans" panose="020B0606030504020204" pitchFamily="34" charset="0"/>
               </a:rPr>
-              <a:t>monsterEat</a:t>
+              <a:t>generateCookie</a:t>
             </a:r>
             <a:r>
               <a:rPr lang="en-US" b="1" dirty="0">
@@ -4261,44 +4456,7 @@
                 <a:ea typeface="Open Sans" panose="020B0606030504020204" pitchFamily="34" charset="0"/>
                 <a:cs typeface="Open Sans" panose="020B0606030504020204" pitchFamily="34" charset="0"/>
               </a:rPr>
-              <a:t>function you just made as the function that is run whenever the user clicks on a cookie</a:t>
-            </a:r>
-          </a:p>
-          <a:p>
-            <a:pPr marL="0" indent="0">
-              <a:buNone/>
-            </a:pPr>
-            <a:r>
-              <a:rPr lang="en-US" dirty="0">
-                <a:latin typeface="Open Sans" panose="020B0606030504020204" pitchFamily="34" charset="0"/>
-                <a:ea typeface="Open Sans" panose="020B0606030504020204" pitchFamily="34" charset="0"/>
-                <a:cs typeface="Open Sans" panose="020B0606030504020204" pitchFamily="34" charset="0"/>
-              </a:rPr>
-              <a:t>(hint: add it to the </a:t>
-            </a:r>
-            <a:r>
-              <a:rPr lang="en-US" b="1" dirty="0" err="1">
-                <a:latin typeface="Open Sans" panose="020B0606030504020204" pitchFamily="34" charset="0"/>
-                <a:ea typeface="Open Sans" panose="020B0606030504020204" pitchFamily="34" charset="0"/>
-                <a:cs typeface="Open Sans" panose="020B0606030504020204" pitchFamily="34" charset="0"/>
-              </a:rPr>
-              <a:t>generateCookie</a:t>
-            </a:r>
-            <a:r>
-              <a:rPr lang="en-US" b="1" dirty="0">
-                <a:latin typeface="Open Sans" panose="020B0606030504020204" pitchFamily="34" charset="0"/>
-                <a:ea typeface="Open Sans" panose="020B0606030504020204" pitchFamily="34" charset="0"/>
-                <a:cs typeface="Open Sans" panose="020B0606030504020204" pitchFamily="34" charset="0"/>
-              </a:rPr>
-              <a:t> </a:t>
-            </a:r>
-            <a:r>
-              <a:rPr lang="en-US" dirty="0">
-                <a:latin typeface="Open Sans" panose="020B0606030504020204" pitchFamily="34" charset="0"/>
-                <a:ea typeface="Open Sans" panose="020B0606030504020204" pitchFamily="34" charset="0"/>
-                <a:cs typeface="Open Sans" panose="020B0606030504020204" pitchFamily="34" charset="0"/>
-              </a:rPr>
-              <a:t>function)</a:t>
+              <a:t>that does the following:</a:t>
             </a:r>
           </a:p>
           <a:p>
@@ -4312,8 +4470,9 @@
             </a:endParaRPr>
           </a:p>
           <a:p>
-            <a:pPr marL="0" indent="0">
-              <a:buNone/>
+            <a:pPr marL="514350" indent="-514350">
+              <a:buFont typeface="+mj-lt"/>
+              <a:buAutoNum type="arabicPeriod"/>
             </a:pPr>
             <a:r>
               <a:rPr lang="en-US" dirty="0">
@@ -4321,12 +4480,204 @@
                 <a:ea typeface="Open Sans" panose="020B0606030504020204" pitchFamily="34" charset="0"/>
                 <a:cs typeface="Open Sans" panose="020B0606030504020204" pitchFamily="34" charset="0"/>
               </a:rPr>
-              <a:t>Whenever you click on a cookie it should now disappear and the full progress bar should go up</a:t>
-            </a:r>
-          </a:p>
-          <a:p>
-            <a:pPr marL="457200" lvl="1" indent="0">
-              <a:buNone/>
+              <a:t>Create an &lt;</a:t>
+            </a:r>
+            <a:r>
+              <a:rPr lang="en-US" dirty="0" err="1">
+                <a:latin typeface="Open Sans" panose="020B0606030504020204" pitchFamily="34" charset="0"/>
+                <a:ea typeface="Open Sans" panose="020B0606030504020204" pitchFamily="34" charset="0"/>
+                <a:cs typeface="Open Sans" panose="020B0606030504020204" pitchFamily="34" charset="0"/>
+              </a:rPr>
+              <a:t>img</a:t>
+            </a:r>
+            <a:r>
+              <a:rPr lang="en-US" dirty="0">
+                <a:latin typeface="Open Sans" panose="020B0606030504020204" pitchFamily="34" charset="0"/>
+                <a:ea typeface="Open Sans" panose="020B0606030504020204" pitchFamily="34" charset="0"/>
+                <a:cs typeface="Open Sans" panose="020B0606030504020204" pitchFamily="34" charset="0"/>
+              </a:rPr>
+              <a:t>&gt; element</a:t>
+            </a:r>
+          </a:p>
+          <a:p>
+            <a:pPr marL="514350" indent="-514350">
+              <a:buFont typeface="+mj-lt"/>
+              <a:buAutoNum type="arabicPeriod"/>
+            </a:pPr>
+            <a:r>
+              <a:rPr lang="en-US" dirty="0">
+                <a:latin typeface="Open Sans" panose="020B0606030504020204" pitchFamily="34" charset="0"/>
+                <a:ea typeface="Open Sans" panose="020B0606030504020204" pitchFamily="34" charset="0"/>
+                <a:cs typeface="Open Sans" panose="020B0606030504020204" pitchFamily="34" charset="0"/>
+              </a:rPr>
+              <a:t>Adds the ‘cookie’ class to the element</a:t>
+            </a:r>
+          </a:p>
+          <a:p>
+            <a:pPr marL="514350" indent="-514350">
+              <a:buFont typeface="+mj-lt"/>
+              <a:buAutoNum type="arabicPeriod"/>
+            </a:pPr>
+            <a:r>
+              <a:rPr lang="en-US" dirty="0">
+                <a:latin typeface="Open Sans" panose="020B0606030504020204" pitchFamily="34" charset="0"/>
+                <a:ea typeface="Open Sans" panose="020B0606030504020204" pitchFamily="34" charset="0"/>
+                <a:cs typeface="Open Sans" panose="020B0606030504020204" pitchFamily="34" charset="0"/>
+              </a:rPr>
+              <a:t>Adjust the element based on the type of cookie selected in the dropdown menu</a:t>
+            </a:r>
+          </a:p>
+          <a:p>
+            <a:pPr lvl="1"/>
+            <a:r>
+              <a:rPr lang="en-US" dirty="0">
+                <a:latin typeface="Open Sans" panose="020B0606030504020204" pitchFamily="34" charset="0"/>
+                <a:ea typeface="Open Sans" panose="020B0606030504020204" pitchFamily="34" charset="0"/>
+                <a:cs typeface="Open Sans" panose="020B0606030504020204" pitchFamily="34" charset="0"/>
+              </a:rPr>
+              <a:t>Use the </a:t>
+            </a:r>
+            <a:r>
+              <a:rPr lang="en-US" i="1" dirty="0" err="1">
+                <a:latin typeface="Open Sans" panose="020B0606030504020204" pitchFamily="34" charset="0"/>
+                <a:ea typeface="Open Sans" panose="020B0606030504020204" pitchFamily="34" charset="0"/>
+                <a:cs typeface="Open Sans" panose="020B0606030504020204" pitchFamily="34" charset="0"/>
+              </a:rPr>
+              <a:t>selectedCookie</a:t>
+            </a:r>
+            <a:r>
+              <a:rPr lang="en-US" dirty="0">
+                <a:latin typeface="Open Sans" panose="020B0606030504020204" pitchFamily="34" charset="0"/>
+                <a:ea typeface="Open Sans" panose="020B0606030504020204" pitchFamily="34" charset="0"/>
+                <a:cs typeface="Open Sans" panose="020B0606030504020204" pitchFamily="34" charset="0"/>
+              </a:rPr>
+              <a:t> variable to: </a:t>
+            </a:r>
+          </a:p>
+          <a:p>
+            <a:pPr lvl="2"/>
+            <a:r>
+              <a:rPr lang="en-US" dirty="0">
+                <a:latin typeface="Open Sans" panose="020B0606030504020204" pitchFamily="34" charset="0"/>
+                <a:ea typeface="Open Sans" panose="020B0606030504020204" pitchFamily="34" charset="0"/>
+                <a:cs typeface="Open Sans" panose="020B0606030504020204" pitchFamily="34" charset="0"/>
+              </a:rPr>
+              <a:t>assign the </a:t>
+            </a:r>
+            <a:r>
+              <a:rPr lang="en-US" dirty="0" err="1">
+                <a:latin typeface="Open Sans" panose="020B0606030504020204" pitchFamily="34" charset="0"/>
+                <a:ea typeface="Open Sans" panose="020B0606030504020204" pitchFamily="34" charset="0"/>
+                <a:cs typeface="Open Sans" panose="020B0606030504020204" pitchFamily="34" charset="0"/>
+              </a:rPr>
+              <a:t>src</a:t>
+            </a:r>
+            <a:r>
+              <a:rPr lang="en-US" dirty="0">
+                <a:latin typeface="Open Sans" panose="020B0606030504020204" pitchFamily="34" charset="0"/>
+                <a:ea typeface="Open Sans" panose="020B0606030504020204" pitchFamily="34" charset="0"/>
+                <a:cs typeface="Open Sans" panose="020B0606030504020204" pitchFamily="34" charset="0"/>
+              </a:rPr>
+              <a:t> of </a:t>
+            </a:r>
+            <a:r>
+              <a:rPr lang="en-US" dirty="0" err="1">
+                <a:latin typeface="Open Sans" panose="020B0606030504020204" pitchFamily="34" charset="0"/>
+                <a:ea typeface="Open Sans" panose="020B0606030504020204" pitchFamily="34" charset="0"/>
+                <a:cs typeface="Open Sans" panose="020B0606030504020204" pitchFamily="34" charset="0"/>
+              </a:rPr>
+              <a:t>img</a:t>
+            </a:r>
+            <a:r>
+              <a:rPr lang="en-US" dirty="0">
+                <a:latin typeface="Open Sans" panose="020B0606030504020204" pitchFamily="34" charset="0"/>
+                <a:ea typeface="Open Sans" panose="020B0606030504020204" pitchFamily="34" charset="0"/>
+                <a:cs typeface="Open Sans" panose="020B0606030504020204" pitchFamily="34" charset="0"/>
+              </a:rPr>
+              <a:t> element</a:t>
+            </a:r>
+          </a:p>
+          <a:p>
+            <a:pPr lvl="2"/>
+            <a:r>
+              <a:rPr lang="en-US" dirty="0">
+                <a:latin typeface="Open Sans" panose="020B0606030504020204" pitchFamily="34" charset="0"/>
+                <a:ea typeface="Open Sans" panose="020B0606030504020204" pitchFamily="34" charset="0"/>
+                <a:cs typeface="Open Sans" panose="020B0606030504020204" pitchFamily="34" charset="0"/>
+              </a:rPr>
+              <a:t>Add a unique class to the </a:t>
+            </a:r>
+            <a:r>
+              <a:rPr lang="en-US" dirty="0" err="1">
+                <a:latin typeface="Open Sans" panose="020B0606030504020204" pitchFamily="34" charset="0"/>
+                <a:ea typeface="Open Sans" panose="020B0606030504020204" pitchFamily="34" charset="0"/>
+                <a:cs typeface="Open Sans" panose="020B0606030504020204" pitchFamily="34" charset="0"/>
+              </a:rPr>
+              <a:t>img</a:t>
+            </a:r>
+            <a:r>
+              <a:rPr lang="en-US" dirty="0">
+                <a:latin typeface="Open Sans" panose="020B0606030504020204" pitchFamily="34" charset="0"/>
+                <a:ea typeface="Open Sans" panose="020B0606030504020204" pitchFamily="34" charset="0"/>
+                <a:cs typeface="Open Sans" panose="020B0606030504020204" pitchFamily="34" charset="0"/>
+              </a:rPr>
+              <a:t> element</a:t>
+            </a:r>
+          </a:p>
+          <a:p>
+            <a:pPr marL="514350" indent="-514350">
+              <a:buFont typeface="+mj-lt"/>
+              <a:buAutoNum type="arabicPeriod"/>
+            </a:pPr>
+            <a:r>
+              <a:rPr lang="en-US" dirty="0">
+                <a:latin typeface="Open Sans" panose="020B0606030504020204" pitchFamily="34" charset="0"/>
+                <a:ea typeface="Open Sans" panose="020B0606030504020204" pitchFamily="34" charset="0"/>
+                <a:cs typeface="Open Sans" panose="020B0606030504020204" pitchFamily="34" charset="0"/>
+              </a:rPr>
+              <a:t>Append cookie &lt;</a:t>
+            </a:r>
+            <a:r>
+              <a:rPr lang="en-US" dirty="0" err="1">
+                <a:latin typeface="Open Sans" panose="020B0606030504020204" pitchFamily="34" charset="0"/>
+                <a:ea typeface="Open Sans" panose="020B0606030504020204" pitchFamily="34" charset="0"/>
+                <a:cs typeface="Open Sans" panose="020B0606030504020204" pitchFamily="34" charset="0"/>
+              </a:rPr>
+              <a:t>img</a:t>
+            </a:r>
+            <a:r>
+              <a:rPr lang="en-US" dirty="0">
+                <a:latin typeface="Open Sans" panose="020B0606030504020204" pitchFamily="34" charset="0"/>
+                <a:ea typeface="Open Sans" panose="020B0606030504020204" pitchFamily="34" charset="0"/>
+                <a:cs typeface="Open Sans" panose="020B0606030504020204" pitchFamily="34" charset="0"/>
+              </a:rPr>
+              <a:t>&gt; element to the </a:t>
+            </a:r>
+            <a:br>
+              <a:rPr lang="en-US" dirty="0">
+                <a:latin typeface="Open Sans" panose="020B0606030504020204" pitchFamily="34" charset="0"/>
+                <a:ea typeface="Open Sans" panose="020B0606030504020204" pitchFamily="34" charset="0"/>
+                <a:cs typeface="Open Sans" panose="020B0606030504020204" pitchFamily="34" charset="0"/>
+              </a:rPr>
+            </a:br>
+            <a:r>
+              <a:rPr lang="en-US" i="1" dirty="0">
+                <a:latin typeface="Open Sans" panose="020B0606030504020204" pitchFamily="34" charset="0"/>
+                <a:ea typeface="Open Sans" panose="020B0606030504020204" pitchFamily="34" charset="0"/>
+                <a:cs typeface="Open Sans" panose="020B0606030504020204" pitchFamily="34" charset="0"/>
+              </a:rPr>
+              <a:t>#cookie-container</a:t>
+            </a:r>
+            <a:endParaRPr lang="en-US" dirty="0">
+              <a:latin typeface="Open Sans" panose="020B0606030504020204" pitchFamily="34" charset="0"/>
+              <a:ea typeface="Open Sans" panose="020B0606030504020204" pitchFamily="34" charset="0"/>
+              <a:cs typeface="Open Sans" panose="020B0606030504020204" pitchFamily="34" charset="0"/>
+            </a:endParaRPr>
+          </a:p>
+          <a:p>
+            <a:pPr marL="514350" indent="-514350">
+              <a:buFont typeface="+mj-lt"/>
+              <a:buAutoNum type="arabicPeriod"/>
             </a:pPr>
             <a:endParaRPr lang="en-US" dirty="0">
               <a:latin typeface="Open Sans" panose="020B0606030504020204" pitchFamily="34" charset="0"/>
@@ -4355,16 +4706,130 @@
               <a:rPr lang="en-US" sz="1800" dirty="0">
                 <a:hlinkClick r:id="rId2"/>
               </a:rPr>
-              <a:t>https://www.w3schools.com/jsref/event_onclick.asp</a:t>
+              <a:t>https://developer.mozilla.org/en-US/docs/Web/API/Element/classList</a:t>
             </a:r>
             <a:endParaRPr lang="en-US" sz="1800" dirty="0"/>
           </a:p>
-        </p:txBody>
-      </p:sp>
+          <a:p>
+            <a:pPr marL="0" indent="0">
+              <a:buNone/>
+            </a:pPr>
+            <a:r>
+              <a:rPr lang="en-US" sz="1800" dirty="0">
+                <a:hlinkClick r:id="rId3"/>
+              </a:rPr>
+              <a:t>https://developer.mozilla.org/en-US/docs/Web/API/ParentNode/append</a:t>
+            </a:r>
+            <a:endParaRPr lang="en-US" sz="1800" dirty="0"/>
+          </a:p>
+          <a:p>
+            <a:pPr marL="0" indent="0">
+              <a:buNone/>
+            </a:pPr>
+            <a:r>
+              <a:rPr lang="en-US" sz="1800" dirty="0">
+                <a:hlinkClick r:id="rId4"/>
+              </a:rPr>
+              <a:t>https://www.w3schools.com/jsref/dom_obj_image.asp</a:t>
+            </a:r>
+            <a:endParaRPr lang="en-US" sz="1800" dirty="0"/>
+          </a:p>
+        </p:txBody>
+      </p:sp>
+      <p:pic>
+        <p:nvPicPr>
+          <p:cNvPr id="5" name="Picture 4" descr="A picture containing looking, sitting, bird, white&#10;&#10;Description automatically generated">
+            <a:extLst>
+              <a:ext uri="{FF2B5EF4-FFF2-40B4-BE49-F238E27FC236}">
+                <a16:creationId xmlns:a16="http://schemas.microsoft.com/office/drawing/2014/main" id="{3B9B41DD-4D4D-0B4C-B11D-87050BB10C29}"/>
+              </a:ext>
+            </a:extLst>
+          </p:cNvPr>
+          <p:cNvPicPr>
+            <a:picLocks noChangeAspect="1"/>
+          </p:cNvPicPr>
+          <p:nvPr/>
+        </p:nvPicPr>
+        <p:blipFill>
+          <a:blip r:embed="rId5"/>
+          <a:stretch>
+            <a:fillRect/>
+          </a:stretch>
+        </p:blipFill>
+        <p:spPr>
+          <a:xfrm>
+            <a:off x="8988926" y="3742291"/>
+            <a:ext cx="1130300" cy="1193800"/>
+          </a:xfrm>
+          <a:prstGeom prst="rect">
+            <a:avLst/>
+          </a:prstGeom>
+        </p:spPr>
+      </p:pic>
+      <p:pic>
+        <p:nvPicPr>
+          <p:cNvPr id="7" name="Picture 6" descr="A close up of a logo&#10;&#10;Description automatically generated">
+            <a:extLst>
+              <a:ext uri="{FF2B5EF4-FFF2-40B4-BE49-F238E27FC236}">
+                <a16:creationId xmlns:a16="http://schemas.microsoft.com/office/drawing/2014/main" id="{32AAACC0-8688-CB41-9FB8-2F837B5B9B8D}"/>
+              </a:ext>
+            </a:extLst>
+          </p:cNvPr>
+          <p:cNvPicPr>
+            <a:picLocks noChangeAspect="1"/>
+          </p:cNvPicPr>
+          <p:nvPr/>
+        </p:nvPicPr>
+        <p:blipFill>
+          <a:blip r:embed="rId6"/>
+          <a:stretch>
+            <a:fillRect/>
+          </a:stretch>
+        </p:blipFill>
+        <p:spPr>
+          <a:xfrm>
+            <a:off x="7513772" y="4393166"/>
+            <a:ext cx="1054100" cy="1085850"/>
+          </a:xfrm>
+          <a:prstGeom prst="rect">
+            <a:avLst/>
+          </a:prstGeom>
+        </p:spPr>
+      </p:pic>
+      <p:pic>
+        <p:nvPicPr>
+          <p:cNvPr id="8" name="Picture 7" descr="A picture containing food, clock&#10;&#10;Description automatically generated">
+            <a:extLst>
+              <a:ext uri="{FF2B5EF4-FFF2-40B4-BE49-F238E27FC236}">
+                <a16:creationId xmlns:a16="http://schemas.microsoft.com/office/drawing/2014/main" id="{A93E903B-F9A3-584F-AA46-BE3F5F0A95E6}"/>
+              </a:ext>
+            </a:extLst>
+          </p:cNvPr>
+          <p:cNvPicPr>
+            <a:picLocks noChangeAspect="1"/>
+          </p:cNvPicPr>
+          <p:nvPr/>
+        </p:nvPicPr>
+        <p:blipFill>
+          <a:blip r:embed="rId7"/>
+          <a:stretch>
+            <a:fillRect/>
+          </a:stretch>
+        </p:blipFill>
+        <p:spPr>
+          <a:xfrm>
+            <a:off x="8845923" y="5195034"/>
+            <a:ext cx="1073150" cy="1041400"/>
+          </a:xfrm>
+          <a:prstGeom prst="rect">
+            <a:avLst/>
+          </a:prstGeom>
+        </p:spPr>
+      </p:pic>
     </p:spTree>
     <p:extLst>
       <p:ext uri="{BB962C8B-B14F-4D97-AF65-F5344CB8AC3E}">
-        <p14:creationId xmlns:p14="http://schemas.microsoft.com/office/powerpoint/2010/main" val="3249587447"/>
+        <p14:creationId xmlns:p14="http://schemas.microsoft.com/office/powerpoint/2010/main" val="2110882223"/>
       </p:ext>
     </p:extLst>
   </p:cSld>
@@ -4404,6 +4869,53 @@
       </p:grpSpPr>
       <p:sp>
         <p:nvSpPr>
+          <p:cNvPr id="9" name="Oval 8">
+            <a:extLst>
+              <a:ext uri="{FF2B5EF4-FFF2-40B4-BE49-F238E27FC236}">
+                <a16:creationId xmlns:a16="http://schemas.microsoft.com/office/drawing/2014/main" id="{D10C1CBC-6FA7-564A-A72C-24835C409F2A}"/>
+              </a:ext>
+            </a:extLst>
+          </p:cNvPr>
+          <p:cNvSpPr/>
+          <p:nvPr/>
+        </p:nvSpPr>
+        <p:spPr>
+          <a:xfrm>
+            <a:off x="8775212" y="3745523"/>
+            <a:ext cx="2813050" cy="2678121"/>
+          </a:xfrm>
+          <a:prstGeom prst="ellipse">
+            <a:avLst/>
+          </a:prstGeom>
+          <a:ln>
+            <a:noFill/>
+          </a:ln>
+        </p:spPr>
+        <p:style>
+          <a:lnRef idx="2">
+            <a:schemeClr val="accent6"/>
+          </a:lnRef>
+          <a:fillRef idx="1">
+            <a:schemeClr val="lt1"/>
+          </a:fillRef>
+          <a:effectRef idx="0">
+            <a:schemeClr val="accent6"/>
+          </a:effectRef>
+          <a:fontRef idx="minor">
+            <a:schemeClr val="dk1"/>
+          </a:fontRef>
+        </p:style>
+        <p:txBody>
+          <a:bodyPr rtlCol="0" anchor="ctr"/>
+          <a:lstStyle/>
+          <a:p>
+            <a:pPr algn="ctr"/>
+            <a:endParaRPr lang="en-US"/>
+          </a:p>
+        </p:txBody>
+      </p:sp>
+      <p:sp>
+        <p:nvSpPr>
           <p:cNvPr id="2" name="Title 1">
             <a:extLst>
               <a:ext uri="{FF2B5EF4-FFF2-40B4-BE49-F238E27FC236}">
@@ -4427,13 +4939,13 @@
               <a:rPr lang="en-US" dirty="0">
                 <a:latin typeface="Fredoka One" panose="02000000000000000000" pitchFamily="2" charset="77"/>
               </a:rPr>
-              <a:t>Step 5: </a:t>
+              <a:t>Step 3.2: </a:t>
             </a:r>
             <a:r>
               <a:rPr lang="en-US" sz="3200" dirty="0">
                 <a:latin typeface="Fredoka One" panose="02000000000000000000" pitchFamily="2" charset="77"/>
               </a:rPr>
-              <a:t>Refactor code</a:t>
+              <a:t>Generate a Cookie</a:t>
             </a:r>
             <a:endParaRPr lang="en-US" dirty="0"/>
           </a:p>
@@ -4457,13 +4969,13 @@
         </p:nvSpPr>
         <p:spPr>
           <a:xfrm>
-            <a:off x="838199" y="1656731"/>
-            <a:ext cx="9871129" cy="4838646"/>
+            <a:off x="838200" y="1656731"/>
+            <a:ext cx="9933122" cy="4838646"/>
           </a:xfrm>
         </p:spPr>
         <p:txBody>
           <a:bodyPr>
-            <a:normAutofit lnSpcReduction="10000"/>
+            <a:normAutofit/>
           </a:bodyPr>
           <a:lstStyle/>
           <a:p>
@@ -4476,7 +4988,47 @@
                 <a:ea typeface="Open Sans" panose="020B0606030504020204" pitchFamily="34" charset="0"/>
                 <a:cs typeface="Open Sans" panose="020B0606030504020204" pitchFamily="34" charset="0"/>
               </a:rPr>
-              <a:t>To ensure the code is run only when the html and its elements has been loaded. Create a window event listener where the following code will only run in the following order when the window has loaded:</a:t>
+              <a:t>Add an on ‘click’ event listener to the cookie jar &lt;</a:t>
+            </a:r>
+            <a:r>
+              <a:rPr lang="en-US" dirty="0" err="1">
+                <a:latin typeface="Open Sans" panose="020B0606030504020204" pitchFamily="34" charset="0"/>
+                <a:ea typeface="Open Sans" panose="020B0606030504020204" pitchFamily="34" charset="0"/>
+                <a:cs typeface="Open Sans" panose="020B0606030504020204" pitchFamily="34" charset="0"/>
+              </a:rPr>
+              <a:t>img</a:t>
+            </a:r>
+            <a:r>
+              <a:rPr lang="en-US" dirty="0">
+                <a:latin typeface="Open Sans" panose="020B0606030504020204" pitchFamily="34" charset="0"/>
+                <a:ea typeface="Open Sans" panose="020B0606030504020204" pitchFamily="34" charset="0"/>
+                <a:cs typeface="Open Sans" panose="020B0606030504020204" pitchFamily="34" charset="0"/>
+              </a:rPr>
+              <a:t>&gt; element that calls on the </a:t>
+            </a:r>
+            <a:r>
+              <a:rPr lang="en-US" b="1" dirty="0" err="1">
+                <a:latin typeface="Open Sans" panose="020B0606030504020204" pitchFamily="34" charset="0"/>
+                <a:ea typeface="Open Sans" panose="020B0606030504020204" pitchFamily="34" charset="0"/>
+                <a:cs typeface="Open Sans" panose="020B0606030504020204" pitchFamily="34" charset="0"/>
+              </a:rPr>
+              <a:t>generateCookie</a:t>
+            </a:r>
+            <a:r>
+              <a:rPr lang="en-US" b="1" dirty="0">
+                <a:latin typeface="Open Sans" panose="020B0606030504020204" pitchFamily="34" charset="0"/>
+                <a:ea typeface="Open Sans" panose="020B0606030504020204" pitchFamily="34" charset="0"/>
+                <a:cs typeface="Open Sans" panose="020B0606030504020204" pitchFamily="34" charset="0"/>
+              </a:rPr>
+              <a:t> </a:t>
+            </a:r>
+            <a:r>
+              <a:rPr lang="en-US" dirty="0">
+                <a:latin typeface="Open Sans" panose="020B0606030504020204" pitchFamily="34" charset="0"/>
+                <a:ea typeface="Open Sans" panose="020B0606030504020204" pitchFamily="34" charset="0"/>
+                <a:cs typeface="Open Sans" panose="020B0606030504020204" pitchFamily="34" charset="0"/>
+              </a:rPr>
+              <a:t>function you made in the last step</a:t>
             </a:r>
           </a:p>
           <a:p>
@@ -4490,60 +5042,36 @@
             </a:endParaRPr>
           </a:p>
           <a:p>
-            <a:r>
-              <a:rPr lang="en-US" sz="2400" dirty="0">
-                <a:latin typeface="Open Sans" panose="020B0606030504020204" pitchFamily="34" charset="0"/>
-                <a:ea typeface="Open Sans" panose="020B0606030504020204" pitchFamily="34" charset="0"/>
-                <a:cs typeface="Open Sans" panose="020B0606030504020204" pitchFamily="34" charset="0"/>
-              </a:rPr>
-              <a:t>Call </a:t>
-            </a:r>
-            <a:r>
-              <a:rPr lang="en-US" sz="2400" dirty="0" err="1">
-                <a:latin typeface="Open Sans" panose="020B0606030504020204" pitchFamily="34" charset="0"/>
-                <a:ea typeface="Open Sans" panose="020B0606030504020204" pitchFamily="34" charset="0"/>
-                <a:cs typeface="Open Sans" panose="020B0606030504020204" pitchFamily="34" charset="0"/>
-              </a:rPr>
-              <a:t>GenerateDropdown</a:t>
-            </a:r>
-            <a:r>
-              <a:rPr lang="en-US" sz="2400" dirty="0">
-                <a:latin typeface="Open Sans" panose="020B0606030504020204" pitchFamily="34" charset="0"/>
-                <a:ea typeface="Open Sans" panose="020B0606030504020204" pitchFamily="34" charset="0"/>
-                <a:cs typeface="Open Sans" panose="020B0606030504020204" pitchFamily="34" charset="0"/>
-              </a:rPr>
-              <a:t> function</a:t>
-            </a:r>
-          </a:p>
-          <a:p>
-            <a:r>
-              <a:rPr lang="en-US" sz="2400" dirty="0">
-                <a:latin typeface="Open Sans" panose="020B0606030504020204" pitchFamily="34" charset="0"/>
-                <a:ea typeface="Open Sans" panose="020B0606030504020204" pitchFamily="34" charset="0"/>
-                <a:cs typeface="Open Sans" panose="020B0606030504020204" pitchFamily="34" charset="0"/>
-              </a:rPr>
-              <a:t>Dropdown on change event listener code</a:t>
-            </a:r>
-          </a:p>
-          <a:p>
-            <a:r>
-              <a:rPr lang="en-US" sz="2400" dirty="0">
-                <a:latin typeface="Open Sans" panose="020B0606030504020204" pitchFamily="34" charset="0"/>
-                <a:ea typeface="Open Sans" panose="020B0606030504020204" pitchFamily="34" charset="0"/>
-                <a:cs typeface="Open Sans" panose="020B0606030504020204" pitchFamily="34" charset="0"/>
-              </a:rPr>
-              <a:t> Cookie jar on click event listener code</a:t>
-            </a:r>
-          </a:p>
-          <a:p>
-            <a:endParaRPr lang="en-US" dirty="0">
-              <a:latin typeface="Open Sans" panose="020B0606030504020204" pitchFamily="34" charset="0"/>
-              <a:ea typeface="Open Sans" panose="020B0606030504020204" pitchFamily="34" charset="0"/>
-              <a:cs typeface="Open Sans" panose="020B0606030504020204" pitchFamily="34" charset="0"/>
-            </a:endParaRPr>
-          </a:p>
-          <a:p>
-            <a:pPr marL="457200" lvl="1" indent="0">
+            <a:pPr marL="0" indent="0">
+              <a:buNone/>
+            </a:pPr>
+            <a:r>
+              <a:rPr lang="en-US" dirty="0">
+                <a:latin typeface="Open Sans" panose="020B0606030504020204" pitchFamily="34" charset="0"/>
+                <a:ea typeface="Open Sans" panose="020B0606030504020204" pitchFamily="34" charset="0"/>
+                <a:cs typeface="Open Sans" panose="020B0606030504020204" pitchFamily="34" charset="0"/>
+              </a:rPr>
+              <a:t>Whenever you click on the cookie jar </a:t>
+            </a:r>
+            <a:r>
+              <a:rPr lang="en-US" dirty="0" err="1">
+                <a:latin typeface="Open Sans" panose="020B0606030504020204" pitchFamily="34" charset="0"/>
+                <a:ea typeface="Open Sans" panose="020B0606030504020204" pitchFamily="34" charset="0"/>
+                <a:cs typeface="Open Sans" panose="020B0606030504020204" pitchFamily="34" charset="0"/>
+              </a:rPr>
+              <a:t>img</a:t>
+            </a:r>
+            <a:r>
+              <a:rPr lang="en-US" dirty="0">
+                <a:latin typeface="Open Sans" panose="020B0606030504020204" pitchFamily="34" charset="0"/>
+                <a:ea typeface="Open Sans" panose="020B0606030504020204" pitchFamily="34" charset="0"/>
+                <a:cs typeface="Open Sans" panose="020B0606030504020204" pitchFamily="34" charset="0"/>
+              </a:rPr>
+              <a:t> it should generate a cookie</a:t>
+            </a:r>
+          </a:p>
+          <a:p>
+            <a:pPr marL="0" indent="0">
               <a:buNone/>
             </a:pPr>
             <a:endParaRPr lang="en-US" dirty="0">
@@ -4573,16 +5101,46 @@
               <a:rPr lang="en-US" sz="1800" dirty="0">
                 <a:hlinkClick r:id="rId2"/>
               </a:rPr>
-              <a:t>https://developer.mozilla.org/en-US/docs/Web/API/Window/load_event</a:t>
+              <a:t>https://www.w3schools.com/jsref/event_onclick.asp</a:t>
             </a:r>
             <a:endParaRPr lang="en-US" sz="1800" dirty="0"/>
           </a:p>
         </p:txBody>
       </p:sp>
+      <p:pic>
+        <p:nvPicPr>
+          <p:cNvPr id="8" name="Picture 7" descr="A close up of a sign&#10;&#10;Description automatically generated">
+            <a:extLst>
+              <a:ext uri="{FF2B5EF4-FFF2-40B4-BE49-F238E27FC236}">
+                <a16:creationId xmlns:a16="http://schemas.microsoft.com/office/drawing/2014/main" id="{36DF79AC-8F40-0D4A-A578-E6E08314B828}"/>
+              </a:ext>
+            </a:extLst>
+          </p:cNvPr>
+          <p:cNvPicPr>
+            <a:picLocks noChangeAspect="1"/>
+          </p:cNvPicPr>
+          <p:nvPr/>
+        </p:nvPicPr>
+        <p:blipFill>
+          <a:blip r:embed="rId3"/>
+          <a:stretch>
+            <a:fillRect/>
+          </a:stretch>
+        </p:blipFill>
+        <p:spPr>
+          <a:xfrm>
+            <a:off x="8997950" y="3890582"/>
+            <a:ext cx="2355850" cy="2047409"/>
+          </a:xfrm>
+          <a:prstGeom prst="rect">
+            <a:avLst/>
+          </a:prstGeom>
+        </p:spPr>
+      </p:pic>
     </p:spTree>
     <p:extLst>
       <p:ext uri="{BB962C8B-B14F-4D97-AF65-F5344CB8AC3E}">
-        <p14:creationId xmlns:p14="http://schemas.microsoft.com/office/powerpoint/2010/main" val="3424412877"/>
+        <p14:creationId xmlns:p14="http://schemas.microsoft.com/office/powerpoint/2010/main" val="460880512"/>
       </p:ext>
     </p:extLst>
   </p:cSld>
@@ -4625,7 +5183,7 @@
           <p:cNvPr id="2" name="Title 1">
             <a:extLst>
               <a:ext uri="{FF2B5EF4-FFF2-40B4-BE49-F238E27FC236}">
-                <a16:creationId xmlns:a16="http://schemas.microsoft.com/office/drawing/2014/main" id="{06FCB876-5B6C-A34F-B8A6-41DA5DFEDCF1}"/>
+                <a16:creationId xmlns:a16="http://schemas.microsoft.com/office/drawing/2014/main" id="{3B3E565E-04F4-9847-A658-9B719DCBB0B1}"/>
               </a:ext>
             </a:extLst>
           </p:cNvPr>
@@ -4645,7 +5203,13 @@
               <a:rPr lang="en-US" dirty="0">
                 <a:latin typeface="Fredoka One" panose="02000000000000000000" pitchFamily="2" charset="77"/>
               </a:rPr>
-              <a:t>Challenge</a:t>
+              <a:t>Step 4.1: </a:t>
+            </a:r>
+            <a:r>
+              <a:rPr lang="en-US" sz="3200" dirty="0">
+                <a:latin typeface="Fredoka One" panose="02000000000000000000" pitchFamily="2" charset="77"/>
+              </a:rPr>
+              <a:t>Cookie Eaten Event</a:t>
             </a:r>
             <a:endParaRPr lang="en-US" dirty="0"/>
           </a:p>
@@ -4656,7 +5220,7 @@
           <p:cNvPr id="3" name="Content Placeholder 2">
             <a:extLst>
               <a:ext uri="{FF2B5EF4-FFF2-40B4-BE49-F238E27FC236}">
-                <a16:creationId xmlns:a16="http://schemas.microsoft.com/office/drawing/2014/main" id="{8944228C-AD48-0749-8B1C-DBCCAF091F47}"/>
+                <a16:creationId xmlns:a16="http://schemas.microsoft.com/office/drawing/2014/main" id="{15B342B8-6735-254D-9B71-302EA4E1EBA4}"/>
               </a:ext>
             </a:extLst>
           </p:cNvPr>
@@ -4667,36 +5231,267 @@
             <p:ph idx="1"/>
           </p:nvPr>
         </p:nvSpPr>
-        <p:spPr/>
-        <p:txBody>
-          <a:bodyPr/>
+        <p:spPr>
+          <a:xfrm>
+            <a:off x="838199" y="1656731"/>
+            <a:ext cx="9871129" cy="4838646"/>
+          </a:xfrm>
+        </p:spPr>
+        <p:txBody>
+          <a:bodyPr>
+            <a:normAutofit fontScale="85000" lnSpcReduction="20000"/>
+          </a:bodyPr>
           <a:lstStyle/>
           <a:p>
             <a:pPr marL="0" indent="0">
               <a:buNone/>
             </a:pPr>
             <a:r>
-              <a:rPr lang="en-US" dirty="0"/>
-              <a:t>So you want a challenge, huh? </a:t>
+              <a:rPr lang="en-US" dirty="0">
+                <a:latin typeface="Open Sans" panose="020B0606030504020204" pitchFamily="34" charset="0"/>
+                <a:ea typeface="Open Sans" panose="020B0606030504020204" pitchFamily="34" charset="0"/>
+                <a:cs typeface="Open Sans" panose="020B0606030504020204" pitchFamily="34" charset="0"/>
+              </a:rPr>
+              <a:t>Create a function called </a:t>
+            </a:r>
+            <a:r>
+              <a:rPr lang="en-US" b="1" dirty="0" err="1">
+                <a:latin typeface="Open Sans" panose="020B0606030504020204" pitchFamily="34" charset="0"/>
+                <a:ea typeface="Open Sans" panose="020B0606030504020204" pitchFamily="34" charset="0"/>
+                <a:cs typeface="Open Sans" panose="020B0606030504020204" pitchFamily="34" charset="0"/>
+              </a:rPr>
+              <a:t>monsterEat</a:t>
+            </a:r>
+            <a:r>
+              <a:rPr lang="en-US" b="1" dirty="0">
+                <a:latin typeface="Open Sans" panose="020B0606030504020204" pitchFamily="34" charset="0"/>
+                <a:ea typeface="Open Sans" panose="020B0606030504020204" pitchFamily="34" charset="0"/>
+                <a:cs typeface="Open Sans" panose="020B0606030504020204" pitchFamily="34" charset="0"/>
+              </a:rPr>
+              <a:t> </a:t>
+            </a:r>
+            <a:r>
+              <a:rPr lang="en-US" dirty="0">
+                <a:latin typeface="Open Sans" panose="020B0606030504020204" pitchFamily="34" charset="0"/>
+                <a:ea typeface="Open Sans" panose="020B0606030504020204" pitchFamily="34" charset="0"/>
+                <a:cs typeface="Open Sans" panose="020B0606030504020204" pitchFamily="34" charset="0"/>
+              </a:rPr>
+              <a:t>that does the following:</a:t>
             </a:r>
           </a:p>
           <a:p>
             <a:pPr marL="0" indent="0">
               <a:buNone/>
             </a:pPr>
-            <a:r>
-              <a:rPr lang="en-US" dirty="0"/>
-              <a:t>When the full progress bar for Cookie Monster becomes full, make a pop up that says he’s successfully full. When the user clicks on the pop-up it should disappear.</a:t>
-            </a:r>
+            <a:endParaRPr lang="en-US" dirty="0">
+              <a:latin typeface="Open Sans" panose="020B0606030504020204" pitchFamily="34" charset="0"/>
+              <a:ea typeface="Open Sans" panose="020B0606030504020204" pitchFamily="34" charset="0"/>
+              <a:cs typeface="Open Sans" panose="020B0606030504020204" pitchFamily="34" charset="0"/>
+            </a:endParaRPr>
+          </a:p>
+          <a:p>
+            <a:pPr marL="514350" indent="-514350">
+              <a:buFont typeface="+mj-lt"/>
+              <a:buAutoNum type="arabicPeriod"/>
+            </a:pPr>
+            <a:r>
+              <a:rPr lang="en-US" dirty="0">
+                <a:latin typeface="Open Sans" panose="020B0606030504020204" pitchFamily="34" charset="0"/>
+                <a:ea typeface="Open Sans" panose="020B0606030504020204" pitchFamily="34" charset="0"/>
+                <a:cs typeface="Open Sans" panose="020B0606030504020204" pitchFamily="34" charset="0"/>
+              </a:rPr>
+              <a:t>Takes in an event parameter</a:t>
+            </a:r>
+          </a:p>
+          <a:p>
+            <a:pPr marL="514350" indent="-514350">
+              <a:buFont typeface="+mj-lt"/>
+              <a:buAutoNum type="arabicPeriod"/>
+            </a:pPr>
+            <a:r>
+              <a:rPr lang="en-US" dirty="0">
+                <a:latin typeface="Open Sans" panose="020B0606030504020204" pitchFamily="34" charset="0"/>
+                <a:ea typeface="Open Sans" panose="020B0606030504020204" pitchFamily="34" charset="0"/>
+                <a:cs typeface="Open Sans" panose="020B0606030504020204" pitchFamily="34" charset="0"/>
+              </a:rPr>
+              <a:t>The </a:t>
+            </a:r>
+            <a:r>
+              <a:rPr lang="en-US" i="1" dirty="0" err="1">
+                <a:latin typeface="Open Sans" panose="020B0606030504020204" pitchFamily="34" charset="0"/>
+                <a:ea typeface="Open Sans" panose="020B0606030504020204" pitchFamily="34" charset="0"/>
+                <a:cs typeface="Open Sans" panose="020B0606030504020204" pitchFamily="34" charset="0"/>
+              </a:rPr>
+              <a:t>event.target</a:t>
+            </a:r>
+            <a:r>
+              <a:rPr lang="en-US" i="1" dirty="0">
+                <a:latin typeface="Open Sans" panose="020B0606030504020204" pitchFamily="34" charset="0"/>
+                <a:ea typeface="Open Sans" panose="020B0606030504020204" pitchFamily="34" charset="0"/>
+                <a:cs typeface="Open Sans" panose="020B0606030504020204" pitchFamily="34" charset="0"/>
+              </a:rPr>
+              <a:t> </a:t>
+            </a:r>
+            <a:r>
+              <a:rPr lang="en-US" dirty="0">
+                <a:latin typeface="Open Sans" panose="020B0606030504020204" pitchFamily="34" charset="0"/>
+                <a:ea typeface="Open Sans" panose="020B0606030504020204" pitchFamily="34" charset="0"/>
+                <a:cs typeface="Open Sans" panose="020B0606030504020204" pitchFamily="34" charset="0"/>
+              </a:rPr>
+              <a:t>is equal to selected cookie to eat. Removes the selected cookie from the ‘#cookie-container’</a:t>
+            </a:r>
+          </a:p>
+          <a:p>
+            <a:pPr marL="514350" indent="-514350">
+              <a:buFont typeface="+mj-lt"/>
+              <a:buAutoNum type="arabicPeriod"/>
+            </a:pPr>
+            <a:r>
+              <a:rPr lang="en-US" dirty="0">
+                <a:latin typeface="Open Sans" panose="020B0606030504020204" pitchFamily="34" charset="0"/>
+                <a:ea typeface="Open Sans" panose="020B0606030504020204" pitchFamily="34" charset="0"/>
+                <a:cs typeface="Open Sans" panose="020B0606030504020204" pitchFamily="34" charset="0"/>
+              </a:rPr>
+              <a:t>Adjust the full progress bar by </a:t>
+            </a:r>
+          </a:p>
+          <a:p>
+            <a:pPr lvl="1"/>
+            <a:r>
+              <a:rPr lang="en-US" dirty="0">
+                <a:latin typeface="Open Sans" panose="020B0606030504020204" pitchFamily="34" charset="0"/>
+                <a:ea typeface="Open Sans" panose="020B0606030504020204" pitchFamily="34" charset="0"/>
+                <a:cs typeface="Open Sans" panose="020B0606030504020204" pitchFamily="34" charset="0"/>
+              </a:rPr>
+              <a:t>calling the </a:t>
+            </a:r>
+            <a:r>
+              <a:rPr lang="en-US" dirty="0" err="1">
+                <a:latin typeface="Open Sans" panose="020B0606030504020204" pitchFamily="34" charset="0"/>
+                <a:ea typeface="Open Sans" panose="020B0606030504020204" pitchFamily="34" charset="0"/>
+                <a:cs typeface="Open Sans" panose="020B0606030504020204" pitchFamily="34" charset="0"/>
+              </a:rPr>
+              <a:t>calculateHunger</a:t>
+            </a:r>
+            <a:r>
+              <a:rPr lang="en-US" dirty="0">
+                <a:latin typeface="Open Sans" panose="020B0606030504020204" pitchFamily="34" charset="0"/>
+                <a:ea typeface="Open Sans" panose="020B0606030504020204" pitchFamily="34" charset="0"/>
+                <a:cs typeface="Open Sans" panose="020B0606030504020204" pitchFamily="34" charset="0"/>
+              </a:rPr>
+              <a:t>(cookie) function passing in the cookie that was selected (</a:t>
+            </a:r>
+            <a:r>
+              <a:rPr lang="en-US" dirty="0" err="1">
+                <a:latin typeface="Open Sans" panose="020B0606030504020204" pitchFamily="34" charset="0"/>
+                <a:ea typeface="Open Sans" panose="020B0606030504020204" pitchFamily="34" charset="0"/>
+                <a:cs typeface="Open Sans" panose="020B0606030504020204" pitchFamily="34" charset="0"/>
+              </a:rPr>
+              <a:t>event.target</a:t>
+            </a:r>
+            <a:r>
+              <a:rPr lang="en-US" dirty="0">
+                <a:latin typeface="Open Sans" panose="020B0606030504020204" pitchFamily="34" charset="0"/>
+                <a:ea typeface="Open Sans" panose="020B0606030504020204" pitchFamily="34" charset="0"/>
+                <a:cs typeface="Open Sans" panose="020B0606030504020204" pitchFamily="34" charset="0"/>
+              </a:rPr>
+              <a:t>)</a:t>
+            </a:r>
+          </a:p>
+          <a:p>
+            <a:pPr lvl="1"/>
+            <a:r>
+              <a:rPr lang="en-US" dirty="0">
+                <a:latin typeface="Open Sans" panose="020B0606030504020204" pitchFamily="34" charset="0"/>
+                <a:ea typeface="Open Sans" panose="020B0606030504020204" pitchFamily="34" charset="0"/>
+                <a:cs typeface="Open Sans" panose="020B0606030504020204" pitchFamily="34" charset="0"/>
+              </a:rPr>
+              <a:t>Assigning the returned value of the </a:t>
+            </a:r>
+            <a:r>
+              <a:rPr lang="en-US" dirty="0" err="1">
+                <a:latin typeface="Open Sans" panose="020B0606030504020204" pitchFamily="34" charset="0"/>
+                <a:ea typeface="Open Sans" panose="020B0606030504020204" pitchFamily="34" charset="0"/>
+                <a:cs typeface="Open Sans" panose="020B0606030504020204" pitchFamily="34" charset="0"/>
+              </a:rPr>
+              <a:t>calculateHunger</a:t>
+            </a:r>
+            <a:r>
+              <a:rPr lang="en-US" dirty="0">
+                <a:latin typeface="Open Sans" panose="020B0606030504020204" pitchFamily="34" charset="0"/>
+                <a:ea typeface="Open Sans" panose="020B0606030504020204" pitchFamily="34" charset="0"/>
+                <a:cs typeface="Open Sans" panose="020B0606030504020204" pitchFamily="34" charset="0"/>
+              </a:rPr>
+              <a:t> function to the width of the progress bar</a:t>
+            </a:r>
+          </a:p>
+          <a:p>
+            <a:pPr marL="457200" lvl="1" indent="0">
+              <a:buNone/>
+            </a:pPr>
+            <a:endParaRPr lang="en-US" dirty="0">
+              <a:latin typeface="Open Sans" panose="020B0606030504020204" pitchFamily="34" charset="0"/>
+              <a:ea typeface="Open Sans" panose="020B0606030504020204" pitchFamily="34" charset="0"/>
+              <a:cs typeface="Open Sans" panose="020B0606030504020204" pitchFamily="34" charset="0"/>
+            </a:endParaRPr>
+          </a:p>
+          <a:p>
+            <a:pPr marL="0" indent="0">
+              <a:buNone/>
+            </a:pPr>
+            <a:r>
+              <a:rPr lang="en-US" dirty="0">
+                <a:latin typeface="Open Sans" panose="020B0606030504020204" pitchFamily="34" charset="0"/>
+                <a:ea typeface="Open Sans" panose="020B0606030504020204" pitchFamily="34" charset="0"/>
+                <a:cs typeface="Open Sans" panose="020B0606030504020204" pitchFamily="34" charset="0"/>
+              </a:rPr>
+              <a:t>Helpful links:</a:t>
+            </a:r>
+          </a:p>
+          <a:p>
+            <a:pPr marL="0" indent="0">
+              <a:buNone/>
+            </a:pPr>
+            <a:r>
+              <a:rPr lang="en-US" sz="1800" dirty="0">
+                <a:hlinkClick r:id="rId2"/>
+              </a:rPr>
+              <a:t>https://www.w3schools.com/jsref/prop_style_width.asp </a:t>
+            </a:r>
+            <a:endParaRPr lang="en-US" sz="1800" dirty="0"/>
+          </a:p>
+          <a:p>
+            <a:pPr marL="0" indent="0">
+              <a:buNone/>
+            </a:pPr>
+            <a:r>
+              <a:rPr lang="en-US" sz="1800" dirty="0">
+                <a:hlinkClick r:id="rId3"/>
+              </a:rPr>
+              <a:t>https://developer.mozilla.org/en-US/docs/Web/API/Event/target </a:t>
+            </a:r>
+            <a:endParaRPr lang="en-US" sz="1800" dirty="0"/>
+          </a:p>
+          <a:p>
+            <a:pPr marL="0" indent="0">
+              <a:buNone/>
+            </a:pPr>
+            <a:r>
+              <a:rPr lang="en-US" sz="1800" dirty="0">
+                <a:hlinkClick r:id="rId4"/>
+              </a:rPr>
+              <a:t>https://developer.mozilla.org/en-US/docs/Web/API/Node/removeChild</a:t>
+            </a:r>
+            <a:endParaRPr lang="en-US" sz="1800" dirty="0"/>
           </a:p>
         </p:txBody>
       </p:sp>
       <p:pic>
         <p:nvPicPr>
-          <p:cNvPr id="4" name="Picture 3" descr="A picture containing tree, sign&#10;&#10;Description automatically generated">
-            <a:extLst>
-              <a:ext uri="{FF2B5EF4-FFF2-40B4-BE49-F238E27FC236}">
-                <a16:creationId xmlns:a16="http://schemas.microsoft.com/office/drawing/2014/main" id="{EA65BFC3-B0FD-774F-9BD6-23965DA49E83}"/>
+          <p:cNvPr id="5" name="Picture 4" descr="A close up of a logo&#10;&#10;Description automatically generated">
+            <a:extLst>
+              <a:ext uri="{FF2B5EF4-FFF2-40B4-BE49-F238E27FC236}">
+                <a16:creationId xmlns:a16="http://schemas.microsoft.com/office/drawing/2014/main" id="{A02EA5F3-EC23-A845-9D68-09B2719C064A}"/>
               </a:ext>
             </a:extLst>
           </p:cNvPr>
@@ -4705,16 +5500,15 @@
           </p:cNvPicPr>
           <p:nvPr/>
         </p:nvPicPr>
-        <p:blipFill>
-          <a:blip r:embed="rId2"/>
-          <a:stretch>
-            <a:fillRect/>
-          </a:stretch>
+        <p:blipFill rotWithShape="1">
+          <a:blip r:embed="rId5"/>
+          <a:srcRect l="57070" t="10961" r="9395" b="59188"/>
+          <a:stretch/>
         </p:blipFill>
         <p:spPr>
           <a:xfrm>
-            <a:off x="4174066" y="3429000"/>
-            <a:ext cx="3843867" cy="2882900"/>
+            <a:off x="8639759" y="4891949"/>
+            <a:ext cx="2714041" cy="1811941"/>
           </a:xfrm>
           <a:prstGeom prst="rect">
             <a:avLst/>
@@ -4724,7 +5518,7 @@
     </p:spTree>
     <p:extLst>
       <p:ext uri="{BB962C8B-B14F-4D97-AF65-F5344CB8AC3E}">
-        <p14:creationId xmlns:p14="http://schemas.microsoft.com/office/powerpoint/2010/main" val="3173197472"/>
+        <p14:creationId xmlns:p14="http://schemas.microsoft.com/office/powerpoint/2010/main" val="1647890566"/>
       </p:ext>
     </p:extLst>
   </p:cSld>
@@ -4764,6 +5558,663 @@
       </p:grpSpPr>
       <p:sp>
         <p:nvSpPr>
+          <p:cNvPr id="2" name="Title 1">
+            <a:extLst>
+              <a:ext uri="{FF2B5EF4-FFF2-40B4-BE49-F238E27FC236}">
+                <a16:creationId xmlns:a16="http://schemas.microsoft.com/office/drawing/2014/main" id="{3B3E565E-04F4-9847-A658-9B719DCBB0B1}"/>
+              </a:ext>
+            </a:extLst>
+          </p:cNvPr>
+          <p:cNvSpPr>
+            <a:spLocks noGrp="1"/>
+          </p:cNvSpPr>
+          <p:nvPr>
+            <p:ph type="title"/>
+          </p:nvPr>
+        </p:nvSpPr>
+        <p:spPr/>
+        <p:txBody>
+          <a:bodyPr/>
+          <a:lstStyle/>
+          <a:p>
+            <a:r>
+              <a:rPr lang="en-US" dirty="0">
+                <a:latin typeface="Fredoka One" panose="02000000000000000000" pitchFamily="2" charset="77"/>
+              </a:rPr>
+              <a:t>Step 4.2: </a:t>
+            </a:r>
+            <a:r>
+              <a:rPr lang="en-US" sz="3200" dirty="0">
+                <a:latin typeface="Fredoka One" panose="02000000000000000000" pitchFamily="2" charset="77"/>
+              </a:rPr>
+              <a:t>Cookie Eaten Event</a:t>
+            </a:r>
+            <a:endParaRPr lang="en-US" dirty="0"/>
+          </a:p>
+        </p:txBody>
+      </p:sp>
+      <p:sp>
+        <p:nvSpPr>
+          <p:cNvPr id="3" name="Content Placeholder 2">
+            <a:extLst>
+              <a:ext uri="{FF2B5EF4-FFF2-40B4-BE49-F238E27FC236}">
+                <a16:creationId xmlns:a16="http://schemas.microsoft.com/office/drawing/2014/main" id="{15B342B8-6735-254D-9B71-302EA4E1EBA4}"/>
+              </a:ext>
+            </a:extLst>
+          </p:cNvPr>
+          <p:cNvSpPr>
+            <a:spLocks noGrp="1"/>
+          </p:cNvSpPr>
+          <p:nvPr>
+            <p:ph idx="1"/>
+          </p:nvPr>
+        </p:nvSpPr>
+        <p:spPr>
+          <a:xfrm>
+            <a:off x="838199" y="1656731"/>
+            <a:ext cx="9871129" cy="4838646"/>
+          </a:xfrm>
+        </p:spPr>
+        <p:txBody>
+          <a:bodyPr>
+            <a:normAutofit/>
+          </a:bodyPr>
+          <a:lstStyle/>
+          <a:p>
+            <a:pPr marL="0" indent="0">
+              <a:buNone/>
+            </a:pPr>
+            <a:r>
+              <a:rPr lang="en-US" dirty="0">
+                <a:latin typeface="Open Sans" panose="020B0606030504020204" pitchFamily="34" charset="0"/>
+                <a:ea typeface="Open Sans" panose="020B0606030504020204" pitchFamily="34" charset="0"/>
+                <a:cs typeface="Open Sans" panose="020B0606030504020204" pitchFamily="34" charset="0"/>
+              </a:rPr>
+              <a:t>Add the </a:t>
+            </a:r>
+            <a:r>
+              <a:rPr lang="en-US" b="1" dirty="0" err="1">
+                <a:latin typeface="Open Sans" panose="020B0606030504020204" pitchFamily="34" charset="0"/>
+                <a:ea typeface="Open Sans" panose="020B0606030504020204" pitchFamily="34" charset="0"/>
+                <a:cs typeface="Open Sans" panose="020B0606030504020204" pitchFamily="34" charset="0"/>
+              </a:rPr>
+              <a:t>monsterEat</a:t>
+            </a:r>
+            <a:r>
+              <a:rPr lang="en-US" b="1" dirty="0">
+                <a:latin typeface="Open Sans" panose="020B0606030504020204" pitchFamily="34" charset="0"/>
+                <a:ea typeface="Open Sans" panose="020B0606030504020204" pitchFamily="34" charset="0"/>
+                <a:cs typeface="Open Sans" panose="020B0606030504020204" pitchFamily="34" charset="0"/>
+              </a:rPr>
+              <a:t> </a:t>
+            </a:r>
+            <a:r>
+              <a:rPr lang="en-US" dirty="0">
+                <a:latin typeface="Open Sans" panose="020B0606030504020204" pitchFamily="34" charset="0"/>
+                <a:ea typeface="Open Sans" panose="020B0606030504020204" pitchFamily="34" charset="0"/>
+                <a:cs typeface="Open Sans" panose="020B0606030504020204" pitchFamily="34" charset="0"/>
+              </a:rPr>
+              <a:t>function you just made as the function that is run whenever the user clicks on a cookie</a:t>
+            </a:r>
+          </a:p>
+          <a:p>
+            <a:pPr marL="0" indent="0">
+              <a:buNone/>
+            </a:pPr>
+            <a:r>
+              <a:rPr lang="en-US" dirty="0">
+                <a:latin typeface="Open Sans" panose="020B0606030504020204" pitchFamily="34" charset="0"/>
+                <a:ea typeface="Open Sans" panose="020B0606030504020204" pitchFamily="34" charset="0"/>
+                <a:cs typeface="Open Sans" panose="020B0606030504020204" pitchFamily="34" charset="0"/>
+              </a:rPr>
+              <a:t>(hint: add it to the </a:t>
+            </a:r>
+            <a:r>
+              <a:rPr lang="en-US" b="1" dirty="0" err="1">
+                <a:latin typeface="Open Sans" panose="020B0606030504020204" pitchFamily="34" charset="0"/>
+                <a:ea typeface="Open Sans" panose="020B0606030504020204" pitchFamily="34" charset="0"/>
+                <a:cs typeface="Open Sans" panose="020B0606030504020204" pitchFamily="34" charset="0"/>
+              </a:rPr>
+              <a:t>generateCookie</a:t>
+            </a:r>
+            <a:r>
+              <a:rPr lang="en-US" b="1" dirty="0">
+                <a:latin typeface="Open Sans" panose="020B0606030504020204" pitchFamily="34" charset="0"/>
+                <a:ea typeface="Open Sans" panose="020B0606030504020204" pitchFamily="34" charset="0"/>
+                <a:cs typeface="Open Sans" panose="020B0606030504020204" pitchFamily="34" charset="0"/>
+              </a:rPr>
+              <a:t> </a:t>
+            </a:r>
+            <a:r>
+              <a:rPr lang="en-US" dirty="0">
+                <a:latin typeface="Open Sans" panose="020B0606030504020204" pitchFamily="34" charset="0"/>
+                <a:ea typeface="Open Sans" panose="020B0606030504020204" pitchFamily="34" charset="0"/>
+                <a:cs typeface="Open Sans" panose="020B0606030504020204" pitchFamily="34" charset="0"/>
+              </a:rPr>
+              <a:t>function)</a:t>
+            </a:r>
+          </a:p>
+          <a:p>
+            <a:pPr marL="0" indent="0">
+              <a:buNone/>
+            </a:pPr>
+            <a:endParaRPr lang="en-US" dirty="0">
+              <a:latin typeface="Open Sans" panose="020B0606030504020204" pitchFamily="34" charset="0"/>
+              <a:ea typeface="Open Sans" panose="020B0606030504020204" pitchFamily="34" charset="0"/>
+              <a:cs typeface="Open Sans" panose="020B0606030504020204" pitchFamily="34" charset="0"/>
+            </a:endParaRPr>
+          </a:p>
+          <a:p>
+            <a:pPr marL="0" indent="0">
+              <a:buNone/>
+            </a:pPr>
+            <a:r>
+              <a:rPr lang="en-US" dirty="0">
+                <a:latin typeface="Open Sans" panose="020B0606030504020204" pitchFamily="34" charset="0"/>
+                <a:ea typeface="Open Sans" panose="020B0606030504020204" pitchFamily="34" charset="0"/>
+                <a:cs typeface="Open Sans" panose="020B0606030504020204" pitchFamily="34" charset="0"/>
+              </a:rPr>
+              <a:t>Whenever you click on a cookie it should now disappear and the full progress bar should go up</a:t>
+            </a:r>
+          </a:p>
+          <a:p>
+            <a:pPr marL="457200" lvl="1" indent="0">
+              <a:buNone/>
+            </a:pPr>
+            <a:endParaRPr lang="en-US" dirty="0">
+              <a:latin typeface="Open Sans" panose="020B0606030504020204" pitchFamily="34" charset="0"/>
+              <a:ea typeface="Open Sans" panose="020B0606030504020204" pitchFamily="34" charset="0"/>
+              <a:cs typeface="Open Sans" panose="020B0606030504020204" pitchFamily="34" charset="0"/>
+            </a:endParaRPr>
+          </a:p>
+          <a:p>
+            <a:pPr marL="0" indent="0">
+              <a:buNone/>
+            </a:pPr>
+            <a:r>
+              <a:rPr lang="en-US" dirty="0">
+                <a:latin typeface="Open Sans" panose="020B0606030504020204" pitchFamily="34" charset="0"/>
+                <a:ea typeface="Open Sans" panose="020B0606030504020204" pitchFamily="34" charset="0"/>
+                <a:cs typeface="Open Sans" panose="020B0606030504020204" pitchFamily="34" charset="0"/>
+              </a:rPr>
+              <a:t>Helpful links:</a:t>
+            </a:r>
+          </a:p>
+          <a:p>
+            <a:pPr marL="0" indent="0">
+              <a:buNone/>
+            </a:pPr>
+            <a:r>
+              <a:rPr lang="en-US" sz="1800" dirty="0">
+                <a:hlinkClick r:id="rId2"/>
+              </a:rPr>
+              <a:t>https://www.w3schools.com/jsref/event_onclick.asp</a:t>
+            </a:r>
+            <a:endParaRPr lang="en-US" sz="1800" dirty="0"/>
+          </a:p>
+        </p:txBody>
+      </p:sp>
+      <p:pic>
+        <p:nvPicPr>
+          <p:cNvPr id="4" name="Picture 3" descr="A close up of a logo&#10;&#10;Description automatically generated">
+            <a:extLst>
+              <a:ext uri="{FF2B5EF4-FFF2-40B4-BE49-F238E27FC236}">
+                <a16:creationId xmlns:a16="http://schemas.microsoft.com/office/drawing/2014/main" id="{81709C40-4D12-6947-938E-2D5701226E8D}"/>
+              </a:ext>
+            </a:extLst>
+          </p:cNvPr>
+          <p:cNvPicPr>
+            <a:picLocks noChangeAspect="1"/>
+          </p:cNvPicPr>
+          <p:nvPr/>
+        </p:nvPicPr>
+        <p:blipFill rotWithShape="1">
+          <a:blip r:embed="rId3"/>
+          <a:srcRect l="57070" t="10961" r="9395" b="59188"/>
+          <a:stretch/>
+        </p:blipFill>
+        <p:spPr>
+          <a:xfrm>
+            <a:off x="8639759" y="4891949"/>
+            <a:ext cx="2714041" cy="1811941"/>
+          </a:xfrm>
+          <a:prstGeom prst="rect">
+            <a:avLst/>
+          </a:prstGeom>
+        </p:spPr>
+      </p:pic>
+    </p:spTree>
+    <p:extLst>
+      <p:ext uri="{BB962C8B-B14F-4D97-AF65-F5344CB8AC3E}">
+        <p14:creationId xmlns:p14="http://schemas.microsoft.com/office/powerpoint/2010/main" val="3249587447"/>
+      </p:ext>
+    </p:extLst>
+  </p:cSld>
+  <p:clrMapOvr>
+    <a:masterClrMapping/>
+  </p:clrMapOvr>
+</p:sld>
+</file>
+
+<file path=ppt/slides/slide16.xml><?xml version="1.0" encoding="utf-8"?>
+<p:sld xmlns:a="http://schemas.openxmlformats.org/drawingml/2006/main" xmlns:r="http://schemas.openxmlformats.org/officeDocument/2006/relationships" xmlns:p="http://schemas.openxmlformats.org/presentationml/2006/main">
+  <p:cSld>
+    <p:bg>
+      <p:bgPr>
+        <a:solidFill>
+          <a:schemeClr val="accent4">
+            <a:lumMod val="40000"/>
+            <a:lumOff val="60000"/>
+          </a:schemeClr>
+        </a:solidFill>
+        <a:effectLst/>
+      </p:bgPr>
+    </p:bg>
+    <p:spTree>
+      <p:nvGrpSpPr>
+        <p:cNvPr id="1" name=""/>
+        <p:cNvGrpSpPr/>
+        <p:nvPr/>
+      </p:nvGrpSpPr>
+      <p:grpSpPr>
+        <a:xfrm>
+          <a:off x="0" y="0"/>
+          <a:ext cx="0" cy="0"/>
+          <a:chOff x="0" y="0"/>
+          <a:chExt cx="0" cy="0"/>
+        </a:xfrm>
+      </p:grpSpPr>
+      <p:sp>
+        <p:nvSpPr>
+          <p:cNvPr id="2" name="Title 1">
+            <a:extLst>
+              <a:ext uri="{FF2B5EF4-FFF2-40B4-BE49-F238E27FC236}">
+                <a16:creationId xmlns:a16="http://schemas.microsoft.com/office/drawing/2014/main" id="{3B3E565E-04F4-9847-A658-9B719DCBB0B1}"/>
+              </a:ext>
+            </a:extLst>
+          </p:cNvPr>
+          <p:cNvSpPr>
+            <a:spLocks noGrp="1"/>
+          </p:cNvSpPr>
+          <p:nvPr>
+            <p:ph type="title"/>
+          </p:nvPr>
+        </p:nvSpPr>
+        <p:spPr/>
+        <p:txBody>
+          <a:bodyPr/>
+          <a:lstStyle/>
+          <a:p>
+            <a:r>
+              <a:rPr lang="en-US" dirty="0">
+                <a:latin typeface="Fredoka One" panose="02000000000000000000" pitchFamily="2" charset="77"/>
+              </a:rPr>
+              <a:t>Step 5: </a:t>
+            </a:r>
+            <a:r>
+              <a:rPr lang="en-US" sz="3200" dirty="0">
+                <a:latin typeface="Fredoka One" panose="02000000000000000000" pitchFamily="2" charset="77"/>
+              </a:rPr>
+              <a:t>Refactor code</a:t>
+            </a:r>
+            <a:endParaRPr lang="en-US" dirty="0"/>
+          </a:p>
+        </p:txBody>
+      </p:sp>
+      <p:sp>
+        <p:nvSpPr>
+          <p:cNvPr id="3" name="Content Placeholder 2">
+            <a:extLst>
+              <a:ext uri="{FF2B5EF4-FFF2-40B4-BE49-F238E27FC236}">
+                <a16:creationId xmlns:a16="http://schemas.microsoft.com/office/drawing/2014/main" id="{15B342B8-6735-254D-9B71-302EA4E1EBA4}"/>
+              </a:ext>
+            </a:extLst>
+          </p:cNvPr>
+          <p:cNvSpPr>
+            <a:spLocks noGrp="1"/>
+          </p:cNvSpPr>
+          <p:nvPr>
+            <p:ph idx="1"/>
+          </p:nvPr>
+        </p:nvSpPr>
+        <p:spPr>
+          <a:xfrm>
+            <a:off x="838199" y="1656731"/>
+            <a:ext cx="9871129" cy="4838646"/>
+          </a:xfrm>
+        </p:spPr>
+        <p:txBody>
+          <a:bodyPr>
+            <a:normAutofit lnSpcReduction="10000"/>
+          </a:bodyPr>
+          <a:lstStyle/>
+          <a:p>
+            <a:pPr marL="0" indent="0">
+              <a:buNone/>
+            </a:pPr>
+            <a:r>
+              <a:rPr lang="en-US" dirty="0">
+                <a:latin typeface="Open Sans" panose="020B0606030504020204" pitchFamily="34" charset="0"/>
+                <a:ea typeface="Open Sans" panose="020B0606030504020204" pitchFamily="34" charset="0"/>
+                <a:cs typeface="Open Sans" panose="020B0606030504020204" pitchFamily="34" charset="0"/>
+              </a:rPr>
+              <a:t>To ensure the code is run only when the html and its elements has been loaded. Create a window event listener where the following code will only run in the given order when the window has loaded:</a:t>
+            </a:r>
+          </a:p>
+          <a:p>
+            <a:pPr marL="0" indent="0">
+              <a:buNone/>
+            </a:pPr>
+            <a:endParaRPr lang="en-US" dirty="0">
+              <a:latin typeface="Open Sans" panose="020B0606030504020204" pitchFamily="34" charset="0"/>
+              <a:ea typeface="Open Sans" panose="020B0606030504020204" pitchFamily="34" charset="0"/>
+              <a:cs typeface="Open Sans" panose="020B0606030504020204" pitchFamily="34" charset="0"/>
+            </a:endParaRPr>
+          </a:p>
+          <a:p>
+            <a:r>
+              <a:rPr lang="en-US" sz="2400" dirty="0">
+                <a:latin typeface="Open Sans" panose="020B0606030504020204" pitchFamily="34" charset="0"/>
+                <a:ea typeface="Open Sans" panose="020B0606030504020204" pitchFamily="34" charset="0"/>
+                <a:cs typeface="Open Sans" panose="020B0606030504020204" pitchFamily="34" charset="0"/>
+              </a:rPr>
+              <a:t>Call </a:t>
+            </a:r>
+            <a:r>
+              <a:rPr lang="en-US" sz="2400" dirty="0" err="1">
+                <a:latin typeface="Open Sans" panose="020B0606030504020204" pitchFamily="34" charset="0"/>
+                <a:ea typeface="Open Sans" panose="020B0606030504020204" pitchFamily="34" charset="0"/>
+                <a:cs typeface="Open Sans" panose="020B0606030504020204" pitchFamily="34" charset="0"/>
+              </a:rPr>
+              <a:t>GenerateDropdown</a:t>
+            </a:r>
+            <a:r>
+              <a:rPr lang="en-US" sz="2400" dirty="0">
+                <a:latin typeface="Open Sans" panose="020B0606030504020204" pitchFamily="34" charset="0"/>
+                <a:ea typeface="Open Sans" panose="020B0606030504020204" pitchFamily="34" charset="0"/>
+                <a:cs typeface="Open Sans" panose="020B0606030504020204" pitchFamily="34" charset="0"/>
+              </a:rPr>
+              <a:t> function</a:t>
+            </a:r>
+          </a:p>
+          <a:p>
+            <a:r>
+              <a:rPr lang="en-US" sz="2400" dirty="0">
+                <a:latin typeface="Open Sans" panose="020B0606030504020204" pitchFamily="34" charset="0"/>
+                <a:ea typeface="Open Sans" panose="020B0606030504020204" pitchFamily="34" charset="0"/>
+                <a:cs typeface="Open Sans" panose="020B0606030504020204" pitchFamily="34" charset="0"/>
+              </a:rPr>
+              <a:t>Dropdown on change event listener code</a:t>
+            </a:r>
+          </a:p>
+          <a:p>
+            <a:r>
+              <a:rPr lang="en-US" sz="2400" dirty="0">
+                <a:latin typeface="Open Sans" panose="020B0606030504020204" pitchFamily="34" charset="0"/>
+                <a:ea typeface="Open Sans" panose="020B0606030504020204" pitchFamily="34" charset="0"/>
+                <a:cs typeface="Open Sans" panose="020B0606030504020204" pitchFamily="34" charset="0"/>
+              </a:rPr>
+              <a:t> Cookie jar on click event listener code</a:t>
+            </a:r>
+          </a:p>
+          <a:p>
+            <a:endParaRPr lang="en-US" dirty="0">
+              <a:latin typeface="Open Sans" panose="020B0606030504020204" pitchFamily="34" charset="0"/>
+              <a:ea typeface="Open Sans" panose="020B0606030504020204" pitchFamily="34" charset="0"/>
+              <a:cs typeface="Open Sans" panose="020B0606030504020204" pitchFamily="34" charset="0"/>
+            </a:endParaRPr>
+          </a:p>
+          <a:p>
+            <a:pPr marL="457200" lvl="1" indent="0">
+              <a:buNone/>
+            </a:pPr>
+            <a:endParaRPr lang="en-US" dirty="0">
+              <a:latin typeface="Open Sans" panose="020B0606030504020204" pitchFamily="34" charset="0"/>
+              <a:ea typeface="Open Sans" panose="020B0606030504020204" pitchFamily="34" charset="0"/>
+              <a:cs typeface="Open Sans" panose="020B0606030504020204" pitchFamily="34" charset="0"/>
+            </a:endParaRPr>
+          </a:p>
+          <a:p>
+            <a:pPr marL="0" indent="0">
+              <a:buNone/>
+            </a:pPr>
+            <a:r>
+              <a:rPr lang="en-US" dirty="0">
+                <a:latin typeface="Open Sans" panose="020B0606030504020204" pitchFamily="34" charset="0"/>
+                <a:ea typeface="Open Sans" panose="020B0606030504020204" pitchFamily="34" charset="0"/>
+                <a:cs typeface="Open Sans" panose="020B0606030504020204" pitchFamily="34" charset="0"/>
+              </a:rPr>
+              <a:t>Helpful links:</a:t>
+            </a:r>
+          </a:p>
+          <a:p>
+            <a:pPr marL="0" indent="0">
+              <a:buNone/>
+            </a:pPr>
+            <a:r>
+              <a:rPr lang="en-US" sz="1800" dirty="0">
+                <a:hlinkClick r:id="rId2"/>
+              </a:rPr>
+              <a:t>https://developer.mozilla.org/en-US/docs/Web/API/Window/load_event</a:t>
+            </a:r>
+            <a:endParaRPr lang="en-US" sz="1800" dirty="0"/>
+          </a:p>
+        </p:txBody>
+      </p:sp>
+      <p:pic>
+        <p:nvPicPr>
+          <p:cNvPr id="5" name="Picture 4" descr="A close up of a logo&#10;&#10;Description automatically generated">
+            <a:extLst>
+              <a:ext uri="{FF2B5EF4-FFF2-40B4-BE49-F238E27FC236}">
+                <a16:creationId xmlns:a16="http://schemas.microsoft.com/office/drawing/2014/main" id="{5B515017-30B3-3643-8FB5-A683EC106C60}"/>
+              </a:ext>
+            </a:extLst>
+          </p:cNvPr>
+          <p:cNvPicPr>
+            <a:picLocks noChangeAspect="1"/>
+          </p:cNvPicPr>
+          <p:nvPr/>
+        </p:nvPicPr>
+        <p:blipFill rotWithShape="1">
+          <a:blip r:embed="rId3"/>
+          <a:srcRect l="5795" t="4778" r="52184" b="49298"/>
+          <a:stretch/>
+        </p:blipFill>
+        <p:spPr>
+          <a:xfrm>
+            <a:off x="7438291" y="3165230"/>
+            <a:ext cx="3059724" cy="2507970"/>
+          </a:xfrm>
+          <a:prstGeom prst="rect">
+            <a:avLst/>
+          </a:prstGeom>
+        </p:spPr>
+      </p:pic>
+    </p:spTree>
+    <p:extLst>
+      <p:ext uri="{BB962C8B-B14F-4D97-AF65-F5344CB8AC3E}">
+        <p14:creationId xmlns:p14="http://schemas.microsoft.com/office/powerpoint/2010/main" val="3424412877"/>
+      </p:ext>
+    </p:extLst>
+  </p:cSld>
+  <p:clrMapOvr>
+    <a:masterClrMapping/>
+  </p:clrMapOvr>
+</p:sld>
+</file>
+
+<file path=ppt/slides/slide17.xml><?xml version="1.0" encoding="utf-8"?>
+<p:sld xmlns:a="http://schemas.openxmlformats.org/drawingml/2006/main" xmlns:r="http://schemas.openxmlformats.org/officeDocument/2006/relationships" xmlns:p="http://schemas.openxmlformats.org/presentationml/2006/main">
+  <p:cSld>
+    <p:bg>
+      <p:bgPr>
+        <a:solidFill>
+          <a:schemeClr val="accent4">
+            <a:lumMod val="40000"/>
+            <a:lumOff val="60000"/>
+          </a:schemeClr>
+        </a:solidFill>
+        <a:effectLst/>
+      </p:bgPr>
+    </p:bg>
+    <p:spTree>
+      <p:nvGrpSpPr>
+        <p:cNvPr id="1" name=""/>
+        <p:cNvGrpSpPr/>
+        <p:nvPr/>
+      </p:nvGrpSpPr>
+      <p:grpSpPr>
+        <a:xfrm>
+          <a:off x="0" y="0"/>
+          <a:ext cx="0" cy="0"/>
+          <a:chOff x="0" y="0"/>
+          <a:chExt cx="0" cy="0"/>
+        </a:xfrm>
+      </p:grpSpPr>
+      <p:sp>
+        <p:nvSpPr>
+          <p:cNvPr id="2" name="Title 1">
+            <a:extLst>
+              <a:ext uri="{FF2B5EF4-FFF2-40B4-BE49-F238E27FC236}">
+                <a16:creationId xmlns:a16="http://schemas.microsoft.com/office/drawing/2014/main" id="{06FCB876-5B6C-A34F-B8A6-41DA5DFEDCF1}"/>
+              </a:ext>
+            </a:extLst>
+          </p:cNvPr>
+          <p:cNvSpPr>
+            <a:spLocks noGrp="1"/>
+          </p:cNvSpPr>
+          <p:nvPr>
+            <p:ph type="title"/>
+          </p:nvPr>
+        </p:nvSpPr>
+        <p:spPr/>
+        <p:txBody>
+          <a:bodyPr/>
+          <a:lstStyle/>
+          <a:p>
+            <a:r>
+              <a:rPr lang="en-US" dirty="0">
+                <a:latin typeface="Fredoka One" panose="02000000000000000000" pitchFamily="2" charset="77"/>
+              </a:rPr>
+              <a:t>Challenge</a:t>
+            </a:r>
+            <a:endParaRPr lang="en-US" dirty="0"/>
+          </a:p>
+        </p:txBody>
+      </p:sp>
+      <p:sp>
+        <p:nvSpPr>
+          <p:cNvPr id="3" name="Content Placeholder 2">
+            <a:extLst>
+              <a:ext uri="{FF2B5EF4-FFF2-40B4-BE49-F238E27FC236}">
+                <a16:creationId xmlns:a16="http://schemas.microsoft.com/office/drawing/2014/main" id="{8944228C-AD48-0749-8B1C-DBCCAF091F47}"/>
+              </a:ext>
+            </a:extLst>
+          </p:cNvPr>
+          <p:cNvSpPr>
+            <a:spLocks noGrp="1"/>
+          </p:cNvSpPr>
+          <p:nvPr>
+            <p:ph idx="1"/>
+          </p:nvPr>
+        </p:nvSpPr>
+        <p:spPr/>
+        <p:txBody>
+          <a:bodyPr/>
+          <a:lstStyle/>
+          <a:p>
+            <a:pPr marL="0" indent="0">
+              <a:buNone/>
+            </a:pPr>
+            <a:r>
+              <a:rPr lang="en-US" dirty="0"/>
+              <a:t>So you want a challenge, huh? </a:t>
+            </a:r>
+          </a:p>
+          <a:p>
+            <a:pPr marL="0" indent="0">
+              <a:buNone/>
+            </a:pPr>
+            <a:r>
+              <a:rPr lang="en-US" dirty="0"/>
+              <a:t>When the full progress bar for Cookie Monster becomes full, make a pop up that says he’s successfully full. When the user clicks on the pop-up it should disappear.</a:t>
+            </a:r>
+          </a:p>
+        </p:txBody>
+      </p:sp>
+      <p:pic>
+        <p:nvPicPr>
+          <p:cNvPr id="4" name="Picture 3" descr="A picture containing tree, sign&#10;&#10;Description automatically generated">
+            <a:extLst>
+              <a:ext uri="{FF2B5EF4-FFF2-40B4-BE49-F238E27FC236}">
+                <a16:creationId xmlns:a16="http://schemas.microsoft.com/office/drawing/2014/main" id="{EA65BFC3-B0FD-774F-9BD6-23965DA49E83}"/>
+              </a:ext>
+            </a:extLst>
+          </p:cNvPr>
+          <p:cNvPicPr>
+            <a:picLocks noChangeAspect="1"/>
+          </p:cNvPicPr>
+          <p:nvPr/>
+        </p:nvPicPr>
+        <p:blipFill>
+          <a:blip r:embed="rId2"/>
+          <a:stretch>
+            <a:fillRect/>
+          </a:stretch>
+        </p:blipFill>
+        <p:spPr>
+          <a:xfrm>
+            <a:off x="4174066" y="3429000"/>
+            <a:ext cx="3843867" cy="2882900"/>
+          </a:xfrm>
+          <a:prstGeom prst="rect">
+            <a:avLst/>
+          </a:prstGeom>
+        </p:spPr>
+      </p:pic>
+    </p:spTree>
+    <p:extLst>
+      <p:ext uri="{BB962C8B-B14F-4D97-AF65-F5344CB8AC3E}">
+        <p14:creationId xmlns:p14="http://schemas.microsoft.com/office/powerpoint/2010/main" val="3173197472"/>
+      </p:ext>
+    </p:extLst>
+  </p:cSld>
+  <p:clrMapOvr>
+    <a:masterClrMapping/>
+  </p:clrMapOvr>
+</p:sld>
+</file>
+
+<file path=ppt/slides/slide18.xml><?xml version="1.0" encoding="utf-8"?>
+<p:sld xmlns:a="http://schemas.openxmlformats.org/drawingml/2006/main" xmlns:r="http://schemas.openxmlformats.org/officeDocument/2006/relationships" xmlns:p="http://schemas.openxmlformats.org/presentationml/2006/main">
+  <p:cSld>
+    <p:bg>
+      <p:bgPr>
+        <a:solidFill>
+          <a:schemeClr val="accent4">
+            <a:lumMod val="40000"/>
+            <a:lumOff val="60000"/>
+          </a:schemeClr>
+        </a:solidFill>
+        <a:effectLst/>
+      </p:bgPr>
+    </p:bg>
+    <p:spTree>
+      <p:nvGrpSpPr>
+        <p:cNvPr id="1" name=""/>
+        <p:cNvGrpSpPr/>
+        <p:nvPr/>
+      </p:nvGrpSpPr>
+      <p:grpSpPr>
+        <a:xfrm>
+          <a:off x="0" y="0"/>
+          <a:ext cx="0" cy="0"/>
+          <a:chOff x="0" y="0"/>
+          <a:chExt cx="0" cy="0"/>
+        </a:xfrm>
+      </p:grpSpPr>
+      <p:sp>
+        <p:nvSpPr>
           <p:cNvPr id="4" name="Title 3">
             <a:extLst>
               <a:ext uri="{FF2B5EF4-FFF2-40B4-BE49-F238E27FC236}">
@@ -4824,7 +6275,7 @@
                 <a:ea typeface="Open Sans" panose="020B0606030504020204" pitchFamily="34" charset="0"/>
                 <a:cs typeface="Open Sans" panose="020B0606030504020204" pitchFamily="34" charset="0"/>
               </a:rPr>
-              <a:t>That was hard, but you got through it! Now you have a cool game to show off to friends and family! </a:t>
+              <a:t>That was hard, but you got through it! Now you have a cool game to show off to your friends and family! </a:t>
             </a:r>
             <a:r>
               <a:rPr lang="en-US" dirty="0">
@@ -5416,7 +6867,12 @@
             <p:ph type="title"/>
           </p:nvPr>
         </p:nvSpPr>
-        <p:spPr/>
+        <p:spPr>
+          <a:xfrm>
+            <a:off x="831850" y="3429000"/>
+            <a:ext cx="10515600" cy="1141950"/>
+          </a:xfrm>
+        </p:spPr>
         <p:txBody>
           <a:bodyPr/>
           <a:lstStyle/>
@@ -5425,7 +6881,7 @@
               <a:rPr lang="en-US" dirty="0">
                 <a:latin typeface="Fredoka One" panose="02000000000000000000" pitchFamily="2" charset="77"/>
               </a:rPr>
-              <a:t>Click the below link to get started:</a:t>
+              <a:t>Getting Started</a:t>
             </a:r>
             <a:endParaRPr lang="en-US" dirty="0"/>
           </a:p>
@@ -5447,15 +6903,151 @@
             <p:ph type="body" idx="1"/>
           </p:nvPr>
         </p:nvSpPr>
-        <p:spPr/>
+        <p:spPr>
+          <a:xfrm>
+            <a:off x="831850" y="4947700"/>
+            <a:ext cx="10515600" cy="1141950"/>
+          </a:xfrm>
+        </p:spPr>
         <p:txBody>
           <a:bodyPr/>
           <a:lstStyle/>
           <a:p>
-            <a:endParaRPr lang="en-US"/>
-          </a:p>
-        </p:txBody>
-      </p:sp>
+            <a:pPr marL="457200" indent="-457200">
+              <a:buFont typeface="+mj-lt"/>
+              <a:buAutoNum type="arabicPeriod"/>
+            </a:pPr>
+            <a:r>
+              <a:rPr lang="en-US" dirty="0">
+                <a:latin typeface="Open Sans" panose="020B0606030504020204" pitchFamily="34" charset="0"/>
+                <a:ea typeface="Open Sans" panose="020B0606030504020204" pitchFamily="34" charset="0"/>
+                <a:cs typeface="Open Sans" panose="020B0606030504020204" pitchFamily="34" charset="0"/>
+              </a:rPr>
+              <a:t>Clone </a:t>
+            </a:r>
+            <a:r>
+              <a:rPr lang="en-US" dirty="0" err="1">
+                <a:latin typeface="Open Sans" panose="020B0606030504020204" pitchFamily="34" charset="0"/>
+                <a:ea typeface="Open Sans" panose="020B0606030504020204" pitchFamily="34" charset="0"/>
+                <a:cs typeface="Open Sans" panose="020B0606030504020204" pitchFamily="34" charset="0"/>
+              </a:rPr>
+              <a:t>stemleague</a:t>
+            </a:r>
+            <a:r>
+              <a:rPr lang="en-US" dirty="0">
+                <a:latin typeface="Open Sans" panose="020B0606030504020204" pitchFamily="34" charset="0"/>
+                <a:ea typeface="Open Sans" panose="020B0606030504020204" pitchFamily="34" charset="0"/>
+                <a:cs typeface="Open Sans" panose="020B0606030504020204" pitchFamily="34" charset="0"/>
+              </a:rPr>
+              <a:t>/</a:t>
+            </a:r>
+            <a:r>
+              <a:rPr lang="en-US" dirty="0" err="1">
+                <a:latin typeface="Open Sans" panose="020B0606030504020204" pitchFamily="34" charset="0"/>
+                <a:ea typeface="Open Sans" panose="020B0606030504020204" pitchFamily="34" charset="0"/>
+                <a:cs typeface="Open Sans" panose="020B0606030504020204" pitchFamily="34" charset="0"/>
+              </a:rPr>
+              <a:t>cookie_party</a:t>
+            </a:r>
+            <a:r>
+              <a:rPr lang="en-US" dirty="0">
+                <a:latin typeface="Open Sans" panose="020B0606030504020204" pitchFamily="34" charset="0"/>
+                <a:ea typeface="Open Sans" panose="020B0606030504020204" pitchFamily="34" charset="0"/>
+                <a:cs typeface="Open Sans" panose="020B0606030504020204" pitchFamily="34" charset="0"/>
+              </a:rPr>
+              <a:t> from </a:t>
+            </a:r>
+            <a:r>
+              <a:rPr lang="en-US" dirty="0" err="1">
+                <a:latin typeface="Open Sans" panose="020B0606030504020204" pitchFamily="34" charset="0"/>
+                <a:ea typeface="Open Sans" panose="020B0606030504020204" pitchFamily="34" charset="0"/>
+                <a:cs typeface="Open Sans" panose="020B0606030504020204" pitchFamily="34" charset="0"/>
+              </a:rPr>
+              <a:t>Repl.it</a:t>
+            </a:r>
+            <a:endParaRPr lang="en-US" dirty="0">
+              <a:latin typeface="Open Sans" panose="020B0606030504020204" pitchFamily="34" charset="0"/>
+              <a:ea typeface="Open Sans" panose="020B0606030504020204" pitchFamily="34" charset="0"/>
+              <a:cs typeface="Open Sans" panose="020B0606030504020204" pitchFamily="34" charset="0"/>
+            </a:endParaRPr>
+          </a:p>
+          <a:p>
+            <a:pPr marL="457200" indent="-457200">
+              <a:buFont typeface="+mj-lt"/>
+              <a:buAutoNum type="arabicPeriod"/>
+            </a:pPr>
+            <a:r>
+              <a:rPr lang="en-US" dirty="0">
+                <a:latin typeface="Open Sans" panose="020B0606030504020204" pitchFamily="34" charset="0"/>
+                <a:ea typeface="Open Sans" panose="020B0606030504020204" pitchFamily="34" charset="0"/>
+                <a:cs typeface="Open Sans" panose="020B0606030504020204" pitchFamily="34" charset="0"/>
+              </a:rPr>
+              <a:t>Open the </a:t>
+            </a:r>
+            <a:r>
+              <a:rPr lang="en-US" dirty="0" err="1">
+                <a:latin typeface="Open Sans" panose="020B0606030504020204" pitchFamily="34" charset="0"/>
+                <a:ea typeface="Open Sans" panose="020B0606030504020204" pitchFamily="34" charset="0"/>
+                <a:cs typeface="Open Sans" panose="020B0606030504020204" pitchFamily="34" charset="0"/>
+              </a:rPr>
+              <a:t>index.html</a:t>
+            </a:r>
+            <a:r>
+              <a:rPr lang="en-US" dirty="0">
+                <a:latin typeface="Open Sans" panose="020B0606030504020204" pitchFamily="34" charset="0"/>
+                <a:ea typeface="Open Sans" panose="020B0606030504020204" pitchFamily="34" charset="0"/>
+                <a:cs typeface="Open Sans" panose="020B0606030504020204" pitchFamily="34" charset="0"/>
+              </a:rPr>
+              <a:t> and cookie-</a:t>
+            </a:r>
+            <a:r>
+              <a:rPr lang="en-US" dirty="0" err="1">
+                <a:latin typeface="Open Sans" panose="020B0606030504020204" pitchFamily="34" charset="0"/>
+                <a:ea typeface="Open Sans" panose="020B0606030504020204" pitchFamily="34" charset="0"/>
+                <a:cs typeface="Open Sans" panose="020B0606030504020204" pitchFamily="34" charset="0"/>
+              </a:rPr>
+              <a:t>party.js</a:t>
+            </a:r>
+            <a:r>
+              <a:rPr lang="en-US" dirty="0">
+                <a:latin typeface="Open Sans" panose="020B0606030504020204" pitchFamily="34" charset="0"/>
+                <a:ea typeface="Open Sans" panose="020B0606030504020204" pitchFamily="34" charset="0"/>
+                <a:cs typeface="Open Sans" panose="020B0606030504020204" pitchFamily="34" charset="0"/>
+              </a:rPr>
+              <a:t> file</a:t>
+            </a:r>
+          </a:p>
+        </p:txBody>
+      </p:sp>
+      <p:pic>
+        <p:nvPicPr>
+          <p:cNvPr id="5" name="Picture 4" descr="A close up of a logo&#10;&#10;Description automatically generated">
+            <a:extLst>
+              <a:ext uri="{FF2B5EF4-FFF2-40B4-BE49-F238E27FC236}">
+                <a16:creationId xmlns:a16="http://schemas.microsoft.com/office/drawing/2014/main" id="{9F9AAB00-E4B1-684B-A8A9-45AC466C9C9C}"/>
+              </a:ext>
+            </a:extLst>
+          </p:cNvPr>
+          <p:cNvPicPr>
+            <a:picLocks noChangeAspect="1"/>
+          </p:cNvPicPr>
+          <p:nvPr/>
+        </p:nvPicPr>
+        <p:blipFill rotWithShape="1">
+          <a:blip r:embed="rId2"/>
+          <a:srcRect l="7462" t="56254" r="78416" b="15732"/>
+          <a:stretch/>
+        </p:blipFill>
+        <p:spPr>
+          <a:xfrm>
+            <a:off x="6934158" y="3498288"/>
+            <a:ext cx="720970" cy="1072662"/>
+          </a:xfrm>
+          <a:prstGeom prst="rect">
+            <a:avLst/>
+          </a:prstGeom>
+        </p:spPr>
+      </p:pic>
     </p:spTree>
     <p:extLst>
       <p:ext uri="{BB962C8B-B14F-4D97-AF65-F5344CB8AC3E}">
@@ -5513,7 +7105,12 @@
             <p:ph type="title"/>
           </p:nvPr>
         </p:nvSpPr>
-        <p:spPr/>
+        <p:spPr>
+          <a:xfrm>
+            <a:off x="838200" y="706087"/>
+            <a:ext cx="10515600" cy="1325563"/>
+          </a:xfrm>
+        </p:spPr>
         <p:txBody>
           <a:bodyPr/>
           <a:lstStyle/>
@@ -5544,7 +7141,12 @@
             <p:ph idx="1"/>
           </p:nvPr>
         </p:nvSpPr>
-        <p:spPr/>
+        <p:spPr>
+          <a:xfrm>
+            <a:off x="838199" y="2166587"/>
+            <a:ext cx="9576661" cy="4351338"/>
+          </a:xfrm>
+        </p:spPr>
         <p:txBody>
           <a:bodyPr/>
           <a:lstStyle/>
@@ -5595,7 +7197,23 @@
                 <a:ea typeface="Open Sans" panose="020B0606030504020204" pitchFamily="34" charset="0"/>
                 <a:cs typeface="Open Sans" panose="020B0606030504020204" pitchFamily="34" charset="0"/>
               </a:rPr>
-              <a:t>You will only be manipulating the JavaScript code except for the first step</a:t>
+              <a:t>You will </a:t>
+            </a:r>
+            <a:r>
+              <a:rPr lang="en-US" b="1" dirty="0">
+                <a:latin typeface="Open Sans" panose="020B0606030504020204" pitchFamily="34" charset="0"/>
+                <a:ea typeface="Open Sans" panose="020B0606030504020204" pitchFamily="34" charset="0"/>
+                <a:cs typeface="Open Sans" panose="020B0606030504020204" pitchFamily="34" charset="0"/>
+              </a:rPr>
+              <a:t>only</a:t>
+            </a:r>
+            <a:r>
+              <a:rPr lang="en-US" dirty="0">
+                <a:latin typeface="Open Sans" panose="020B0606030504020204" pitchFamily="34" charset="0"/>
+                <a:ea typeface="Open Sans" panose="020B0606030504020204" pitchFamily="34" charset="0"/>
+                <a:cs typeface="Open Sans" panose="020B0606030504020204" pitchFamily="34" charset="0"/>
+              </a:rPr>
+              <a:t> be manipulating the JavaScript code except for the first step</a:t>
             </a:r>
           </a:p>
         </p:txBody>
@@ -5685,12 +7303,14 @@
             <a:spLocks noGrp="1"/>
           </p:cNvSpPr>
           <p:nvPr>
-            <p:ph idx="1"/>
+            <p:ph type="body" idx="1"/>
           </p:nvPr>
         </p:nvSpPr>
         <p:spPr/>
         <p:txBody>
-          <a:bodyPr/>
+          <a:bodyPr>
+            <a:normAutofit/>
+          </a:bodyPr>
           <a:lstStyle/>
           <a:p>
             <a:r>
@@ -5699,50 +7319,40 @@
                 <a:ea typeface="Open Sans" panose="020B0606030504020204" pitchFamily="34" charset="0"/>
                 <a:cs typeface="Open Sans" panose="020B0606030504020204" pitchFamily="34" charset="0"/>
               </a:rPr>
-              <a:t>Objects are a way to store data</a:t>
-            </a:r>
-          </a:p>
-          <a:p>
-            <a:pPr marL="0" indent="0">
-              <a:buNone/>
-            </a:pPr>
-            <a:endParaRPr lang="en-US" dirty="0">
-              <a:latin typeface="Open Sans" panose="020B0606030504020204" pitchFamily="34" charset="0"/>
-              <a:ea typeface="Open Sans" panose="020B0606030504020204" pitchFamily="34" charset="0"/>
-              <a:cs typeface="Open Sans" panose="020B0606030504020204" pitchFamily="34" charset="0"/>
-            </a:endParaRPr>
-          </a:p>
-          <a:p>
-            <a:pPr marL="0" indent="0">
-              <a:buNone/>
-            </a:pPr>
-            <a:r>
-              <a:rPr lang="en-US" dirty="0">
-                <a:latin typeface="Open Sans" panose="020B0606030504020204" pitchFamily="34" charset="0"/>
-                <a:ea typeface="Open Sans" panose="020B0606030504020204" pitchFamily="34" charset="0"/>
-                <a:cs typeface="Open Sans" panose="020B0606030504020204" pitchFamily="34" charset="0"/>
-              </a:rPr>
-              <a:t>Still confused? Helpful links:</a:t>
-            </a:r>
-          </a:p>
-          <a:p>
-            <a:pPr marL="0" indent="0">
-              <a:buNone/>
-            </a:pPr>
-            <a:r>
-              <a:rPr lang="en-US" sz="1800" dirty="0">
-                <a:hlinkClick r:id="rId2"/>
-              </a:rPr>
-              <a:t>https://www.w3schools.com/js/js_objects.asp</a:t>
-            </a:r>
-            <a:endParaRPr lang="en-US" sz="1800" dirty="0">
-              <a:latin typeface="Open Sans" panose="020B0606030504020204" pitchFamily="34" charset="0"/>
-              <a:ea typeface="Open Sans" panose="020B0606030504020204" pitchFamily="34" charset="0"/>
-              <a:cs typeface="Open Sans" panose="020B0606030504020204" pitchFamily="34" charset="0"/>
-            </a:endParaRPr>
-          </a:p>
-        </p:txBody>
-      </p:sp>
+              <a:t>Objects are a way to store data in a more categorized and ordered way that uses key and values</a:t>
+            </a:r>
+          </a:p>
+        </p:txBody>
+      </p:sp>
+      <p:pic>
+        <p:nvPicPr>
+          <p:cNvPr id="4" name="Picture 3" descr="A close up of a logo&#10;&#10;Description automatically generated">
+            <a:extLst>
+              <a:ext uri="{FF2B5EF4-FFF2-40B4-BE49-F238E27FC236}">
+                <a16:creationId xmlns:a16="http://schemas.microsoft.com/office/drawing/2014/main" id="{F6F07D9D-8974-314B-B393-938F6E9E15BE}"/>
+              </a:ext>
+            </a:extLst>
+          </p:cNvPr>
+          <p:cNvPicPr>
+            <a:picLocks noChangeAspect="1"/>
+          </p:cNvPicPr>
+          <p:nvPr/>
+        </p:nvPicPr>
+        <p:blipFill rotWithShape="1">
+          <a:blip r:embed="rId2"/>
+          <a:srcRect l="44317" t="43395"/>
+          <a:stretch/>
+        </p:blipFill>
+        <p:spPr>
+          <a:xfrm>
+            <a:off x="7561384" y="2408541"/>
+            <a:ext cx="2842847" cy="2167428"/>
+          </a:xfrm>
+          <a:prstGeom prst="rect">
+            <a:avLst/>
+          </a:prstGeom>
+        </p:spPr>
+      </p:pic>
     </p:spTree>
     <p:extLst>
       <p:ext uri="{BB962C8B-B14F-4D97-AF65-F5344CB8AC3E}">
@@ -5809,7 +7419,7 @@
               <a:rPr lang="en-US" dirty="0">
                 <a:latin typeface="Fredoka One" panose="02000000000000000000" pitchFamily="2" charset="77"/>
               </a:rPr>
-              <a:t>Step 1: Link JavaScript to HTML </a:t>
+              <a:t>Object Example</a:t>
             </a:r>
             <a:endParaRPr lang="en-US" dirty="0"/>
           </a:p>
@@ -5831,190 +7441,828 @@
             <p:ph idx="1"/>
           </p:nvPr>
         </p:nvSpPr>
-        <p:spPr/>
-        <p:txBody>
-          <a:bodyPr/>
+        <p:spPr>
+          <a:xfrm>
+            <a:off x="838200" y="1546656"/>
+            <a:ext cx="10515600" cy="1491012"/>
+          </a:xfrm>
+        </p:spPr>
+        <p:txBody>
+          <a:bodyPr>
+            <a:normAutofit/>
+          </a:bodyPr>
           <a:lstStyle/>
           <a:p>
-            <a:pPr marL="514350" indent="-514350">
-              <a:buFont typeface="+mj-lt"/>
-              <a:buAutoNum type="arabicPeriod"/>
+            <a:r>
+              <a:rPr lang="en-US" sz="2000" dirty="0">
+                <a:latin typeface="Open Sans" panose="020B0606030504020204" pitchFamily="34" charset="0"/>
+                <a:ea typeface="Open Sans" panose="020B0606030504020204" pitchFamily="34" charset="0"/>
+                <a:cs typeface="Open Sans" panose="020B0606030504020204" pitchFamily="34" charset="0"/>
+              </a:rPr>
+              <a:t>For example, if I wanted to store pet information, I could store it in two ways:</a:t>
+            </a:r>
+          </a:p>
+          <a:p>
+            <a:pPr marL="457200" lvl="1" indent="0">
+              <a:buNone/>
             </a:pPr>
             <a:r>
-              <a:rPr lang="en-US" dirty="0">
-                <a:latin typeface="Open Sans" panose="020B0606030504020204" pitchFamily="34" charset="0"/>
-                <a:ea typeface="Open Sans" panose="020B0606030504020204" pitchFamily="34" charset="0"/>
-                <a:cs typeface="Open Sans" panose="020B0606030504020204" pitchFamily="34" charset="0"/>
-              </a:rPr>
-              <a:t>Code and place the </a:t>
-            </a:r>
-            <a:r>
-              <a:rPr lang="en-US" b="1" dirty="0">
-                <a:latin typeface="Open Sans" panose="020B0606030504020204" pitchFamily="34" charset="0"/>
-                <a:ea typeface="Open Sans" panose="020B0606030504020204" pitchFamily="34" charset="0"/>
-                <a:cs typeface="Open Sans" panose="020B0606030504020204" pitchFamily="34" charset="0"/>
-              </a:rPr>
-              <a:t>&lt;script&gt; </a:t>
-            </a:r>
-            <a:r>
-              <a:rPr lang="en-US" dirty="0">
-                <a:latin typeface="Open Sans" panose="020B0606030504020204" pitchFamily="34" charset="0"/>
-                <a:ea typeface="Open Sans" panose="020B0606030504020204" pitchFamily="34" charset="0"/>
-                <a:cs typeface="Open Sans" panose="020B0606030504020204" pitchFamily="34" charset="0"/>
-              </a:rPr>
-              <a:t>tag applying the </a:t>
-            </a:r>
-            <a:r>
-              <a:rPr lang="en-US" i="1" dirty="0">
-                <a:latin typeface="Open Sans" panose="020B0606030504020204" pitchFamily="34" charset="0"/>
-                <a:ea typeface="Open Sans" panose="020B0606030504020204" pitchFamily="34" charset="0"/>
-                <a:cs typeface="Open Sans" panose="020B0606030504020204" pitchFamily="34" charset="0"/>
-              </a:rPr>
-              <a:t>cookie-</a:t>
-            </a:r>
-            <a:r>
-              <a:rPr lang="en-US" i="1" dirty="0" err="1">
-                <a:latin typeface="Open Sans" panose="020B0606030504020204" pitchFamily="34" charset="0"/>
-                <a:ea typeface="Open Sans" panose="020B0606030504020204" pitchFamily="34" charset="0"/>
-                <a:cs typeface="Open Sans" panose="020B0606030504020204" pitchFamily="34" charset="0"/>
-              </a:rPr>
-              <a:t>party.js</a:t>
-            </a:r>
-            <a:r>
-              <a:rPr lang="en-US" i="1" dirty="0">
-                <a:latin typeface="Open Sans" panose="020B0606030504020204" pitchFamily="34" charset="0"/>
-                <a:ea typeface="Open Sans" panose="020B0606030504020204" pitchFamily="34" charset="0"/>
-                <a:cs typeface="Open Sans" panose="020B0606030504020204" pitchFamily="34" charset="0"/>
-              </a:rPr>
-              <a:t> </a:t>
-            </a:r>
-            <a:r>
-              <a:rPr lang="en-US" dirty="0">
-                <a:latin typeface="Open Sans" panose="020B0606030504020204" pitchFamily="34" charset="0"/>
-                <a:ea typeface="Open Sans" panose="020B0606030504020204" pitchFamily="34" charset="0"/>
-                <a:cs typeface="Open Sans" panose="020B0606030504020204" pitchFamily="34" charset="0"/>
-              </a:rPr>
-              <a:t>file to the </a:t>
-            </a:r>
-            <a:r>
-              <a:rPr lang="en-US" dirty="0" err="1">
-                <a:latin typeface="Open Sans" panose="020B0606030504020204" pitchFamily="34" charset="0"/>
-                <a:ea typeface="Open Sans" panose="020B0606030504020204" pitchFamily="34" charset="0"/>
-                <a:cs typeface="Open Sans" panose="020B0606030504020204" pitchFamily="34" charset="0"/>
-              </a:rPr>
-              <a:t>index.html</a:t>
-            </a:r>
-            <a:r>
-              <a:rPr lang="en-US" dirty="0">
-                <a:latin typeface="Open Sans" panose="020B0606030504020204" pitchFamily="34" charset="0"/>
-                <a:ea typeface="Open Sans" panose="020B0606030504020204" pitchFamily="34" charset="0"/>
-                <a:cs typeface="Open Sans" panose="020B0606030504020204" pitchFamily="34" charset="0"/>
-              </a:rPr>
-              <a:t> file</a:t>
-            </a:r>
-          </a:p>
-          <a:p>
-            <a:pPr marL="514350" indent="-514350">
-              <a:buFont typeface="+mj-lt"/>
-              <a:buAutoNum type="arabicPeriod"/>
+              <a:rPr lang="en-US" sz="1800" dirty="0">
+                <a:latin typeface="Open Sans" panose="020B0606030504020204" pitchFamily="34" charset="0"/>
+                <a:ea typeface="Open Sans" panose="020B0606030504020204" pitchFamily="34" charset="0"/>
+                <a:cs typeface="Open Sans" panose="020B0606030504020204" pitchFamily="34" charset="0"/>
+              </a:rPr>
+              <a:t>A.) I could have multiple variables each designated to store different values </a:t>
+            </a:r>
+          </a:p>
+          <a:p>
+            <a:pPr marL="457200" lvl="1" indent="0">
+              <a:buNone/>
             </a:pPr>
             <a:r>
-              <a:rPr lang="en-US" dirty="0">
-                <a:latin typeface="Open Sans" panose="020B0606030504020204" pitchFamily="34" charset="0"/>
-                <a:ea typeface="Open Sans" panose="020B0606030504020204" pitchFamily="34" charset="0"/>
-                <a:cs typeface="Open Sans" panose="020B0606030504020204" pitchFamily="34" charset="0"/>
-              </a:rPr>
-              <a:t>Make sure to place the </a:t>
-            </a:r>
-            <a:r>
-              <a:rPr lang="en-US" b="1" dirty="0">
-                <a:latin typeface="Open Sans" panose="020B0606030504020204" pitchFamily="34" charset="0"/>
-                <a:ea typeface="Open Sans" panose="020B0606030504020204" pitchFamily="34" charset="0"/>
-                <a:cs typeface="Open Sans" panose="020B0606030504020204" pitchFamily="34" charset="0"/>
-              </a:rPr>
-              <a:t>&lt;script&gt;</a:t>
-            </a:r>
-            <a:r>
-              <a:rPr lang="en-US" dirty="0">
-                <a:latin typeface="Open Sans" panose="020B0606030504020204" pitchFamily="34" charset="0"/>
-                <a:ea typeface="Open Sans" panose="020B0606030504020204" pitchFamily="34" charset="0"/>
-                <a:cs typeface="Open Sans" panose="020B0606030504020204" pitchFamily="34" charset="0"/>
-              </a:rPr>
-              <a:t> tag at the bottom of the </a:t>
-            </a:r>
-            <a:r>
-              <a:rPr lang="en-US" b="1" dirty="0">
-                <a:latin typeface="Open Sans" panose="020B0606030504020204" pitchFamily="34" charset="0"/>
-                <a:ea typeface="Open Sans" panose="020B0606030504020204" pitchFamily="34" charset="0"/>
-                <a:cs typeface="Open Sans" panose="020B0606030504020204" pitchFamily="34" charset="0"/>
-              </a:rPr>
-              <a:t>&lt;body&gt; </a:t>
-            </a:r>
-            <a:r>
-              <a:rPr lang="en-US" dirty="0">
-                <a:latin typeface="Open Sans" panose="020B0606030504020204" pitchFamily="34" charset="0"/>
-                <a:ea typeface="Open Sans" panose="020B0606030504020204" pitchFamily="34" charset="0"/>
-                <a:cs typeface="Open Sans" panose="020B0606030504020204" pitchFamily="34" charset="0"/>
-              </a:rPr>
-              <a:t>tag</a:t>
-            </a:r>
-          </a:p>
-          <a:p>
-            <a:pPr lvl="2"/>
-            <a:r>
-              <a:rPr lang="en-US" dirty="0">
-                <a:latin typeface="Open Sans" panose="020B0606030504020204" pitchFamily="34" charset="0"/>
-                <a:ea typeface="Open Sans" panose="020B0606030504020204" pitchFamily="34" charset="0"/>
-                <a:cs typeface="Open Sans" panose="020B0606030504020204" pitchFamily="34" charset="0"/>
-              </a:rPr>
-              <a:t>This ensures the JavaScript will only be run when the html has been fully loaded  </a:t>
-            </a:r>
-          </a:p>
-          <a:p>
-            <a:pPr marL="0" indent="0">
+              <a:rPr lang="en-US" sz="1800" dirty="0">
+                <a:latin typeface="Open Sans" panose="020B0606030504020204" pitchFamily="34" charset="0"/>
+                <a:ea typeface="Open Sans" panose="020B0606030504020204" pitchFamily="34" charset="0"/>
+                <a:cs typeface="Open Sans" panose="020B0606030504020204" pitchFamily="34" charset="0"/>
+              </a:rPr>
+              <a:t>	(i.e. name, age, type)</a:t>
+            </a:r>
+          </a:p>
+          <a:p>
+            <a:pPr marL="457200" lvl="1" indent="0">
               <a:buNone/>
             </a:pPr>
-            <a:endParaRPr lang="en-US" dirty="0">
+            <a:r>
+              <a:rPr lang="en-US" sz="1800" dirty="0">
+                <a:latin typeface="Open Sans" panose="020B0606030504020204" pitchFamily="34" charset="0"/>
+                <a:ea typeface="Open Sans" panose="020B0606030504020204" pitchFamily="34" charset="0"/>
+                <a:cs typeface="Open Sans" panose="020B0606030504020204" pitchFamily="34" charset="0"/>
+              </a:rPr>
+              <a:t>B.) Store in an object that groups the information together</a:t>
+            </a:r>
+          </a:p>
+        </p:txBody>
+      </p:sp>
+      <p:graphicFrame>
+        <p:nvGraphicFramePr>
+          <p:cNvPr id="4" name="Table 3">
+            <a:extLst>
+              <a:ext uri="{FF2B5EF4-FFF2-40B4-BE49-F238E27FC236}">
+                <a16:creationId xmlns:a16="http://schemas.microsoft.com/office/drawing/2014/main" id="{E3F45A98-4A44-2E4E-8939-21B7FCACFD3A}"/>
+              </a:ext>
+            </a:extLst>
+          </p:cNvPr>
+          <p:cNvGraphicFramePr>
+            <a:graphicFrameLocks noGrp="1"/>
+          </p:cNvGraphicFramePr>
+          <p:nvPr>
+            <p:extLst>
+              <p:ext uri="{D42A27DB-BD31-4B8C-83A1-F6EECF244321}">
+                <p14:modId xmlns:p14="http://schemas.microsoft.com/office/powerpoint/2010/main" val="3732731216"/>
+              </p:ext>
+            </p:extLst>
+          </p:nvPr>
+        </p:nvGraphicFramePr>
+        <p:xfrm>
+          <a:off x="1520555" y="3150031"/>
+          <a:ext cx="8128000" cy="1737360"/>
+        </p:xfrm>
+        <a:graphic>
+          <a:graphicData uri="http://schemas.openxmlformats.org/drawingml/2006/table">
+            <a:tbl>
+              <a:tblPr firstRow="1" bandRow="1">
+                <a:tableStyleId>{5940675A-B579-460E-94D1-54222C63F5DA}</a:tableStyleId>
+              </a:tblPr>
+              <a:tblGrid>
+                <a:gridCol w="4064000">
+                  <a:extLst>
+                    <a:ext uri="{9D8B030D-6E8A-4147-A177-3AD203B41FA5}">
+                      <a16:colId xmlns:a16="http://schemas.microsoft.com/office/drawing/2014/main" val="2119881086"/>
+                    </a:ext>
+                  </a:extLst>
+                </a:gridCol>
+                <a:gridCol w="4064000">
+                  <a:extLst>
+                    <a:ext uri="{9D8B030D-6E8A-4147-A177-3AD203B41FA5}">
+                      <a16:colId xmlns:a16="http://schemas.microsoft.com/office/drawing/2014/main" val="1873387244"/>
+                    </a:ext>
+                  </a:extLst>
+                </a:gridCol>
+              </a:tblGrid>
+              <a:tr h="370840">
+                <a:tc>
+                  <a:txBody>
+                    <a:bodyPr/>
+                    <a:lstStyle/>
+                    <a:p>
+                      <a:r>
+                        <a:rPr lang="en-US" b="0" i="1" dirty="0">
+                          <a:solidFill>
+                            <a:srgbClr val="66D9EF"/>
+                          </a:solidFill>
+                          <a:effectLst/>
+                          <a:latin typeface="Menlo" panose="020B0609030804020204" pitchFamily="49" charset="0"/>
+                        </a:rPr>
+                        <a:t>let</a:t>
+                      </a:r>
+                      <a:r>
+                        <a:rPr lang="en-US" b="0" dirty="0">
+                          <a:solidFill>
+                            <a:srgbClr val="F8F8F2"/>
+                          </a:solidFill>
+                          <a:effectLst/>
+                          <a:latin typeface="Menlo" panose="020B0609030804020204" pitchFamily="49" charset="0"/>
+                        </a:rPr>
+                        <a:t> pet </a:t>
+                      </a:r>
+                      <a:r>
+                        <a:rPr lang="en-US" b="0" dirty="0">
+                          <a:solidFill>
+                            <a:srgbClr val="F92672"/>
+                          </a:solidFill>
+                          <a:effectLst/>
+                          <a:latin typeface="Menlo" panose="020B0609030804020204" pitchFamily="49" charset="0"/>
+                        </a:rPr>
+                        <a:t>=</a:t>
+                      </a:r>
+                      <a:r>
+                        <a:rPr lang="en-US" b="0" dirty="0">
+                          <a:solidFill>
+                            <a:srgbClr val="F8F8F2"/>
+                          </a:solidFill>
+                          <a:effectLst/>
+                          <a:latin typeface="Menlo" panose="020B0609030804020204" pitchFamily="49" charset="0"/>
+                        </a:rPr>
+                        <a:t> {</a:t>
+                      </a:r>
+                    </a:p>
+                    <a:p>
+                      <a:r>
+                        <a:rPr lang="en-US" b="0" dirty="0">
+                          <a:solidFill>
+                            <a:srgbClr val="F8F8F2"/>
+                          </a:solidFill>
+                          <a:effectLst/>
+                          <a:latin typeface="Menlo" panose="020B0609030804020204" pitchFamily="49" charset="0"/>
+                        </a:rPr>
+                        <a:t>   name: </a:t>
+                      </a:r>
+                      <a:r>
+                        <a:rPr lang="en-US" b="0" dirty="0">
+                          <a:solidFill>
+                            <a:srgbClr val="E6DB74"/>
+                          </a:solidFill>
+                          <a:effectLst/>
+                          <a:latin typeface="Menlo" panose="020B0609030804020204" pitchFamily="49" charset="0"/>
+                        </a:rPr>
+                        <a:t>'milky’</a:t>
+                      </a:r>
+                      <a:r>
+                        <a:rPr lang="en-US" b="0" dirty="0">
+                          <a:solidFill>
+                            <a:srgbClr val="F8F8F2"/>
+                          </a:solidFill>
+                          <a:effectLst/>
+                          <a:latin typeface="Menlo" panose="020B0609030804020204" pitchFamily="49" charset="0"/>
+                        </a:rPr>
+                        <a:t>,</a:t>
+                      </a:r>
+                    </a:p>
+                    <a:p>
+                      <a:r>
+                        <a:rPr lang="en-US" b="0" dirty="0">
+                          <a:solidFill>
+                            <a:srgbClr val="F8F8F2"/>
+                          </a:solidFill>
+                          <a:effectLst/>
+                          <a:latin typeface="Menlo" panose="020B0609030804020204" pitchFamily="49" charset="0"/>
+                        </a:rPr>
+                        <a:t>   type: </a:t>
+                      </a:r>
+                      <a:r>
+                        <a:rPr lang="en-US" b="0" dirty="0">
+                          <a:solidFill>
+                            <a:srgbClr val="E6DB74"/>
+                          </a:solidFill>
+                          <a:effectLst/>
+                          <a:latin typeface="Menlo" panose="020B0609030804020204" pitchFamily="49" charset="0"/>
+                        </a:rPr>
+                        <a:t>'cat’</a:t>
+                      </a:r>
+                      <a:r>
+                        <a:rPr lang="en-US" b="0" dirty="0">
+                          <a:solidFill>
+                            <a:srgbClr val="F8F8F2"/>
+                          </a:solidFill>
+                          <a:effectLst/>
+                          <a:latin typeface="Menlo" panose="020B0609030804020204" pitchFamily="49" charset="0"/>
+                        </a:rPr>
+                        <a:t>,</a:t>
+                      </a:r>
+                    </a:p>
+                    <a:p>
+                      <a:r>
+                        <a:rPr lang="en-US" b="0" dirty="0">
+                          <a:solidFill>
+                            <a:srgbClr val="F8F8F2"/>
+                          </a:solidFill>
+                          <a:effectLst/>
+                          <a:latin typeface="Menlo" panose="020B0609030804020204" pitchFamily="49" charset="0"/>
+                        </a:rPr>
+                        <a:t>   color: </a:t>
+                      </a:r>
+                      <a:r>
+                        <a:rPr lang="en-US" b="0" dirty="0">
+                          <a:solidFill>
+                            <a:srgbClr val="E6DB74"/>
+                          </a:solidFill>
+                          <a:effectLst/>
+                          <a:latin typeface="Menlo" panose="020B0609030804020204" pitchFamily="49" charset="0"/>
+                        </a:rPr>
+                        <a:t>'grey’</a:t>
+                      </a:r>
+                      <a:r>
+                        <a:rPr lang="en-US" b="0" dirty="0">
+                          <a:solidFill>
+                            <a:srgbClr val="F8F8F2"/>
+                          </a:solidFill>
+                          <a:effectLst/>
+                          <a:latin typeface="Menlo" panose="020B0609030804020204" pitchFamily="49" charset="0"/>
+                        </a:rPr>
+                        <a:t>,</a:t>
+                      </a:r>
+                    </a:p>
+                    <a:p>
+                      <a:r>
+                        <a:rPr lang="en-US" b="0" dirty="0">
+                          <a:solidFill>
+                            <a:srgbClr val="F8F8F2"/>
+                          </a:solidFill>
+                          <a:effectLst/>
+                          <a:latin typeface="Menlo" panose="020B0609030804020204" pitchFamily="49" charset="0"/>
+                        </a:rPr>
+                        <a:t>   age: </a:t>
+                      </a:r>
+                      <a:r>
+                        <a:rPr lang="en-US" b="0" dirty="0">
+                          <a:solidFill>
+                            <a:srgbClr val="AE81FF"/>
+                          </a:solidFill>
+                          <a:effectLst/>
+                          <a:latin typeface="Menlo" panose="020B0609030804020204" pitchFamily="49" charset="0"/>
+                        </a:rPr>
+                        <a:t>2</a:t>
+                      </a:r>
+                      <a:endParaRPr lang="en-US" b="0" dirty="0">
+                        <a:solidFill>
+                          <a:srgbClr val="F8F8F2"/>
+                        </a:solidFill>
+                        <a:effectLst/>
+                        <a:latin typeface="Menlo" panose="020B0609030804020204" pitchFamily="49" charset="0"/>
+                      </a:endParaRPr>
+                    </a:p>
+                    <a:p>
+                      <a:r>
+                        <a:rPr lang="en-US" b="0" dirty="0">
+                          <a:solidFill>
+                            <a:srgbClr val="F8F8F2"/>
+                          </a:solidFill>
+                          <a:effectLst/>
+                          <a:latin typeface="Menlo" panose="020B0609030804020204" pitchFamily="49" charset="0"/>
+                        </a:rPr>
+                        <a:t>}</a:t>
+                      </a:r>
+                    </a:p>
+                  </a:txBody>
+                  <a:tcPr>
+                    <a:lnR w="12700" cap="flat" cmpd="sng" algn="ctr">
+                      <a:solidFill>
+                        <a:schemeClr val="bg1">
+                          <a:lumMod val="95000"/>
+                        </a:schemeClr>
+                      </a:solidFill>
+                      <a:prstDash val="solid"/>
+                      <a:round/>
+                      <a:headEnd type="none" w="med" len="med"/>
+                      <a:tailEnd type="none" w="med" len="med"/>
+                    </a:lnR>
+                    <a:solidFill>
+                      <a:schemeClr val="tx1"/>
+                    </a:solidFill>
+                  </a:tcPr>
+                </a:tc>
+                <a:tc>
+                  <a:txBody>
+                    <a:bodyPr/>
+                    <a:lstStyle/>
+                    <a:p>
+                      <a:r>
+                        <a:rPr lang="en-US" b="0" i="1" dirty="0">
+                          <a:solidFill>
+                            <a:srgbClr val="66D9EF"/>
+                          </a:solidFill>
+                          <a:effectLst/>
+                          <a:latin typeface="Menlo" panose="020B0609030804020204" pitchFamily="49" charset="0"/>
+                        </a:rPr>
+                        <a:t>let</a:t>
+                      </a:r>
+                      <a:r>
+                        <a:rPr lang="en-US" b="0" dirty="0">
+                          <a:solidFill>
+                            <a:srgbClr val="F8F8F2"/>
+                          </a:solidFill>
+                          <a:effectLst/>
+                          <a:latin typeface="Menlo" panose="020B0609030804020204" pitchFamily="49" charset="0"/>
+                        </a:rPr>
+                        <a:t> name </a:t>
+                      </a:r>
+                      <a:r>
+                        <a:rPr lang="en-US" b="0" dirty="0">
+                          <a:solidFill>
+                            <a:srgbClr val="F92672"/>
+                          </a:solidFill>
+                          <a:effectLst/>
+                          <a:latin typeface="Menlo" panose="020B0609030804020204" pitchFamily="49" charset="0"/>
+                        </a:rPr>
+                        <a:t>=</a:t>
+                      </a:r>
+                      <a:r>
+                        <a:rPr lang="en-US" b="0" dirty="0">
+                          <a:solidFill>
+                            <a:srgbClr val="F8F8F2"/>
+                          </a:solidFill>
+                          <a:effectLst/>
+                          <a:latin typeface="Menlo" panose="020B0609030804020204" pitchFamily="49" charset="0"/>
+                        </a:rPr>
+                        <a:t> </a:t>
+                      </a:r>
+                      <a:r>
+                        <a:rPr lang="en-US" b="0" dirty="0">
+                          <a:solidFill>
+                            <a:srgbClr val="E6DB74"/>
+                          </a:solidFill>
+                          <a:effectLst/>
+                          <a:latin typeface="Menlo" panose="020B0609030804020204" pitchFamily="49" charset="0"/>
+                        </a:rPr>
+                        <a:t>'Milky'</a:t>
+                      </a:r>
+                      <a:r>
+                        <a:rPr lang="en-US" b="0" dirty="0">
+                          <a:solidFill>
+                            <a:srgbClr val="F8F8F2"/>
+                          </a:solidFill>
+                          <a:effectLst/>
+                          <a:latin typeface="Menlo" panose="020B0609030804020204" pitchFamily="49" charset="0"/>
+                        </a:rPr>
+                        <a:t>;</a:t>
+                      </a:r>
+                    </a:p>
+                    <a:p>
+                      <a:r>
+                        <a:rPr lang="en-US" b="0" i="1" dirty="0">
+                          <a:solidFill>
+                            <a:srgbClr val="66D9EF"/>
+                          </a:solidFill>
+                          <a:effectLst/>
+                          <a:latin typeface="Menlo" panose="020B0609030804020204" pitchFamily="49" charset="0"/>
+                        </a:rPr>
+                        <a:t>let</a:t>
+                      </a:r>
+                      <a:r>
+                        <a:rPr lang="en-US" b="0" dirty="0">
+                          <a:solidFill>
+                            <a:srgbClr val="F8F8F2"/>
+                          </a:solidFill>
+                          <a:effectLst/>
+                          <a:latin typeface="Menlo" panose="020B0609030804020204" pitchFamily="49" charset="0"/>
+                        </a:rPr>
+                        <a:t> type </a:t>
+                      </a:r>
+                      <a:r>
+                        <a:rPr lang="en-US" b="0" dirty="0">
+                          <a:solidFill>
+                            <a:srgbClr val="F92672"/>
+                          </a:solidFill>
+                          <a:effectLst/>
+                          <a:latin typeface="Menlo" panose="020B0609030804020204" pitchFamily="49" charset="0"/>
+                        </a:rPr>
+                        <a:t>=</a:t>
+                      </a:r>
+                      <a:r>
+                        <a:rPr lang="en-US" b="0" dirty="0">
+                          <a:solidFill>
+                            <a:srgbClr val="F8F8F2"/>
+                          </a:solidFill>
+                          <a:effectLst/>
+                          <a:latin typeface="Menlo" panose="020B0609030804020204" pitchFamily="49" charset="0"/>
+                        </a:rPr>
+                        <a:t> </a:t>
+                      </a:r>
+                      <a:r>
+                        <a:rPr lang="en-US" b="0" dirty="0">
+                          <a:solidFill>
+                            <a:srgbClr val="E6DB74"/>
+                          </a:solidFill>
+                          <a:effectLst/>
+                          <a:latin typeface="Menlo" panose="020B0609030804020204" pitchFamily="49" charset="0"/>
+                        </a:rPr>
+                        <a:t>'cat'</a:t>
+                      </a:r>
+                      <a:r>
+                        <a:rPr lang="en-US" b="0" dirty="0">
+                          <a:solidFill>
+                            <a:srgbClr val="F8F8F2"/>
+                          </a:solidFill>
+                          <a:effectLst/>
+                          <a:latin typeface="Menlo" panose="020B0609030804020204" pitchFamily="49" charset="0"/>
+                        </a:rPr>
+                        <a:t>;</a:t>
+                      </a:r>
+                    </a:p>
+                    <a:p>
+                      <a:r>
+                        <a:rPr lang="en-US" b="0" i="1" dirty="0">
+                          <a:solidFill>
+                            <a:srgbClr val="66D9EF"/>
+                          </a:solidFill>
+                          <a:effectLst/>
+                          <a:latin typeface="Menlo" panose="020B0609030804020204" pitchFamily="49" charset="0"/>
+                        </a:rPr>
+                        <a:t>let</a:t>
+                      </a:r>
+                      <a:r>
+                        <a:rPr lang="en-US" b="0" dirty="0">
+                          <a:solidFill>
+                            <a:srgbClr val="F8F8F2"/>
+                          </a:solidFill>
+                          <a:effectLst/>
+                          <a:latin typeface="Menlo" panose="020B0609030804020204" pitchFamily="49" charset="0"/>
+                        </a:rPr>
+                        <a:t> color </a:t>
+                      </a:r>
+                      <a:r>
+                        <a:rPr lang="en-US" b="0" dirty="0">
+                          <a:solidFill>
+                            <a:srgbClr val="F92672"/>
+                          </a:solidFill>
+                          <a:effectLst/>
+                          <a:latin typeface="Menlo" panose="020B0609030804020204" pitchFamily="49" charset="0"/>
+                        </a:rPr>
+                        <a:t>=</a:t>
+                      </a:r>
+                      <a:r>
+                        <a:rPr lang="en-US" b="0" dirty="0">
+                          <a:solidFill>
+                            <a:srgbClr val="F8F8F2"/>
+                          </a:solidFill>
+                          <a:effectLst/>
+                          <a:latin typeface="Menlo" panose="020B0609030804020204" pitchFamily="49" charset="0"/>
+                        </a:rPr>
+                        <a:t> </a:t>
+                      </a:r>
+                      <a:r>
+                        <a:rPr lang="en-US" b="0" dirty="0">
+                          <a:solidFill>
+                            <a:srgbClr val="E6DB74"/>
+                          </a:solidFill>
+                          <a:effectLst/>
+                          <a:latin typeface="Menlo" panose="020B0609030804020204" pitchFamily="49" charset="0"/>
+                        </a:rPr>
+                        <a:t>'grey'</a:t>
+                      </a:r>
+                      <a:r>
+                        <a:rPr lang="en-US" b="0" dirty="0">
+                          <a:solidFill>
+                            <a:srgbClr val="F8F8F2"/>
+                          </a:solidFill>
+                          <a:effectLst/>
+                          <a:latin typeface="Menlo" panose="020B0609030804020204" pitchFamily="49" charset="0"/>
+                        </a:rPr>
+                        <a:t>;</a:t>
+                      </a:r>
+                    </a:p>
+                    <a:p>
+                      <a:r>
+                        <a:rPr lang="en-US" b="0" i="1" dirty="0">
+                          <a:solidFill>
+                            <a:srgbClr val="66D9EF"/>
+                          </a:solidFill>
+                          <a:effectLst/>
+                          <a:latin typeface="Menlo" panose="020B0609030804020204" pitchFamily="49" charset="0"/>
+                        </a:rPr>
+                        <a:t>let</a:t>
+                      </a:r>
+                      <a:r>
+                        <a:rPr lang="en-US" b="0" dirty="0">
+                          <a:solidFill>
+                            <a:srgbClr val="F8F8F2"/>
+                          </a:solidFill>
+                          <a:effectLst/>
+                          <a:latin typeface="Menlo" panose="020B0609030804020204" pitchFamily="49" charset="0"/>
+                        </a:rPr>
+                        <a:t> age </a:t>
+                      </a:r>
+                      <a:r>
+                        <a:rPr lang="en-US" b="0" dirty="0">
+                          <a:solidFill>
+                            <a:srgbClr val="F92672"/>
+                          </a:solidFill>
+                          <a:effectLst/>
+                          <a:latin typeface="Menlo" panose="020B0609030804020204" pitchFamily="49" charset="0"/>
+                        </a:rPr>
+                        <a:t>=</a:t>
+                      </a:r>
+                      <a:r>
+                        <a:rPr lang="en-US" b="0" dirty="0">
+                          <a:solidFill>
+                            <a:srgbClr val="F8F8F2"/>
+                          </a:solidFill>
+                          <a:effectLst/>
+                          <a:latin typeface="Menlo" panose="020B0609030804020204" pitchFamily="49" charset="0"/>
+                        </a:rPr>
+                        <a:t> </a:t>
+                      </a:r>
+                      <a:r>
+                        <a:rPr lang="en-US" b="0" dirty="0">
+                          <a:solidFill>
+                            <a:srgbClr val="AE81FF"/>
+                          </a:solidFill>
+                          <a:effectLst/>
+                          <a:latin typeface="Menlo" panose="020B0609030804020204" pitchFamily="49" charset="0"/>
+                        </a:rPr>
+                        <a:t>2</a:t>
+                      </a:r>
+                      <a:r>
+                        <a:rPr lang="en-US" b="0" dirty="0">
+                          <a:solidFill>
+                            <a:srgbClr val="F8F8F2"/>
+                          </a:solidFill>
+                          <a:effectLst/>
+                          <a:latin typeface="Menlo" panose="020B0609030804020204" pitchFamily="49" charset="0"/>
+                        </a:rPr>
+                        <a:t>;</a:t>
+                      </a:r>
+                    </a:p>
+                  </a:txBody>
+                  <a:tcPr>
+                    <a:lnL w="12700" cap="flat" cmpd="sng" algn="ctr">
+                      <a:solidFill>
+                        <a:schemeClr val="bg1">
+                          <a:lumMod val="95000"/>
+                        </a:schemeClr>
+                      </a:solidFill>
+                      <a:prstDash val="solid"/>
+                      <a:round/>
+                      <a:headEnd type="none" w="med" len="med"/>
+                      <a:tailEnd type="none" w="med" len="med"/>
+                    </a:lnL>
+                    <a:solidFill>
+                      <a:schemeClr val="tx1"/>
+                    </a:solidFill>
+                  </a:tcPr>
+                </a:tc>
+                <a:extLst>
+                  <a:ext uri="{0D108BD9-81ED-4DB2-BD59-A6C34878D82A}">
+                    <a16:rowId xmlns:a16="http://schemas.microsoft.com/office/drawing/2014/main" val="1674664601"/>
+                  </a:ext>
+                </a:extLst>
+              </a:tr>
+            </a:tbl>
+          </a:graphicData>
+        </a:graphic>
+      </p:graphicFrame>
+      <p:sp>
+        <p:nvSpPr>
+          <p:cNvPr id="5" name="Content Placeholder 2">
+            <a:extLst>
+              <a:ext uri="{FF2B5EF4-FFF2-40B4-BE49-F238E27FC236}">
+                <a16:creationId xmlns:a16="http://schemas.microsoft.com/office/drawing/2014/main" id="{276938ED-C3A3-4B4F-809E-8B677F7B10DC}"/>
+              </a:ext>
+            </a:extLst>
+          </p:cNvPr>
+          <p:cNvSpPr txBox="1">
+            <a:spLocks/>
+          </p:cNvSpPr>
+          <p:nvPr/>
+        </p:nvSpPr>
+        <p:spPr>
+          <a:xfrm>
+            <a:off x="838200" y="5176434"/>
+            <a:ext cx="10515600" cy="1201968"/>
+          </a:xfrm>
+          <a:prstGeom prst="rect">
+            <a:avLst/>
+          </a:prstGeom>
+        </p:spPr>
+        <p:txBody>
+          <a:bodyPr vert="horz" lIns="91440" tIns="45720" rIns="91440" bIns="45720" rtlCol="0">
+            <a:normAutofit fontScale="92500" lnSpcReduction="20000"/>
+          </a:bodyPr>
+          <a:lstStyle>
+            <a:lvl1pPr marL="228600" indent="-228600" algn="l" defTabSz="914400" rtl="0" eaLnBrk="1" latinLnBrk="0" hangingPunct="1">
+              <a:lnSpc>
+                <a:spcPct val="90000"/>
+              </a:lnSpc>
+              <a:spcBef>
+                <a:spcPts val="1000"/>
+              </a:spcBef>
+              <a:buFont typeface="Arial" panose="020B0604020202020204" pitchFamily="34" charset="0"/>
+              <a:buChar char="•"/>
+              <a:defRPr sz="2800" kern="1200">
+                <a:solidFill>
+                  <a:schemeClr val="tx1"/>
+                </a:solidFill>
+                <a:latin typeface="+mn-lt"/>
+                <a:ea typeface="+mn-ea"/>
+                <a:cs typeface="+mn-cs"/>
+              </a:defRPr>
+            </a:lvl1pPr>
+            <a:lvl2pPr marL="685800" indent="-228600" algn="l" defTabSz="914400" rtl="0" eaLnBrk="1" latinLnBrk="0" hangingPunct="1">
+              <a:lnSpc>
+                <a:spcPct val="90000"/>
+              </a:lnSpc>
+              <a:spcBef>
+                <a:spcPts val="500"/>
+              </a:spcBef>
+              <a:buFont typeface="Arial" panose="020B0604020202020204" pitchFamily="34" charset="0"/>
+              <a:buChar char="•"/>
+              <a:defRPr sz="2400" kern="1200">
+                <a:solidFill>
+                  <a:schemeClr val="tx1"/>
+                </a:solidFill>
+                <a:latin typeface="+mn-lt"/>
+                <a:ea typeface="+mn-ea"/>
+                <a:cs typeface="+mn-cs"/>
+              </a:defRPr>
+            </a:lvl2pPr>
+            <a:lvl3pPr marL="1143000" indent="-228600" algn="l" defTabSz="914400" rtl="0" eaLnBrk="1" latinLnBrk="0" hangingPunct="1">
+              <a:lnSpc>
+                <a:spcPct val="90000"/>
+              </a:lnSpc>
+              <a:spcBef>
+                <a:spcPts val="500"/>
+              </a:spcBef>
+              <a:buFont typeface="Arial" panose="020B0604020202020204" pitchFamily="34" charset="0"/>
+              <a:buChar char="•"/>
+              <a:defRPr sz="2000" kern="1200">
+                <a:solidFill>
+                  <a:schemeClr val="tx1"/>
+                </a:solidFill>
+                <a:latin typeface="+mn-lt"/>
+                <a:ea typeface="+mn-ea"/>
+                <a:cs typeface="+mn-cs"/>
+              </a:defRPr>
+            </a:lvl3pPr>
+            <a:lvl4pPr marL="1600200" indent="-228600" algn="l" defTabSz="914400" rtl="0" eaLnBrk="1" latinLnBrk="0" hangingPunct="1">
+              <a:lnSpc>
+                <a:spcPct val="90000"/>
+              </a:lnSpc>
+              <a:spcBef>
+                <a:spcPts val="500"/>
+              </a:spcBef>
+              <a:buFont typeface="Arial" panose="020B0604020202020204" pitchFamily="34" charset="0"/>
+              <a:buChar char="•"/>
+              <a:defRPr sz="1800" kern="1200">
+                <a:solidFill>
+                  <a:schemeClr val="tx1"/>
+                </a:solidFill>
+                <a:latin typeface="+mn-lt"/>
+                <a:ea typeface="+mn-ea"/>
+                <a:cs typeface="+mn-cs"/>
+              </a:defRPr>
+            </a:lvl4pPr>
+            <a:lvl5pPr marL="2057400" indent="-228600" algn="l" defTabSz="914400" rtl="0" eaLnBrk="1" latinLnBrk="0" hangingPunct="1">
+              <a:lnSpc>
+                <a:spcPct val="90000"/>
+              </a:lnSpc>
+              <a:spcBef>
+                <a:spcPts val="500"/>
+              </a:spcBef>
+              <a:buFont typeface="Arial" panose="020B0604020202020204" pitchFamily="34" charset="0"/>
+              <a:buChar char="•"/>
+              <a:defRPr sz="1800" kern="1200">
+                <a:solidFill>
+                  <a:schemeClr val="tx1"/>
+                </a:solidFill>
+                <a:latin typeface="+mn-lt"/>
+                <a:ea typeface="+mn-ea"/>
+                <a:cs typeface="+mn-cs"/>
+              </a:defRPr>
+            </a:lvl5pPr>
+            <a:lvl6pPr marL="2514600" indent="-228600" algn="l" defTabSz="914400" rtl="0" eaLnBrk="1" latinLnBrk="0" hangingPunct="1">
+              <a:lnSpc>
+                <a:spcPct val="90000"/>
+              </a:lnSpc>
+              <a:spcBef>
+                <a:spcPts val="500"/>
+              </a:spcBef>
+              <a:buFont typeface="Arial" panose="020B0604020202020204" pitchFamily="34" charset="0"/>
+              <a:buChar char="•"/>
+              <a:defRPr sz="1800" kern="1200">
+                <a:solidFill>
+                  <a:schemeClr val="tx1"/>
+                </a:solidFill>
+                <a:latin typeface="+mn-lt"/>
+                <a:ea typeface="+mn-ea"/>
+                <a:cs typeface="+mn-cs"/>
+              </a:defRPr>
+            </a:lvl6pPr>
+            <a:lvl7pPr marL="2971800" indent="-228600" algn="l" defTabSz="914400" rtl="0" eaLnBrk="1" latinLnBrk="0" hangingPunct="1">
+              <a:lnSpc>
+                <a:spcPct val="90000"/>
+              </a:lnSpc>
+              <a:spcBef>
+                <a:spcPts val="500"/>
+              </a:spcBef>
+              <a:buFont typeface="Arial" panose="020B0604020202020204" pitchFamily="34" charset="0"/>
+              <a:buChar char="•"/>
+              <a:defRPr sz="1800" kern="1200">
+                <a:solidFill>
+                  <a:schemeClr val="tx1"/>
+                </a:solidFill>
+                <a:latin typeface="+mn-lt"/>
+                <a:ea typeface="+mn-ea"/>
+                <a:cs typeface="+mn-cs"/>
+              </a:defRPr>
+            </a:lvl7pPr>
+            <a:lvl8pPr marL="3429000" indent="-228600" algn="l" defTabSz="914400" rtl="0" eaLnBrk="1" latinLnBrk="0" hangingPunct="1">
+              <a:lnSpc>
+                <a:spcPct val="90000"/>
+              </a:lnSpc>
+              <a:spcBef>
+                <a:spcPts val="500"/>
+              </a:spcBef>
+              <a:buFont typeface="Arial" panose="020B0604020202020204" pitchFamily="34" charset="0"/>
+              <a:buChar char="•"/>
+              <a:defRPr sz="1800" kern="1200">
+                <a:solidFill>
+                  <a:schemeClr val="tx1"/>
+                </a:solidFill>
+                <a:latin typeface="+mn-lt"/>
+                <a:ea typeface="+mn-ea"/>
+                <a:cs typeface="+mn-cs"/>
+              </a:defRPr>
+            </a:lvl8pPr>
+            <a:lvl9pPr marL="3886200" indent="-228600" algn="l" defTabSz="914400" rtl="0" eaLnBrk="1" latinLnBrk="0" hangingPunct="1">
+              <a:lnSpc>
+                <a:spcPct val="90000"/>
+              </a:lnSpc>
+              <a:spcBef>
+                <a:spcPts val="500"/>
+              </a:spcBef>
+              <a:buFont typeface="Arial" panose="020B0604020202020204" pitchFamily="34" charset="0"/>
+              <a:buChar char="•"/>
+              <a:defRPr sz="1800" kern="1200">
+                <a:solidFill>
+                  <a:schemeClr val="tx1"/>
+                </a:solidFill>
+                <a:latin typeface="+mn-lt"/>
+                <a:ea typeface="+mn-ea"/>
+                <a:cs typeface="+mn-cs"/>
+              </a:defRPr>
+            </a:lvl9pPr>
+          </a:lstStyle>
+          <a:p>
+            <a:r>
+              <a:rPr lang="en-US" sz="2000" dirty="0">
+                <a:latin typeface="Open Sans" panose="020B0606030504020204" pitchFamily="34" charset="0"/>
+                <a:ea typeface="Open Sans" panose="020B0606030504020204" pitchFamily="34" charset="0"/>
+                <a:cs typeface="Open Sans" panose="020B0606030504020204" pitchFamily="34" charset="0"/>
+              </a:rPr>
+              <a:t>As you can see it is way more efficient to store the data in an object if the information are all related in some way</a:t>
+            </a:r>
+          </a:p>
+          <a:p>
+            <a:r>
+              <a:rPr lang="en-US" sz="2000" dirty="0">
+                <a:latin typeface="Open Sans" panose="020B0606030504020204" pitchFamily="34" charset="0"/>
+                <a:ea typeface="Open Sans" panose="020B0606030504020204" pitchFamily="34" charset="0"/>
+                <a:cs typeface="Open Sans" panose="020B0606030504020204" pitchFamily="34" charset="0"/>
+              </a:rPr>
+              <a:t>Name, type, color, and age are the keys of the object (on the left side before the colon) </a:t>
+            </a:r>
+          </a:p>
+          <a:p>
+            <a:r>
+              <a:rPr lang="en-US" sz="2000" dirty="0">
+                <a:latin typeface="Open Sans" panose="020B0606030504020204" pitchFamily="34" charset="0"/>
+                <a:ea typeface="Open Sans" panose="020B0606030504020204" pitchFamily="34" charset="0"/>
+                <a:cs typeface="Open Sans" panose="020B0606030504020204" pitchFamily="34" charset="0"/>
+              </a:rPr>
+              <a:t>milky, cat, grey, and 2 are all values (right side after the colon)</a:t>
+            </a:r>
+            <a:endParaRPr lang="en-US" sz="1800" dirty="0">
               <a:latin typeface="Open Sans" panose="020B0606030504020204" pitchFamily="34" charset="0"/>
               <a:ea typeface="Open Sans" panose="020B0606030504020204" pitchFamily="34" charset="0"/>
               <a:cs typeface="Open Sans" panose="020B0606030504020204" pitchFamily="34" charset="0"/>
             </a:endParaRPr>
           </a:p>
-          <a:p>
-            <a:pPr marL="0" indent="0">
-              <a:buNone/>
-            </a:pPr>
-            <a:r>
-              <a:rPr lang="en-US" dirty="0">
-                <a:latin typeface="Open Sans" panose="020B0606030504020204" pitchFamily="34" charset="0"/>
-                <a:ea typeface="Open Sans" panose="020B0606030504020204" pitchFamily="34" charset="0"/>
-                <a:cs typeface="Open Sans" panose="020B0606030504020204" pitchFamily="34" charset="0"/>
-              </a:rPr>
-              <a:t>Helpful links:</a:t>
-            </a:r>
-          </a:p>
-          <a:p>
-            <a:pPr marL="0" indent="0">
-              <a:buNone/>
-            </a:pPr>
-            <a:r>
-              <a:rPr lang="en-US" dirty="0">
-                <a:hlinkClick r:id="rId2"/>
-              </a:rPr>
-              <a:t>https://www.w3schools.com/tags/tag_script.asp</a:t>
-            </a:r>
-            <a:endParaRPr lang="en-US" dirty="0">
-              <a:latin typeface="Open Sans" panose="020B0606030504020204" pitchFamily="34" charset="0"/>
-              <a:ea typeface="Open Sans" panose="020B0606030504020204" pitchFamily="34" charset="0"/>
-              <a:cs typeface="Open Sans" panose="020B0606030504020204" pitchFamily="34" charset="0"/>
-            </a:endParaRPr>
-          </a:p>
         </p:txBody>
       </p:sp>
     </p:spTree>
     <p:extLst>
       <p:ext uri="{BB962C8B-B14F-4D97-AF65-F5344CB8AC3E}">
-        <p14:creationId xmlns:p14="http://schemas.microsoft.com/office/powerpoint/2010/main" val="1308595080"/>
+        <p14:creationId xmlns:p14="http://schemas.microsoft.com/office/powerpoint/2010/main" val="3347111420"/>
       </p:ext>
     </p:extLst>
   </p:cSld>
@@ -6077,13 +8325,7 @@
               <a:rPr lang="en-US" dirty="0">
                 <a:latin typeface="Fredoka One" panose="02000000000000000000" pitchFamily="2" charset="77"/>
               </a:rPr>
-              <a:t>Step 2.1: </a:t>
-            </a:r>
-            <a:r>
-              <a:rPr lang="en-US" sz="3200" dirty="0">
-                <a:latin typeface="Fredoka One" panose="02000000000000000000" pitchFamily="2" charset="77"/>
-              </a:rPr>
-              <a:t>Generate the Dropdown Cookie Options</a:t>
+              <a:t>More About Objects</a:t>
             </a:r>
             <a:endParaRPr lang="en-US" dirty="0"/>
           </a:p>
@@ -6107,524 +8349,868 @@
         </p:nvSpPr>
         <p:spPr>
           <a:xfrm>
-            <a:off x="838200" y="1825625"/>
-            <a:ext cx="6384010" cy="4351338"/>
+            <a:off x="838200" y="1555954"/>
+            <a:ext cx="10515600" cy="917575"/>
           </a:xfrm>
         </p:spPr>
         <p:txBody>
           <a:bodyPr>
-            <a:normAutofit fontScale="70000" lnSpcReduction="20000"/>
+            <a:normAutofit lnSpcReduction="10000"/>
           </a:bodyPr>
           <a:lstStyle/>
           <a:p>
-            <a:pPr marL="0" indent="0">
-              <a:buNone/>
-            </a:pPr>
-            <a:r>
-              <a:rPr lang="en-US" dirty="0">
-                <a:latin typeface="Open Sans" panose="020B0606030504020204" pitchFamily="34" charset="0"/>
-                <a:ea typeface="Open Sans" panose="020B0606030504020204" pitchFamily="34" charset="0"/>
-                <a:cs typeface="Open Sans" panose="020B0606030504020204" pitchFamily="34" charset="0"/>
-              </a:rPr>
-              <a:t>Create a function called </a:t>
-            </a:r>
-            <a:r>
-              <a:rPr lang="en-US" b="1" dirty="0" err="1">
-                <a:latin typeface="Open Sans" panose="020B0606030504020204" pitchFamily="34" charset="0"/>
-                <a:ea typeface="Open Sans" panose="020B0606030504020204" pitchFamily="34" charset="0"/>
-                <a:cs typeface="Open Sans" panose="020B0606030504020204" pitchFamily="34" charset="0"/>
-              </a:rPr>
-              <a:t>generateCookieOptions</a:t>
-            </a:r>
-            <a:r>
-              <a:rPr lang="en-US" b="1" dirty="0">
-                <a:latin typeface="Open Sans" panose="020B0606030504020204" pitchFamily="34" charset="0"/>
-                <a:ea typeface="Open Sans" panose="020B0606030504020204" pitchFamily="34" charset="0"/>
-                <a:cs typeface="Open Sans" panose="020B0606030504020204" pitchFamily="34" charset="0"/>
-              </a:rPr>
-              <a:t> </a:t>
-            </a:r>
-            <a:r>
-              <a:rPr lang="en-US" dirty="0">
-                <a:latin typeface="Open Sans" panose="020B0606030504020204" pitchFamily="34" charset="0"/>
-                <a:ea typeface="Open Sans" panose="020B0606030504020204" pitchFamily="34" charset="0"/>
-                <a:cs typeface="Open Sans" panose="020B0606030504020204" pitchFamily="34" charset="0"/>
-              </a:rPr>
-              <a:t>that does the following:</a:t>
-            </a:r>
-          </a:p>
-          <a:p>
-            <a:pPr marL="0" indent="0">
-              <a:buNone/>
-            </a:pPr>
-            <a:endParaRPr lang="en-US" dirty="0">
-              <a:latin typeface="Open Sans" panose="020B0606030504020204" pitchFamily="34" charset="0"/>
-              <a:ea typeface="Open Sans" panose="020B0606030504020204" pitchFamily="34" charset="0"/>
-              <a:cs typeface="Open Sans" panose="020B0606030504020204" pitchFamily="34" charset="0"/>
-            </a:endParaRPr>
-          </a:p>
-          <a:p>
-            <a:pPr marL="514350" indent="-514350">
-              <a:buFont typeface="+mj-lt"/>
-              <a:buAutoNum type="arabicPeriod"/>
-            </a:pPr>
-            <a:r>
-              <a:rPr lang="en-US" dirty="0">
-                <a:latin typeface="Open Sans" panose="020B0606030504020204" pitchFamily="34" charset="0"/>
-                <a:ea typeface="Open Sans" panose="020B0606030504020204" pitchFamily="34" charset="0"/>
-                <a:cs typeface="Open Sans" panose="020B0606030504020204" pitchFamily="34" charset="0"/>
-              </a:rPr>
-              <a:t>Grab the keys of the </a:t>
-            </a:r>
-            <a:r>
-              <a:rPr lang="en-US" i="1" dirty="0">
-                <a:latin typeface="Open Sans" panose="020B0606030504020204" pitchFamily="34" charset="0"/>
-                <a:ea typeface="Open Sans" panose="020B0606030504020204" pitchFamily="34" charset="0"/>
-                <a:cs typeface="Open Sans" panose="020B0606030504020204" pitchFamily="34" charset="0"/>
-              </a:rPr>
-              <a:t>cookies </a:t>
-            </a:r>
-            <a:r>
-              <a:rPr lang="en-US" dirty="0">
-                <a:latin typeface="Open Sans" panose="020B0606030504020204" pitchFamily="34" charset="0"/>
-                <a:ea typeface="Open Sans" panose="020B0606030504020204" pitchFamily="34" charset="0"/>
-                <a:cs typeface="Open Sans" panose="020B0606030504020204" pitchFamily="34" charset="0"/>
-              </a:rPr>
-              <a:t>object</a:t>
-            </a:r>
-            <a:r>
-              <a:rPr lang="en-US" i="1" dirty="0">
-                <a:latin typeface="Open Sans" panose="020B0606030504020204" pitchFamily="34" charset="0"/>
-                <a:ea typeface="Open Sans" panose="020B0606030504020204" pitchFamily="34" charset="0"/>
-                <a:cs typeface="Open Sans" panose="020B0606030504020204" pitchFamily="34" charset="0"/>
-              </a:rPr>
-              <a:t> </a:t>
-            </a:r>
-            <a:r>
-              <a:rPr lang="en-US" dirty="0">
-                <a:latin typeface="Open Sans" panose="020B0606030504020204" pitchFamily="34" charset="0"/>
-                <a:ea typeface="Open Sans" panose="020B0606030504020204" pitchFamily="34" charset="0"/>
-                <a:cs typeface="Open Sans" panose="020B0606030504020204" pitchFamily="34" charset="0"/>
-              </a:rPr>
-              <a:t>variable using the </a:t>
-            </a:r>
-            <a:r>
-              <a:rPr lang="en-US" dirty="0" err="1">
-                <a:latin typeface="Open Sans" panose="020B0606030504020204" pitchFamily="34" charset="0"/>
-                <a:ea typeface="Open Sans" panose="020B0606030504020204" pitchFamily="34" charset="0"/>
-                <a:cs typeface="Open Sans" panose="020B0606030504020204" pitchFamily="34" charset="0"/>
-              </a:rPr>
-              <a:t>Object.keys</a:t>
-            </a:r>
-            <a:r>
-              <a:rPr lang="en-US" dirty="0">
-                <a:latin typeface="Open Sans" panose="020B0606030504020204" pitchFamily="34" charset="0"/>
-                <a:ea typeface="Open Sans" panose="020B0606030504020204" pitchFamily="34" charset="0"/>
-                <a:cs typeface="Open Sans" panose="020B0606030504020204" pitchFamily="34" charset="0"/>
-              </a:rPr>
-              <a:t>() method</a:t>
-            </a:r>
-          </a:p>
-          <a:p>
-            <a:pPr marL="514350" indent="-514350">
-              <a:buFont typeface="+mj-lt"/>
-              <a:buAutoNum type="arabicPeriod"/>
-            </a:pPr>
-            <a:r>
-              <a:rPr lang="en-US" dirty="0">
-                <a:latin typeface="Open Sans" panose="020B0606030504020204" pitchFamily="34" charset="0"/>
-                <a:ea typeface="Open Sans" panose="020B0606030504020204" pitchFamily="34" charset="0"/>
-                <a:cs typeface="Open Sans" panose="020B0606030504020204" pitchFamily="34" charset="0"/>
-              </a:rPr>
-              <a:t> </a:t>
-            </a:r>
-            <a:r>
-              <a:rPr lang="en-US" b="1" dirty="0">
-                <a:latin typeface="Open Sans" panose="020B0606030504020204" pitchFamily="34" charset="0"/>
-                <a:ea typeface="Open Sans" panose="020B0606030504020204" pitchFamily="34" charset="0"/>
-                <a:cs typeface="Open Sans" panose="020B0606030504020204" pitchFamily="34" charset="0"/>
-              </a:rPr>
-              <a:t>For each </a:t>
-            </a:r>
-            <a:r>
-              <a:rPr lang="en-US" dirty="0">
-                <a:latin typeface="Open Sans" panose="020B0606030504020204" pitchFamily="34" charset="0"/>
-                <a:ea typeface="Open Sans" panose="020B0606030504020204" pitchFamily="34" charset="0"/>
-                <a:cs typeface="Open Sans" panose="020B0606030504020204" pitchFamily="34" charset="0"/>
-              </a:rPr>
-              <a:t>key create an &lt;option&gt; tag with the key as the text and value of option</a:t>
-            </a:r>
-          </a:p>
-          <a:p>
-            <a:pPr marL="514350" indent="-514350">
-              <a:buFont typeface="+mj-lt"/>
-              <a:buAutoNum type="arabicPeriod"/>
-            </a:pPr>
-            <a:r>
-              <a:rPr lang="en-US" dirty="0">
-                <a:latin typeface="Open Sans" panose="020B0606030504020204" pitchFamily="34" charset="0"/>
-                <a:ea typeface="Open Sans" panose="020B0606030504020204" pitchFamily="34" charset="0"/>
-                <a:cs typeface="Open Sans" panose="020B0606030504020204" pitchFamily="34" charset="0"/>
-              </a:rPr>
-              <a:t>Append each &lt;option&gt; tag to the &lt;select&gt; tag</a:t>
-            </a:r>
-          </a:p>
-          <a:p>
-            <a:pPr marL="0" indent="0">
-              <a:buNone/>
-            </a:pPr>
-            <a:endParaRPr lang="en-US" dirty="0">
-              <a:latin typeface="Open Sans" panose="020B0606030504020204" pitchFamily="34" charset="0"/>
-              <a:ea typeface="Open Sans" panose="020B0606030504020204" pitchFamily="34" charset="0"/>
-              <a:cs typeface="Open Sans" panose="020B0606030504020204" pitchFamily="34" charset="0"/>
-            </a:endParaRPr>
-          </a:p>
-          <a:p>
-            <a:pPr marL="0" indent="0">
-              <a:buNone/>
-            </a:pPr>
-            <a:r>
-              <a:rPr lang="en-US" dirty="0">
-                <a:latin typeface="Open Sans" panose="020B0606030504020204" pitchFamily="34" charset="0"/>
-                <a:ea typeface="Open Sans" panose="020B0606030504020204" pitchFamily="34" charset="0"/>
-                <a:cs typeface="Open Sans" panose="020B0606030504020204" pitchFamily="34" charset="0"/>
-              </a:rPr>
-              <a:t>Helpful links:</a:t>
-            </a:r>
-          </a:p>
-          <a:p>
-            <a:pPr marL="0" indent="0">
-              <a:buNone/>
-            </a:pPr>
-            <a:r>
-              <a:rPr lang="en-US" sz="1800" dirty="0">
-                <a:hlinkClick r:id="rId2"/>
-              </a:rPr>
-              <a:t>https://developer.mozilla.org/en-US/docs/Web/JavaScript/Reference/Global_Objects/Object/keys</a:t>
-            </a:r>
-            <a:endParaRPr lang="en-US" sz="1800" dirty="0"/>
-          </a:p>
-          <a:p>
-            <a:pPr marL="0" indent="0">
-              <a:buNone/>
-            </a:pPr>
-            <a:r>
-              <a:rPr lang="en-US" sz="1800" dirty="0">
-                <a:hlinkClick r:id="rId3"/>
-              </a:rPr>
-              <a:t>https://developer.mozilla.org/en-US/docs/Web/JavaScript/Reference/Global_Objects/Array/forEach</a:t>
-            </a:r>
-            <a:endParaRPr lang="en-US" sz="1800" dirty="0"/>
-          </a:p>
-          <a:p>
-            <a:pPr marL="0" indent="0">
-              <a:buNone/>
-            </a:pPr>
-            <a:r>
-              <a:rPr lang="en-US" sz="1800" dirty="0">
-                <a:hlinkClick r:id="rId4"/>
-              </a:rPr>
-              <a:t>https://www.w3schools.com/jsref/dom_obj_option.asp</a:t>
-            </a:r>
-            <a:endParaRPr lang="en-US" sz="1800" dirty="0"/>
-          </a:p>
-          <a:p>
-            <a:pPr marL="0" indent="0">
-              <a:buNone/>
-            </a:pPr>
-            <a:endParaRPr lang="en-US" sz="1800" dirty="0"/>
-          </a:p>
-          <a:p>
-            <a:pPr marL="0" indent="0">
-              <a:buNone/>
-            </a:pPr>
-            <a:endParaRPr lang="en-US" dirty="0">
-              <a:latin typeface="Open Sans" panose="020B0606030504020204" pitchFamily="34" charset="0"/>
-              <a:ea typeface="Open Sans" panose="020B0606030504020204" pitchFamily="34" charset="0"/>
-              <a:cs typeface="Open Sans" panose="020B0606030504020204" pitchFamily="34" charset="0"/>
-            </a:endParaRPr>
-          </a:p>
-        </p:txBody>
-      </p:sp>
-      <p:sp>
-        <p:nvSpPr>
-          <p:cNvPr id="6" name="TextBox 5">
-            <a:extLst>
-              <a:ext uri="{FF2B5EF4-FFF2-40B4-BE49-F238E27FC236}">
-                <a16:creationId xmlns:a16="http://schemas.microsoft.com/office/drawing/2014/main" id="{602BD0CA-5998-2D4B-B5F6-A1C577A7D2DF}"/>
-              </a:ext>
-            </a:extLst>
-          </p:cNvPr>
-          <p:cNvSpPr txBox="1"/>
+            <a:r>
+              <a:rPr lang="en-US" sz="2000" dirty="0">
+                <a:latin typeface="Open Sans" panose="020B0606030504020204" pitchFamily="34" charset="0"/>
+                <a:ea typeface="Open Sans" panose="020B0606030504020204" pitchFamily="34" charset="0"/>
+                <a:cs typeface="Open Sans" panose="020B0606030504020204" pitchFamily="34" charset="0"/>
+              </a:rPr>
+              <a:t>How to access a value in an object</a:t>
+            </a:r>
+          </a:p>
+          <a:p>
+            <a:pPr lvl="1"/>
+            <a:r>
+              <a:rPr lang="en-US" sz="1600" dirty="0">
+                <a:latin typeface="Open Sans" panose="020B0606030504020204" pitchFamily="34" charset="0"/>
+                <a:ea typeface="Open Sans" panose="020B0606030504020204" pitchFamily="34" charset="0"/>
+                <a:cs typeface="Open Sans" panose="020B0606030504020204" pitchFamily="34" charset="0"/>
+              </a:rPr>
+              <a:t>There are two ways: dot notation or bracket notation</a:t>
+            </a:r>
+          </a:p>
+          <a:p>
+            <a:pPr lvl="1"/>
+            <a:r>
+              <a:rPr lang="en-US" sz="1600" dirty="0">
+                <a:latin typeface="Open Sans" panose="020B0606030504020204" pitchFamily="34" charset="0"/>
+                <a:ea typeface="Open Sans" panose="020B0606030504020204" pitchFamily="34" charset="0"/>
+                <a:cs typeface="Open Sans" panose="020B0606030504020204" pitchFamily="34" charset="0"/>
+              </a:rPr>
+              <a:t>Note: both will output ‘milky’</a:t>
+            </a:r>
+          </a:p>
+        </p:txBody>
+      </p:sp>
+      <p:graphicFrame>
+        <p:nvGraphicFramePr>
+          <p:cNvPr id="4" name="Table 3">
+            <a:extLst>
+              <a:ext uri="{FF2B5EF4-FFF2-40B4-BE49-F238E27FC236}">
+                <a16:creationId xmlns:a16="http://schemas.microsoft.com/office/drawing/2014/main" id="{E3F45A98-4A44-2E4E-8939-21B7FCACFD3A}"/>
+              </a:ext>
+            </a:extLst>
+          </p:cNvPr>
+          <p:cNvGraphicFramePr>
+            <a:graphicFrameLocks noGrp="1"/>
+          </p:cNvGraphicFramePr>
+          <p:nvPr>
+            <p:extLst>
+              <p:ext uri="{D42A27DB-BD31-4B8C-83A1-F6EECF244321}">
+                <p14:modId xmlns:p14="http://schemas.microsoft.com/office/powerpoint/2010/main" val="2744230132"/>
+              </p:ext>
+            </p:extLst>
+          </p:nvPr>
+        </p:nvGraphicFramePr>
+        <p:xfrm>
+          <a:off x="1520554" y="2669583"/>
+          <a:ext cx="9669222" cy="1737360"/>
+        </p:xfrm>
+        <a:graphic>
+          <a:graphicData uri="http://schemas.openxmlformats.org/drawingml/2006/table">
+            <a:tbl>
+              <a:tblPr firstRow="1" bandRow="1">
+                <a:tableStyleId>{5940675A-B579-460E-94D1-54222C63F5DA}</a:tableStyleId>
+              </a:tblPr>
+              <a:tblGrid>
+                <a:gridCol w="4834611">
+                  <a:extLst>
+                    <a:ext uri="{9D8B030D-6E8A-4147-A177-3AD203B41FA5}">
+                      <a16:colId xmlns:a16="http://schemas.microsoft.com/office/drawing/2014/main" val="2119881086"/>
+                    </a:ext>
+                  </a:extLst>
+                </a:gridCol>
+                <a:gridCol w="4834611">
+                  <a:extLst>
+                    <a:ext uri="{9D8B030D-6E8A-4147-A177-3AD203B41FA5}">
+                      <a16:colId xmlns:a16="http://schemas.microsoft.com/office/drawing/2014/main" val="1873387244"/>
+                    </a:ext>
+                  </a:extLst>
+                </a:gridCol>
+              </a:tblGrid>
+              <a:tr h="1445218">
+                <a:tc>
+                  <a:txBody>
+                    <a:bodyPr/>
+                    <a:lstStyle/>
+                    <a:p>
+                      <a:r>
+                        <a:rPr lang="en-US" b="0" i="1" dirty="0">
+                          <a:solidFill>
+                            <a:srgbClr val="66D9EF"/>
+                          </a:solidFill>
+                          <a:effectLst/>
+                          <a:latin typeface="Menlo" panose="020B0609030804020204" pitchFamily="49" charset="0"/>
+                        </a:rPr>
+                        <a:t>let</a:t>
+                      </a:r>
+                      <a:r>
+                        <a:rPr lang="en-US" b="0" dirty="0">
+                          <a:solidFill>
+                            <a:srgbClr val="F8F8F2"/>
+                          </a:solidFill>
+                          <a:effectLst/>
+                          <a:latin typeface="Menlo" panose="020B0609030804020204" pitchFamily="49" charset="0"/>
+                        </a:rPr>
+                        <a:t> pet </a:t>
+                      </a:r>
+                      <a:r>
+                        <a:rPr lang="en-US" b="0" dirty="0">
+                          <a:solidFill>
+                            <a:srgbClr val="F92672"/>
+                          </a:solidFill>
+                          <a:effectLst/>
+                          <a:latin typeface="Menlo" panose="020B0609030804020204" pitchFamily="49" charset="0"/>
+                        </a:rPr>
+                        <a:t>=</a:t>
+                      </a:r>
+                      <a:r>
+                        <a:rPr lang="en-US" b="0" dirty="0">
+                          <a:solidFill>
+                            <a:srgbClr val="F8F8F2"/>
+                          </a:solidFill>
+                          <a:effectLst/>
+                          <a:latin typeface="Menlo" panose="020B0609030804020204" pitchFamily="49" charset="0"/>
+                        </a:rPr>
+                        <a:t> {</a:t>
+                      </a:r>
+                    </a:p>
+                    <a:p>
+                      <a:r>
+                        <a:rPr lang="en-US" b="0" dirty="0">
+                          <a:solidFill>
+                            <a:srgbClr val="F8F8F2"/>
+                          </a:solidFill>
+                          <a:effectLst/>
+                          <a:latin typeface="Menlo" panose="020B0609030804020204" pitchFamily="49" charset="0"/>
+                        </a:rPr>
+                        <a:t>   name: </a:t>
+                      </a:r>
+                      <a:r>
+                        <a:rPr lang="en-US" b="0" dirty="0">
+                          <a:solidFill>
+                            <a:srgbClr val="E6DB74"/>
+                          </a:solidFill>
+                          <a:effectLst/>
+                          <a:latin typeface="Menlo" panose="020B0609030804020204" pitchFamily="49" charset="0"/>
+                        </a:rPr>
+                        <a:t>'milky’</a:t>
+                      </a:r>
+                      <a:r>
+                        <a:rPr lang="en-US" b="0" dirty="0">
+                          <a:solidFill>
+                            <a:srgbClr val="F8F8F2"/>
+                          </a:solidFill>
+                          <a:effectLst/>
+                          <a:latin typeface="Menlo" panose="020B0609030804020204" pitchFamily="49" charset="0"/>
+                        </a:rPr>
+                        <a:t>,</a:t>
+                      </a:r>
+                    </a:p>
+                    <a:p>
+                      <a:r>
+                        <a:rPr lang="en-US" b="0" dirty="0">
+                          <a:solidFill>
+                            <a:srgbClr val="F8F8F2"/>
+                          </a:solidFill>
+                          <a:effectLst/>
+                          <a:latin typeface="Menlo" panose="020B0609030804020204" pitchFamily="49" charset="0"/>
+                        </a:rPr>
+                        <a:t>   type: </a:t>
+                      </a:r>
+                      <a:r>
+                        <a:rPr lang="en-US" b="0" dirty="0">
+                          <a:solidFill>
+                            <a:srgbClr val="E6DB74"/>
+                          </a:solidFill>
+                          <a:effectLst/>
+                          <a:latin typeface="Menlo" panose="020B0609030804020204" pitchFamily="49" charset="0"/>
+                        </a:rPr>
+                        <a:t>'cat’</a:t>
+                      </a:r>
+                      <a:r>
+                        <a:rPr lang="en-US" b="0" dirty="0">
+                          <a:solidFill>
+                            <a:srgbClr val="F8F8F2"/>
+                          </a:solidFill>
+                          <a:effectLst/>
+                          <a:latin typeface="Menlo" panose="020B0609030804020204" pitchFamily="49" charset="0"/>
+                        </a:rPr>
+                        <a:t>,</a:t>
+                      </a:r>
+                    </a:p>
+                    <a:p>
+                      <a:r>
+                        <a:rPr lang="en-US" b="0" dirty="0">
+                          <a:solidFill>
+                            <a:srgbClr val="F8F8F2"/>
+                          </a:solidFill>
+                          <a:effectLst/>
+                          <a:latin typeface="Menlo" panose="020B0609030804020204" pitchFamily="49" charset="0"/>
+                        </a:rPr>
+                        <a:t>   color: </a:t>
+                      </a:r>
+                      <a:r>
+                        <a:rPr lang="en-US" b="0" dirty="0">
+                          <a:solidFill>
+                            <a:srgbClr val="E6DB74"/>
+                          </a:solidFill>
+                          <a:effectLst/>
+                          <a:latin typeface="Menlo" panose="020B0609030804020204" pitchFamily="49" charset="0"/>
+                        </a:rPr>
+                        <a:t>'grey’</a:t>
+                      </a:r>
+                      <a:r>
+                        <a:rPr lang="en-US" b="0" dirty="0">
+                          <a:solidFill>
+                            <a:srgbClr val="F8F8F2"/>
+                          </a:solidFill>
+                          <a:effectLst/>
+                          <a:latin typeface="Menlo" panose="020B0609030804020204" pitchFamily="49" charset="0"/>
+                        </a:rPr>
+                        <a:t>,</a:t>
+                      </a:r>
+                    </a:p>
+                    <a:p>
+                      <a:r>
+                        <a:rPr lang="en-US" b="0" dirty="0">
+                          <a:solidFill>
+                            <a:srgbClr val="F8F8F2"/>
+                          </a:solidFill>
+                          <a:effectLst/>
+                          <a:latin typeface="Menlo" panose="020B0609030804020204" pitchFamily="49" charset="0"/>
+                        </a:rPr>
+                        <a:t>   age: </a:t>
+                      </a:r>
+                      <a:r>
+                        <a:rPr lang="en-US" b="0" dirty="0">
+                          <a:solidFill>
+                            <a:srgbClr val="AE81FF"/>
+                          </a:solidFill>
+                          <a:effectLst/>
+                          <a:latin typeface="Menlo" panose="020B0609030804020204" pitchFamily="49" charset="0"/>
+                        </a:rPr>
+                        <a:t>2</a:t>
+                      </a:r>
+                      <a:endParaRPr lang="en-US" b="0" dirty="0">
+                        <a:solidFill>
+                          <a:srgbClr val="F8F8F2"/>
+                        </a:solidFill>
+                        <a:effectLst/>
+                        <a:latin typeface="Menlo" panose="020B0609030804020204" pitchFamily="49" charset="0"/>
+                      </a:endParaRPr>
+                    </a:p>
+                    <a:p>
+                      <a:r>
+                        <a:rPr lang="en-US" b="0" dirty="0">
+                          <a:solidFill>
+                            <a:srgbClr val="F8F8F2"/>
+                          </a:solidFill>
+                          <a:effectLst/>
+                          <a:latin typeface="Menlo" panose="020B0609030804020204" pitchFamily="49" charset="0"/>
+                        </a:rPr>
+                        <a:t>}</a:t>
+                      </a:r>
+                    </a:p>
+                  </a:txBody>
+                  <a:tcPr>
+                    <a:lnR w="12700" cap="flat" cmpd="sng" algn="ctr">
+                      <a:solidFill>
+                        <a:schemeClr val="bg1">
+                          <a:lumMod val="95000"/>
+                        </a:schemeClr>
+                      </a:solidFill>
+                      <a:prstDash val="solid"/>
+                      <a:round/>
+                      <a:headEnd type="none" w="med" len="med"/>
+                      <a:tailEnd type="none" w="med" len="med"/>
+                    </a:lnR>
+                    <a:solidFill>
+                      <a:schemeClr val="tx1"/>
+                    </a:solidFill>
+                  </a:tcPr>
+                </a:tc>
+                <a:tc>
+                  <a:txBody>
+                    <a:bodyPr/>
+                    <a:lstStyle/>
+                    <a:p>
+                      <a:r>
+                        <a:rPr lang="en-US" b="0" dirty="0">
+                          <a:solidFill>
+                            <a:srgbClr val="88846F"/>
+                          </a:solidFill>
+                          <a:effectLst/>
+                          <a:latin typeface="Menlo" panose="020B0609030804020204" pitchFamily="49" charset="0"/>
+                        </a:rPr>
+                        <a:t>// Dot notation</a:t>
+                      </a:r>
+                      <a:endParaRPr lang="en-US" b="0" dirty="0">
+                        <a:solidFill>
+                          <a:srgbClr val="F8F8F2"/>
+                        </a:solidFill>
+                        <a:effectLst/>
+                        <a:latin typeface="Menlo" panose="020B0609030804020204" pitchFamily="49" charset="0"/>
+                      </a:endParaRPr>
+                    </a:p>
+                    <a:p>
+                      <a:r>
+                        <a:rPr lang="en-US" b="0" dirty="0" err="1">
+                          <a:solidFill>
+                            <a:srgbClr val="F8F8F2"/>
+                          </a:solidFill>
+                          <a:effectLst/>
+                          <a:latin typeface="Menlo" panose="020B0609030804020204" pitchFamily="49" charset="0"/>
+                        </a:rPr>
+                        <a:t>pet.name</a:t>
+                      </a:r>
+                      <a:endParaRPr lang="en-US" b="0" dirty="0">
+                        <a:solidFill>
+                          <a:srgbClr val="F8F8F2"/>
+                        </a:solidFill>
+                        <a:effectLst/>
+                        <a:latin typeface="Menlo" panose="020B0609030804020204" pitchFamily="49" charset="0"/>
+                      </a:endParaRPr>
+                    </a:p>
+                    <a:p>
+                      <a:br>
+                        <a:rPr lang="en-US" b="0" dirty="0">
+                          <a:solidFill>
+                            <a:srgbClr val="F8F8F2"/>
+                          </a:solidFill>
+                          <a:effectLst/>
+                          <a:latin typeface="Menlo" panose="020B0609030804020204" pitchFamily="49" charset="0"/>
+                        </a:rPr>
+                      </a:br>
+                      <a:r>
+                        <a:rPr lang="en-US" b="0" dirty="0">
+                          <a:solidFill>
+                            <a:srgbClr val="88846F"/>
+                          </a:solidFill>
+                          <a:effectLst/>
+                          <a:latin typeface="Menlo" panose="020B0609030804020204" pitchFamily="49" charset="0"/>
+                        </a:rPr>
+                        <a:t>// Bracket notation</a:t>
+                      </a:r>
+                      <a:endParaRPr lang="en-US" b="0" dirty="0">
+                        <a:solidFill>
+                          <a:srgbClr val="F8F8F2"/>
+                        </a:solidFill>
+                        <a:effectLst/>
+                        <a:latin typeface="Menlo" panose="020B0609030804020204" pitchFamily="49" charset="0"/>
+                      </a:endParaRPr>
+                    </a:p>
+                    <a:p>
+                      <a:r>
+                        <a:rPr lang="en-US" b="0" dirty="0">
+                          <a:solidFill>
+                            <a:srgbClr val="F8F8F2"/>
+                          </a:solidFill>
+                          <a:effectLst/>
+                          <a:latin typeface="Menlo" panose="020B0609030804020204" pitchFamily="49" charset="0"/>
+                        </a:rPr>
+                        <a:t>pet[</a:t>
+                      </a:r>
+                      <a:r>
+                        <a:rPr lang="en-US" b="0" dirty="0">
+                          <a:solidFill>
+                            <a:srgbClr val="E6DB74"/>
+                          </a:solidFill>
+                          <a:effectLst/>
+                          <a:latin typeface="Menlo" panose="020B0609030804020204" pitchFamily="49" charset="0"/>
+                        </a:rPr>
+                        <a:t>'name'</a:t>
+                      </a:r>
+                      <a:r>
+                        <a:rPr lang="en-US" b="0" dirty="0">
+                          <a:solidFill>
+                            <a:srgbClr val="F8F8F2"/>
+                          </a:solidFill>
+                          <a:effectLst/>
+                          <a:latin typeface="Menlo" panose="020B0609030804020204" pitchFamily="49" charset="0"/>
+                        </a:rPr>
+                        <a:t>] </a:t>
+                      </a:r>
+                    </a:p>
+                  </a:txBody>
+                  <a:tcPr>
+                    <a:lnL w="12700" cap="flat" cmpd="sng" algn="ctr">
+                      <a:solidFill>
+                        <a:schemeClr val="bg1">
+                          <a:lumMod val="95000"/>
+                        </a:schemeClr>
+                      </a:solidFill>
+                      <a:prstDash val="solid"/>
+                      <a:round/>
+                      <a:headEnd type="none" w="med" len="med"/>
+                      <a:tailEnd type="none" w="med" len="med"/>
+                    </a:lnL>
+                    <a:solidFill>
+                      <a:schemeClr val="tx1"/>
+                    </a:solidFill>
+                  </a:tcPr>
+                </a:tc>
+                <a:extLst>
+                  <a:ext uri="{0D108BD9-81ED-4DB2-BD59-A6C34878D82A}">
+                    <a16:rowId xmlns:a16="http://schemas.microsoft.com/office/drawing/2014/main" val="1674664601"/>
+                  </a:ext>
+                </a:extLst>
+              </a:tr>
+            </a:tbl>
+          </a:graphicData>
+        </a:graphic>
+      </p:graphicFrame>
+      <p:sp>
+        <p:nvSpPr>
+          <p:cNvPr id="6" name="Content Placeholder 2">
+            <a:extLst>
+              <a:ext uri="{FF2B5EF4-FFF2-40B4-BE49-F238E27FC236}">
+                <a16:creationId xmlns:a16="http://schemas.microsoft.com/office/drawing/2014/main" id="{86541C10-F899-CE40-AF4B-6470B221F03B}"/>
+              </a:ext>
+            </a:extLst>
+          </p:cNvPr>
+          <p:cNvSpPr txBox="1">
+            <a:spLocks/>
+          </p:cNvSpPr>
           <p:nvPr/>
         </p:nvSpPr>
         <p:spPr>
           <a:xfrm>
-            <a:off x="7851183" y="1690688"/>
-            <a:ext cx="3502617" cy="2385366"/>
+            <a:off x="838200" y="4630819"/>
+            <a:ext cx="10515600" cy="917575"/>
           </a:xfrm>
           <a:prstGeom prst="rect">
             <a:avLst/>
           </a:prstGeom>
-          <a:solidFill>
-            <a:schemeClr val="tx1"/>
-          </a:solidFill>
         </p:spPr>
         <p:txBody>
-          <a:bodyPr wrap="square" rtlCol="0">
-            <a:spAutoFit/>
+          <a:bodyPr vert="horz" lIns="91440" tIns="45720" rIns="91440" bIns="45720" rtlCol="0">
+            <a:normAutofit/>
           </a:bodyPr>
-          <a:lstStyle/>
-          <a:p>
-            <a:r>
-              <a:rPr lang="en-US" i="1">
+          <a:lstStyle>
+            <a:lvl1pPr marL="228600" indent="-228600" algn="l" defTabSz="914400" rtl="0" eaLnBrk="1" latinLnBrk="0" hangingPunct="1">
+              <a:lnSpc>
+                <a:spcPct val="90000"/>
+              </a:lnSpc>
+              <a:spcBef>
+                <a:spcPts val="1000"/>
+              </a:spcBef>
+              <a:buFont typeface="Arial" panose="020B0604020202020204" pitchFamily="34" charset="0"/>
+              <a:buChar char="•"/>
+              <a:defRPr sz="2800" kern="1200">
                 <a:solidFill>
-                  <a:srgbClr val="66D9EF"/>
+                  <a:schemeClr val="tx1"/>
                 </a:solidFill>
-                <a:latin typeface="Menlo" panose="020B0609030804020204" pitchFamily="49" charset="0"/>
-              </a:rPr>
-              <a:t>const</a:t>
-            </a:r>
-            <a:r>
-              <a:rPr lang="en-US">
+                <a:latin typeface="+mn-lt"/>
+                <a:ea typeface="+mn-ea"/>
+                <a:cs typeface="+mn-cs"/>
+              </a:defRPr>
+            </a:lvl1pPr>
+            <a:lvl2pPr marL="685800" indent="-228600" algn="l" defTabSz="914400" rtl="0" eaLnBrk="1" latinLnBrk="0" hangingPunct="1">
+              <a:lnSpc>
+                <a:spcPct val="90000"/>
+              </a:lnSpc>
+              <a:spcBef>
+                <a:spcPts val="500"/>
+              </a:spcBef>
+              <a:buFont typeface="Arial" panose="020B0604020202020204" pitchFamily="34" charset="0"/>
+              <a:buChar char="•"/>
+              <a:defRPr sz="2400" kern="1200">
                 <a:solidFill>
-                  <a:srgbClr val="F8F8F2"/>
+                  <a:schemeClr val="tx1"/>
                 </a:solidFill>
-                <a:latin typeface="Menlo" panose="020B0609030804020204" pitchFamily="49" charset="0"/>
-              </a:rPr>
-              <a:t> cookies </a:t>
-            </a:r>
-            <a:r>
-              <a:rPr lang="en-US">
+                <a:latin typeface="+mn-lt"/>
+                <a:ea typeface="+mn-ea"/>
+                <a:cs typeface="+mn-cs"/>
+              </a:defRPr>
+            </a:lvl2pPr>
+            <a:lvl3pPr marL="1143000" indent="-228600" algn="l" defTabSz="914400" rtl="0" eaLnBrk="1" latinLnBrk="0" hangingPunct="1">
+              <a:lnSpc>
+                <a:spcPct val="90000"/>
+              </a:lnSpc>
+              <a:spcBef>
+                <a:spcPts val="500"/>
+              </a:spcBef>
+              <a:buFont typeface="Arial" panose="020B0604020202020204" pitchFamily="34" charset="0"/>
+              <a:buChar char="•"/>
+              <a:defRPr sz="2000" kern="1200">
                 <a:solidFill>
-                  <a:srgbClr val="F92672"/>
+                  <a:schemeClr val="tx1"/>
                 </a:solidFill>
-                <a:latin typeface="Menlo" panose="020B0609030804020204" pitchFamily="49" charset="0"/>
-              </a:rPr>
-              <a:t>=</a:t>
-            </a:r>
-            <a:r>
-              <a:rPr lang="en-US">
+                <a:latin typeface="+mn-lt"/>
+                <a:ea typeface="+mn-ea"/>
+                <a:cs typeface="+mn-cs"/>
+              </a:defRPr>
+            </a:lvl3pPr>
+            <a:lvl4pPr marL="1600200" indent="-228600" algn="l" defTabSz="914400" rtl="0" eaLnBrk="1" latinLnBrk="0" hangingPunct="1">
+              <a:lnSpc>
+                <a:spcPct val="90000"/>
+              </a:lnSpc>
+              <a:spcBef>
+                <a:spcPts val="500"/>
+              </a:spcBef>
+              <a:buFont typeface="Arial" panose="020B0604020202020204" pitchFamily="34" charset="0"/>
+              <a:buChar char="•"/>
+              <a:defRPr sz="1800" kern="1200">
                 <a:solidFill>
-                  <a:srgbClr val="F8F8F2"/>
+                  <a:schemeClr val="tx1"/>
                 </a:solidFill>
-                <a:latin typeface="Menlo" panose="020B0609030804020204" pitchFamily="49" charset="0"/>
-              </a:rPr>
-              <a:t>{</a:t>
-            </a:r>
-          </a:p>
-          <a:p>
-            <a:r>
-              <a:rPr lang="en-US">
+                <a:latin typeface="+mn-lt"/>
+                <a:ea typeface="+mn-ea"/>
+                <a:cs typeface="+mn-cs"/>
+              </a:defRPr>
+            </a:lvl4pPr>
+            <a:lvl5pPr marL="2057400" indent="-228600" algn="l" defTabSz="914400" rtl="0" eaLnBrk="1" latinLnBrk="0" hangingPunct="1">
+              <a:lnSpc>
+                <a:spcPct val="90000"/>
+              </a:lnSpc>
+              <a:spcBef>
+                <a:spcPts val="500"/>
+              </a:spcBef>
+              <a:buFont typeface="Arial" panose="020B0604020202020204" pitchFamily="34" charset="0"/>
+              <a:buChar char="•"/>
+              <a:defRPr sz="1800" kern="1200">
                 <a:solidFill>
-                  <a:srgbClr val="F8F8F2"/>
+                  <a:schemeClr val="tx1"/>
                 </a:solidFill>
-                <a:latin typeface="Menlo" panose="020B0609030804020204" pitchFamily="49" charset="0"/>
-              </a:rPr>
-              <a:t>	burnt: </a:t>
-            </a:r>
-            <a:r>
-              <a:rPr lang="en-US">
+                <a:latin typeface="+mn-lt"/>
+                <a:ea typeface="+mn-ea"/>
+                <a:cs typeface="+mn-cs"/>
+              </a:defRPr>
+            </a:lvl5pPr>
+            <a:lvl6pPr marL="2514600" indent="-228600" algn="l" defTabSz="914400" rtl="0" eaLnBrk="1" latinLnBrk="0" hangingPunct="1">
+              <a:lnSpc>
+                <a:spcPct val="90000"/>
+              </a:lnSpc>
+              <a:spcBef>
+                <a:spcPts val="500"/>
+              </a:spcBef>
+              <a:buFont typeface="Arial" panose="020B0604020202020204" pitchFamily="34" charset="0"/>
+              <a:buChar char="•"/>
+              <a:defRPr sz="1800" kern="1200">
                 <a:solidFill>
-                  <a:srgbClr val="F92672"/>
+                  <a:schemeClr val="tx1"/>
                 </a:solidFill>
-                <a:latin typeface="Menlo" panose="020B0609030804020204" pitchFamily="49" charset="0"/>
-              </a:rPr>
-              <a:t>-</a:t>
-            </a:r>
-            <a:r>
-              <a:rPr lang="en-US">
+                <a:latin typeface="+mn-lt"/>
+                <a:ea typeface="+mn-ea"/>
+                <a:cs typeface="+mn-cs"/>
+              </a:defRPr>
+            </a:lvl6pPr>
+            <a:lvl7pPr marL="2971800" indent="-228600" algn="l" defTabSz="914400" rtl="0" eaLnBrk="1" latinLnBrk="0" hangingPunct="1">
+              <a:lnSpc>
+                <a:spcPct val="90000"/>
+              </a:lnSpc>
+              <a:spcBef>
+                <a:spcPts val="500"/>
+              </a:spcBef>
+              <a:buFont typeface="Arial" panose="020B0604020202020204" pitchFamily="34" charset="0"/>
+              <a:buChar char="•"/>
+              <a:defRPr sz="1800" kern="1200">
                 <a:solidFill>
-                  <a:srgbClr val="AE81FF"/>
+                  <a:schemeClr val="tx1"/>
                 </a:solidFill>
-                <a:latin typeface="Menlo" panose="020B0609030804020204" pitchFamily="49" charset="0"/>
-              </a:rPr>
-              <a:t>20</a:t>
-            </a:r>
-            <a:r>
-              <a:rPr lang="en-US">
+                <a:latin typeface="+mn-lt"/>
+                <a:ea typeface="+mn-ea"/>
+                <a:cs typeface="+mn-cs"/>
+              </a:defRPr>
+            </a:lvl7pPr>
+            <a:lvl8pPr marL="3429000" indent="-228600" algn="l" defTabSz="914400" rtl="0" eaLnBrk="1" latinLnBrk="0" hangingPunct="1">
+              <a:lnSpc>
+                <a:spcPct val="90000"/>
+              </a:lnSpc>
+              <a:spcBef>
+                <a:spcPts val="500"/>
+              </a:spcBef>
+              <a:buFont typeface="Arial" panose="020B0604020202020204" pitchFamily="34" charset="0"/>
+              <a:buChar char="•"/>
+              <a:defRPr sz="1800" kern="1200">
                 <a:solidFill>
-                  <a:srgbClr val="F8F8F2"/>
+                  <a:schemeClr val="tx1"/>
                 </a:solidFill>
-                <a:latin typeface="Menlo" panose="020B0609030804020204" pitchFamily="49" charset="0"/>
-              </a:rPr>
-              <a:t>,</a:t>
-            </a:r>
-          </a:p>
-          <a:p>
-            <a:r>
-              <a:rPr lang="en-US">
+                <a:latin typeface="+mn-lt"/>
+                <a:ea typeface="+mn-ea"/>
+                <a:cs typeface="+mn-cs"/>
+              </a:defRPr>
+            </a:lvl8pPr>
+            <a:lvl9pPr marL="3886200" indent="-228600" algn="l" defTabSz="914400" rtl="0" eaLnBrk="1" latinLnBrk="0" hangingPunct="1">
+              <a:lnSpc>
+                <a:spcPct val="90000"/>
+              </a:lnSpc>
+              <a:spcBef>
+                <a:spcPts val="500"/>
+              </a:spcBef>
+              <a:buFont typeface="Arial" panose="020B0604020202020204" pitchFamily="34" charset="0"/>
+              <a:buChar char="•"/>
+              <a:defRPr sz="1800" kern="1200">
                 <a:solidFill>
-                  <a:srgbClr val="F8F8F2"/>
+                  <a:schemeClr val="tx1"/>
                 </a:solidFill>
-                <a:latin typeface="Menlo" panose="020B0609030804020204" pitchFamily="49" charset="0"/>
-              </a:rPr>
-              <a:t>	broccoli: </a:t>
-            </a:r>
-            <a:r>
-              <a:rPr lang="en-US">
-                <a:solidFill>
-                  <a:srgbClr val="F92672"/>
-                </a:solidFill>
-                <a:latin typeface="Menlo" panose="020B0609030804020204" pitchFamily="49" charset="0"/>
-              </a:rPr>
-              <a:t>-</a:t>
-            </a:r>
-            <a:r>
-              <a:rPr lang="en-US">
-                <a:solidFill>
-                  <a:srgbClr val="AE81FF"/>
-                </a:solidFill>
-                <a:latin typeface="Menlo" panose="020B0609030804020204" pitchFamily="49" charset="0"/>
-              </a:rPr>
-              <a:t>10</a:t>
-            </a:r>
-            <a:r>
-              <a:rPr lang="en-US">
-                <a:solidFill>
-                  <a:srgbClr val="F8F8F2"/>
-                </a:solidFill>
-                <a:latin typeface="Menlo" panose="020B0609030804020204" pitchFamily="49" charset="0"/>
-              </a:rPr>
-              <a:t>,</a:t>
-            </a:r>
-          </a:p>
-          <a:p>
-            <a:r>
-              <a:rPr lang="en-US">
-                <a:solidFill>
-                  <a:srgbClr val="F8F8F2"/>
-                </a:solidFill>
-                <a:latin typeface="Menlo" panose="020B0609030804020204" pitchFamily="49" charset="0"/>
-              </a:rPr>
-              <a:t>	mnm: </a:t>
-            </a:r>
-            <a:r>
-              <a:rPr lang="en-US">
-                <a:solidFill>
-                  <a:srgbClr val="AE81FF"/>
-                </a:solidFill>
-                <a:latin typeface="Menlo" panose="020B0609030804020204" pitchFamily="49" charset="0"/>
-              </a:rPr>
-              <a:t>10</a:t>
-            </a:r>
-            <a:r>
-              <a:rPr lang="en-US">
-                <a:solidFill>
-                  <a:srgbClr val="F8F8F2"/>
-                </a:solidFill>
-                <a:latin typeface="Menlo" panose="020B0609030804020204" pitchFamily="49" charset="0"/>
-              </a:rPr>
-              <a:t>,</a:t>
-            </a:r>
-          </a:p>
-          <a:p>
-            <a:r>
-              <a:rPr lang="en-US">
-                <a:solidFill>
-                  <a:srgbClr val="F8F8F2"/>
-                </a:solidFill>
-                <a:latin typeface="Menlo" panose="020B0609030804020204" pitchFamily="49" charset="0"/>
-              </a:rPr>
-              <a:t>	chocolate: </a:t>
-            </a:r>
-            <a:r>
-              <a:rPr lang="en-US">
-                <a:solidFill>
-                  <a:srgbClr val="AE81FF"/>
-                </a:solidFill>
-                <a:latin typeface="Menlo" panose="020B0609030804020204" pitchFamily="49" charset="0"/>
-              </a:rPr>
-              <a:t>20</a:t>
-            </a:r>
-            <a:r>
-              <a:rPr lang="en-US">
-                <a:solidFill>
-                  <a:srgbClr val="F8F8F2"/>
-                </a:solidFill>
-                <a:latin typeface="Menlo" panose="020B0609030804020204" pitchFamily="49" charset="0"/>
-              </a:rPr>
-              <a:t>,</a:t>
-            </a:r>
-          </a:p>
-          <a:p>
-            <a:r>
-              <a:rPr lang="en-US">
-                <a:solidFill>
-                  <a:srgbClr val="F8F8F2"/>
-                </a:solidFill>
-                <a:latin typeface="Menlo" panose="020B0609030804020204" pitchFamily="49" charset="0"/>
-              </a:rPr>
-              <a:t>	snickerdoodle: </a:t>
-            </a:r>
-            <a:r>
-              <a:rPr lang="en-US">
-                <a:solidFill>
-                  <a:srgbClr val="AE81FF"/>
-                </a:solidFill>
-                <a:latin typeface="Menlo" panose="020B0609030804020204" pitchFamily="49" charset="0"/>
-              </a:rPr>
-              <a:t>5</a:t>
-            </a:r>
-            <a:r>
-              <a:rPr lang="en-US">
-                <a:solidFill>
-                  <a:srgbClr val="F8F8F2"/>
-                </a:solidFill>
-                <a:latin typeface="Menlo" panose="020B0609030804020204" pitchFamily="49" charset="0"/>
-              </a:rPr>
-              <a:t>,</a:t>
-            </a:r>
-          </a:p>
-          <a:p>
-            <a:r>
-              <a:rPr lang="en-US">
-                <a:solidFill>
-                  <a:srgbClr val="F8F8F2"/>
-                </a:solidFill>
-                <a:latin typeface="Menlo" panose="020B0609030804020204" pitchFamily="49" charset="0"/>
-              </a:rPr>
-              <a:t>	fudge: </a:t>
-            </a:r>
-            <a:r>
-              <a:rPr lang="en-US">
-                <a:solidFill>
-                  <a:srgbClr val="AE81FF"/>
-                </a:solidFill>
-                <a:latin typeface="Menlo" panose="020B0609030804020204" pitchFamily="49" charset="0"/>
-              </a:rPr>
-              <a:t>2</a:t>
-            </a:r>
-            <a:endParaRPr lang="en-US">
-              <a:solidFill>
-                <a:srgbClr val="F8F8F2"/>
-              </a:solidFill>
-              <a:latin typeface="Menlo" panose="020B0609030804020204" pitchFamily="49" charset="0"/>
-            </a:endParaRPr>
-          </a:p>
-          <a:p>
-            <a:r>
-              <a:rPr lang="en-US">
-                <a:solidFill>
-                  <a:srgbClr val="F8F8F2"/>
-                </a:solidFill>
-                <a:latin typeface="Menlo" panose="020B0609030804020204" pitchFamily="49" charset="0"/>
-              </a:rPr>
-              <a:t>}</a:t>
-            </a:r>
-            <a:endParaRPr lang="en-US" dirty="0">
-              <a:solidFill>
-                <a:srgbClr val="F8F8F2"/>
-              </a:solidFill>
-              <a:latin typeface="Menlo" panose="020B0609030804020204" pitchFamily="49" charset="0"/>
-            </a:endParaRPr>
-          </a:p>
-        </p:txBody>
-      </p:sp>
+                <a:latin typeface="+mn-lt"/>
+                <a:ea typeface="+mn-ea"/>
+                <a:cs typeface="+mn-cs"/>
+              </a:defRPr>
+            </a:lvl9pPr>
+          </a:lstStyle>
+          <a:p>
+            <a:r>
+              <a:rPr lang="en-US" sz="2000" dirty="0">
+                <a:latin typeface="Open Sans" panose="020B0606030504020204" pitchFamily="34" charset="0"/>
+                <a:ea typeface="Open Sans" panose="020B0606030504020204" pitchFamily="34" charset="0"/>
+                <a:cs typeface="Open Sans" panose="020B0606030504020204" pitchFamily="34" charset="0"/>
+              </a:rPr>
+              <a:t>How get the all the keys or values in an object</a:t>
+            </a:r>
+          </a:p>
+          <a:p>
+            <a:pPr lvl="1"/>
+            <a:r>
+              <a:rPr lang="en-US" sz="1600" dirty="0">
+                <a:latin typeface="Open Sans" panose="020B0606030504020204" pitchFamily="34" charset="0"/>
+                <a:ea typeface="Open Sans" panose="020B0606030504020204" pitchFamily="34" charset="0"/>
+                <a:cs typeface="Open Sans" panose="020B0606030504020204" pitchFamily="34" charset="0"/>
+              </a:rPr>
+              <a:t>Note the results are in an Array</a:t>
+            </a:r>
+          </a:p>
+        </p:txBody>
+      </p:sp>
+      <p:graphicFrame>
+        <p:nvGraphicFramePr>
+          <p:cNvPr id="7" name="Table 6">
+            <a:extLst>
+              <a:ext uri="{FF2B5EF4-FFF2-40B4-BE49-F238E27FC236}">
+                <a16:creationId xmlns:a16="http://schemas.microsoft.com/office/drawing/2014/main" id="{1F2BC553-D6EC-E149-8B1C-81D467A6DD95}"/>
+              </a:ext>
+            </a:extLst>
+          </p:cNvPr>
+          <p:cNvGraphicFramePr>
+            <a:graphicFrameLocks noGrp="1"/>
+          </p:cNvGraphicFramePr>
+          <p:nvPr>
+            <p:extLst>
+              <p:ext uri="{D42A27DB-BD31-4B8C-83A1-F6EECF244321}">
+                <p14:modId xmlns:p14="http://schemas.microsoft.com/office/powerpoint/2010/main" val="2550988398"/>
+              </p:ext>
+            </p:extLst>
+          </p:nvPr>
+        </p:nvGraphicFramePr>
+        <p:xfrm>
+          <a:off x="1520554" y="5465196"/>
+          <a:ext cx="9669222" cy="1027679"/>
+        </p:xfrm>
+        <a:graphic>
+          <a:graphicData uri="http://schemas.openxmlformats.org/drawingml/2006/table">
+            <a:tbl>
+              <a:tblPr firstRow="1" bandRow="1">
+                <a:tableStyleId>{5940675A-B579-460E-94D1-54222C63F5DA}</a:tableStyleId>
+              </a:tblPr>
+              <a:tblGrid>
+                <a:gridCol w="5019731">
+                  <a:extLst>
+                    <a:ext uri="{9D8B030D-6E8A-4147-A177-3AD203B41FA5}">
+                      <a16:colId xmlns:a16="http://schemas.microsoft.com/office/drawing/2014/main" val="2119881086"/>
+                    </a:ext>
+                  </a:extLst>
+                </a:gridCol>
+                <a:gridCol w="4649491">
+                  <a:extLst>
+                    <a:ext uri="{9D8B030D-6E8A-4147-A177-3AD203B41FA5}">
+                      <a16:colId xmlns:a16="http://schemas.microsoft.com/office/drawing/2014/main" val="1873387244"/>
+                    </a:ext>
+                  </a:extLst>
+                </a:gridCol>
+              </a:tblGrid>
+              <a:tr h="1027679">
+                <a:tc>
+                  <a:txBody>
+                    <a:bodyPr/>
+                    <a:lstStyle/>
+                    <a:p>
+                      <a:r>
+                        <a:rPr lang="en-US" b="0" i="1" dirty="0" err="1">
+                          <a:solidFill>
+                            <a:srgbClr val="66D9EF"/>
+                          </a:solidFill>
+                          <a:effectLst/>
+                          <a:latin typeface="Menlo" panose="020B0609030804020204" pitchFamily="49" charset="0"/>
+                        </a:rPr>
+                        <a:t>Object</a:t>
+                      </a:r>
+                      <a:r>
+                        <a:rPr lang="en-US" b="0" dirty="0" err="1">
+                          <a:solidFill>
+                            <a:srgbClr val="F8F8F2"/>
+                          </a:solidFill>
+                          <a:effectLst/>
+                          <a:latin typeface="Menlo" panose="020B0609030804020204" pitchFamily="49" charset="0"/>
+                        </a:rPr>
+                        <a:t>.</a:t>
+                      </a:r>
+                      <a:r>
+                        <a:rPr lang="en-US" b="0" dirty="0" err="1">
+                          <a:solidFill>
+                            <a:srgbClr val="66D9EF"/>
+                          </a:solidFill>
+                          <a:effectLst/>
+                          <a:latin typeface="Menlo" panose="020B0609030804020204" pitchFamily="49" charset="0"/>
+                        </a:rPr>
+                        <a:t>keys</a:t>
+                      </a:r>
+                      <a:r>
+                        <a:rPr lang="en-US" b="0" dirty="0">
+                          <a:solidFill>
+                            <a:srgbClr val="F8F8F2"/>
+                          </a:solidFill>
+                          <a:effectLst/>
+                          <a:latin typeface="Menlo" panose="020B0609030804020204" pitchFamily="49" charset="0"/>
+                        </a:rPr>
+                        <a:t>(pet) </a:t>
+                      </a:r>
+                    </a:p>
+                    <a:p>
+                      <a:r>
+                        <a:rPr lang="en-US" sz="1400" b="0" dirty="0">
+                          <a:solidFill>
+                            <a:srgbClr val="88846F"/>
+                          </a:solidFill>
+                          <a:effectLst/>
+                          <a:latin typeface="Menlo" panose="020B0609030804020204" pitchFamily="49" charset="0"/>
+                        </a:rPr>
+                        <a:t>// returns: ['name', 'type', 'color', 'age']</a:t>
+                      </a:r>
+                      <a:endParaRPr lang="en-US" sz="1400" b="0" dirty="0">
+                        <a:solidFill>
+                          <a:srgbClr val="F8F8F2"/>
+                        </a:solidFill>
+                        <a:effectLst/>
+                        <a:latin typeface="Menlo" panose="020B0609030804020204" pitchFamily="49" charset="0"/>
+                      </a:endParaRPr>
+                    </a:p>
+                  </a:txBody>
+                  <a:tcPr>
+                    <a:lnR w="12700" cap="flat" cmpd="sng" algn="ctr">
+                      <a:solidFill>
+                        <a:schemeClr val="bg1">
+                          <a:lumMod val="95000"/>
+                        </a:schemeClr>
+                      </a:solidFill>
+                      <a:prstDash val="solid"/>
+                      <a:round/>
+                      <a:headEnd type="none" w="med" len="med"/>
+                      <a:tailEnd type="none" w="med" len="med"/>
+                    </a:lnR>
+                    <a:solidFill>
+                      <a:schemeClr val="tx1"/>
+                    </a:solidFill>
+                  </a:tcPr>
+                </a:tc>
+                <a:tc>
+                  <a:txBody>
+                    <a:bodyPr/>
+                    <a:lstStyle/>
+                    <a:p>
+                      <a:r>
+                        <a:rPr lang="en-US" b="0" i="1" dirty="0" err="1">
+                          <a:solidFill>
+                            <a:srgbClr val="66D9EF"/>
+                          </a:solidFill>
+                          <a:effectLst/>
+                          <a:latin typeface="Menlo" panose="020B0609030804020204" pitchFamily="49" charset="0"/>
+                        </a:rPr>
+                        <a:t>Object</a:t>
+                      </a:r>
+                      <a:r>
+                        <a:rPr lang="en-US" b="0" dirty="0" err="1">
+                          <a:solidFill>
+                            <a:srgbClr val="F8F8F2"/>
+                          </a:solidFill>
+                          <a:effectLst/>
+                          <a:latin typeface="Menlo" panose="020B0609030804020204" pitchFamily="49" charset="0"/>
+                        </a:rPr>
+                        <a:t>.</a:t>
+                      </a:r>
+                      <a:r>
+                        <a:rPr lang="en-US" b="0" dirty="0" err="1">
+                          <a:solidFill>
+                            <a:srgbClr val="A6E22E"/>
+                          </a:solidFill>
+                          <a:effectLst/>
+                          <a:latin typeface="Menlo" panose="020B0609030804020204" pitchFamily="49" charset="0"/>
+                        </a:rPr>
+                        <a:t>values</a:t>
+                      </a:r>
+                      <a:r>
+                        <a:rPr lang="en-US" b="0" dirty="0">
+                          <a:solidFill>
+                            <a:srgbClr val="F8F8F2"/>
+                          </a:solidFill>
+                          <a:effectLst/>
+                          <a:latin typeface="Menlo" panose="020B0609030804020204" pitchFamily="49" charset="0"/>
+                        </a:rPr>
+                        <a:t>(pet)</a:t>
+                      </a:r>
+                    </a:p>
+                    <a:p>
+                      <a:r>
+                        <a:rPr lang="en-US" sz="1400" b="0" dirty="0">
+                          <a:solidFill>
+                            <a:srgbClr val="88846F"/>
+                          </a:solidFill>
+                          <a:effectLst/>
+                          <a:latin typeface="Menlo" panose="020B0609030804020204" pitchFamily="49" charset="0"/>
+                        </a:rPr>
+                        <a:t>// returns: ['milky', 'cat', 'grey', 2]</a:t>
+                      </a:r>
+                      <a:endParaRPr lang="en-US" sz="1400" b="0" dirty="0">
+                        <a:solidFill>
+                          <a:srgbClr val="F8F8F2"/>
+                        </a:solidFill>
+                        <a:effectLst/>
+                        <a:latin typeface="Menlo" panose="020B0609030804020204" pitchFamily="49" charset="0"/>
+                      </a:endParaRPr>
+                    </a:p>
+                  </a:txBody>
+                  <a:tcPr>
+                    <a:lnL w="12700" cap="flat" cmpd="sng" algn="ctr">
+                      <a:solidFill>
+                        <a:schemeClr val="bg1">
+                          <a:lumMod val="95000"/>
+                        </a:schemeClr>
+                      </a:solidFill>
+                      <a:prstDash val="solid"/>
+                      <a:round/>
+                      <a:headEnd type="none" w="med" len="med"/>
+                      <a:tailEnd type="none" w="med" len="med"/>
+                    </a:lnL>
+                    <a:solidFill>
+                      <a:schemeClr val="tx1"/>
+                    </a:solidFill>
+                  </a:tcPr>
+                </a:tc>
+                <a:extLst>
+                  <a:ext uri="{0D108BD9-81ED-4DB2-BD59-A6C34878D82A}">
+                    <a16:rowId xmlns:a16="http://schemas.microsoft.com/office/drawing/2014/main" val="1674664601"/>
+                  </a:ext>
+                </a:extLst>
+              </a:tr>
+            </a:tbl>
+          </a:graphicData>
+        </a:graphic>
+      </p:graphicFrame>
     </p:spTree>
     <p:extLst>
       <p:ext uri="{BB962C8B-B14F-4D97-AF65-F5344CB8AC3E}">
-        <p14:creationId xmlns:p14="http://schemas.microsoft.com/office/powerpoint/2010/main" val="3060983275"/>
+        <p14:creationId xmlns:p14="http://schemas.microsoft.com/office/powerpoint/2010/main" val="1328565630"/>
       </p:ext>
     </p:extLst>
   </p:cSld>
@@ -6667,7 +9253,7 @@
           <p:cNvPr id="2" name="Title 1">
             <a:extLst>
               <a:ext uri="{FF2B5EF4-FFF2-40B4-BE49-F238E27FC236}">
-                <a16:creationId xmlns:a16="http://schemas.microsoft.com/office/drawing/2014/main" id="{3B3E565E-04F4-9847-A658-9B719DCBB0B1}"/>
+                <a16:creationId xmlns:a16="http://schemas.microsoft.com/office/drawing/2014/main" id="{98A41984-F5EA-D141-B52C-284E172E72ED}"/>
               </a:ext>
             </a:extLst>
           </p:cNvPr>
@@ -6678,7 +9264,12 @@
             <p:ph type="title"/>
           </p:nvPr>
         </p:nvSpPr>
-        <p:spPr/>
+        <p:spPr>
+          <a:xfrm>
+            <a:off x="831850" y="1523758"/>
+            <a:ext cx="10515600" cy="2852737"/>
+          </a:xfrm>
+        </p:spPr>
         <p:txBody>
           <a:bodyPr/>
           <a:lstStyle/>
@@ -6687,30 +9278,17 @@
               <a:rPr lang="en-US" dirty="0">
                 <a:latin typeface="Fredoka One" panose="02000000000000000000" pitchFamily="2" charset="77"/>
               </a:rPr>
-              <a:t>Step 2.2: </a:t>
-            </a:r>
-            <a:r>
-              <a:rPr lang="en-US" sz="3200" dirty="0" err="1">
-                <a:latin typeface="Fredoka One" panose="02000000000000000000" pitchFamily="2" charset="77"/>
-              </a:rPr>
-              <a:t>OnChange</a:t>
-            </a:r>
-            <a:r>
-              <a:rPr lang="en-US" sz="3200" dirty="0">
-                <a:latin typeface="Fredoka One" panose="02000000000000000000" pitchFamily="2" charset="77"/>
-              </a:rPr>
-              <a:t> Dropdown </a:t>
-            </a:r>
-            <a:endParaRPr lang="en-US" dirty="0"/>
-          </a:p>
-        </p:txBody>
-      </p:sp>
-      <p:sp>
-        <p:nvSpPr>
-          <p:cNvPr id="3" name="Content Placeholder 2">
-            <a:extLst>
-              <a:ext uri="{FF2B5EF4-FFF2-40B4-BE49-F238E27FC236}">
-                <a16:creationId xmlns:a16="http://schemas.microsoft.com/office/drawing/2014/main" id="{15B342B8-6735-254D-9B71-302EA4E1EBA4}"/>
+              <a:t>Still Confused?</a:t>
+            </a:r>
+          </a:p>
+        </p:txBody>
+      </p:sp>
+      <p:sp>
+        <p:nvSpPr>
+          <p:cNvPr id="3" name="Text Placeholder 2">
+            <a:extLst>
+              <a:ext uri="{FF2B5EF4-FFF2-40B4-BE49-F238E27FC236}">
+                <a16:creationId xmlns:a16="http://schemas.microsoft.com/office/drawing/2014/main" id="{AB90A96C-F9DE-E84E-8377-5D75DB74DFD8}"/>
               </a:ext>
             </a:extLst>
           </p:cNvPr>
@@ -6718,127 +9296,67 @@
             <a:spLocks noGrp="1"/>
           </p:cNvSpPr>
           <p:nvPr>
-            <p:ph idx="1"/>
-          </p:nvPr>
-        </p:nvSpPr>
-        <p:spPr>
-          <a:xfrm>
-            <a:off x="838200" y="1825625"/>
-            <a:ext cx="10134600" cy="4351338"/>
-          </a:xfrm>
-        </p:spPr>
+            <p:ph type="body" idx="1"/>
+          </p:nvPr>
+        </p:nvSpPr>
+        <p:spPr/>
         <p:txBody>
           <a:bodyPr>
-            <a:normAutofit/>
+            <a:normAutofit fontScale="92500" lnSpcReduction="20000"/>
           </a:bodyPr>
           <a:lstStyle/>
           <a:p>
-            <a:pPr marL="0" indent="0">
-              <a:buNone/>
-            </a:pPr>
             <a:r>
               <a:rPr lang="en-US" dirty="0">
                 <a:latin typeface="Open Sans" panose="020B0606030504020204" pitchFamily="34" charset="0"/>
                 <a:ea typeface="Open Sans" panose="020B0606030504020204" pitchFamily="34" charset="0"/>
                 <a:cs typeface="Open Sans" panose="020B0606030504020204" pitchFamily="34" charset="0"/>
               </a:rPr>
-              <a:t>Add an ‘change’ event listener to the dropdown assigning the </a:t>
-            </a:r>
-            <a:r>
-              <a:rPr lang="en-US" i="1" dirty="0" err="1">
-                <a:latin typeface="Open Sans" panose="020B0606030504020204" pitchFamily="34" charset="0"/>
-                <a:ea typeface="Open Sans" panose="020B0606030504020204" pitchFamily="34" charset="0"/>
-                <a:cs typeface="Open Sans" panose="020B0606030504020204" pitchFamily="34" charset="0"/>
-              </a:rPr>
-              <a:t>selectedCookie</a:t>
-            </a:r>
-            <a:r>
-              <a:rPr lang="en-US" i="1" dirty="0">
-                <a:latin typeface="Open Sans" panose="020B0606030504020204" pitchFamily="34" charset="0"/>
-                <a:ea typeface="Open Sans" panose="020B0606030504020204" pitchFamily="34" charset="0"/>
-                <a:cs typeface="Open Sans" panose="020B0606030504020204" pitchFamily="34" charset="0"/>
-              </a:rPr>
-              <a:t> </a:t>
-            </a:r>
-            <a:r>
-              <a:rPr lang="en-US" dirty="0">
-                <a:latin typeface="Open Sans" panose="020B0606030504020204" pitchFamily="34" charset="0"/>
-                <a:ea typeface="Open Sans" panose="020B0606030504020204" pitchFamily="34" charset="0"/>
-                <a:cs typeface="Open Sans" panose="020B0606030504020204" pitchFamily="34" charset="0"/>
-              </a:rPr>
-              <a:t>variable the value of the dropdown</a:t>
-            </a:r>
-          </a:p>
-          <a:p>
-            <a:pPr marL="0" indent="0">
-              <a:buNone/>
-            </a:pPr>
-            <a:endParaRPr lang="en-US" dirty="0">
+              <a:t>Check out these links:</a:t>
+            </a:r>
+          </a:p>
+          <a:p>
+            <a:r>
+              <a:rPr lang="en-US" sz="1400" dirty="0">
+                <a:hlinkClick r:id="rId2"/>
+              </a:rPr>
+              <a:t>https://www.w3schools.com/js/js_objects.asp</a:t>
+            </a:r>
+            <a:endParaRPr lang="en-US" sz="1400" dirty="0">
               <a:latin typeface="Open Sans" panose="020B0606030504020204" pitchFamily="34" charset="0"/>
               <a:ea typeface="Open Sans" panose="020B0606030504020204" pitchFamily="34" charset="0"/>
               <a:cs typeface="Open Sans" panose="020B0606030504020204" pitchFamily="34" charset="0"/>
             </a:endParaRPr>
           </a:p>
           <a:p>
-            <a:pPr marL="0" indent="0">
-              <a:buNone/>
-            </a:pPr>
-            <a:r>
-              <a:rPr lang="en-US" dirty="0">
-                <a:latin typeface="Open Sans" panose="020B0606030504020204" pitchFamily="34" charset="0"/>
-                <a:ea typeface="Open Sans" panose="020B0606030504020204" pitchFamily="34" charset="0"/>
-                <a:cs typeface="Open Sans" panose="020B0606030504020204" pitchFamily="34" charset="0"/>
-              </a:rPr>
-              <a:t>Helpful links:</a:t>
-            </a:r>
-          </a:p>
-          <a:p>
-            <a:pPr marL="0" indent="0">
-              <a:buNone/>
-            </a:pPr>
-            <a:r>
-              <a:rPr lang="en-US" sz="1800" dirty="0">
-                <a:hlinkClick r:id="rId2"/>
-              </a:rPr>
-              <a:t>https://developer.mozilla.org/en-US/docs/Web/JavaScript/Reference/Global_Objects/Object/keys</a:t>
-            </a:r>
-            <a:endParaRPr lang="en-US" sz="1800" dirty="0"/>
-          </a:p>
-          <a:p>
-            <a:pPr marL="0" indent="0">
-              <a:buNone/>
-            </a:pPr>
-            <a:r>
-              <a:rPr lang="en-US" sz="1800" dirty="0">
+            <a:r>
+              <a:rPr lang="en-US" sz="1400" dirty="0">
                 <a:hlinkClick r:id="rId3"/>
               </a:rPr>
-              <a:t>https://developer.mozilla.org/en-US/docs/Web/JavaScript/Reference/Global_Objects/Array/forEach</a:t>
-            </a:r>
-            <a:endParaRPr lang="en-US" sz="1800" dirty="0"/>
-          </a:p>
-          <a:p>
-            <a:pPr marL="0" indent="0">
-              <a:buNone/>
-            </a:pPr>
-            <a:r>
-              <a:rPr lang="en-US" sz="1800" dirty="0">
+              <a:t>https://developer.mozilla.org/en-US/docs/Web/JavaScript/Reference/Global_objects/Object/values</a:t>
+            </a:r>
+            <a:endParaRPr lang="en-US" sz="1400" dirty="0"/>
+          </a:p>
+          <a:p>
+            <a:r>
+              <a:rPr lang="en-US" sz="1400" dirty="0">
                 <a:hlinkClick r:id="rId4"/>
               </a:rPr>
-              <a:t>https://www.w3schools.com/jsref/event_onchange.asp</a:t>
-            </a:r>
-            <a:endParaRPr lang="en-US" sz="1800" dirty="0"/>
-          </a:p>
-          <a:p>
-            <a:pPr marL="0" indent="0">
-              <a:buNone/>
-            </a:pPr>
-            <a:endParaRPr lang="en-US" sz="1800" dirty="0"/>
-          </a:p>
-          <a:p>
-            <a:pPr marL="0" indent="0">
-              <a:buNone/>
-            </a:pPr>
-            <a:endParaRPr lang="en-US" dirty="0">
+              <a:t>https://developer.mozilla.org/en-US/docs/Web/JavaScript/Reference/Global_objects/Object/keys</a:t>
+            </a:r>
+            <a:endParaRPr lang="en-US" sz="1400" dirty="0"/>
+          </a:p>
+          <a:p>
+            <a:r>
+              <a:rPr lang="en-US" sz="1400" dirty="0">
+                <a:hlinkClick r:id="rId5"/>
+              </a:rPr>
+              <a:t>https://developer.mozilla.org/en-US/docs/Web/JavaScript/Guide/Working_with_Objects</a:t>
+            </a:r>
+            <a:endParaRPr lang="en-US" sz="1400" dirty="0"/>
+          </a:p>
+          <a:p>
+            <a:endParaRPr lang="en-US" sz="1400" dirty="0">
               <a:latin typeface="Open Sans" panose="020B0606030504020204" pitchFamily="34" charset="0"/>
               <a:ea typeface="Open Sans" panose="020B0606030504020204" pitchFamily="34" charset="0"/>
               <a:cs typeface="Open Sans" panose="020B0606030504020204" pitchFamily="34" charset="0"/>
@@ -6846,10 +9364,39 @@
           </a:p>
         </p:txBody>
       </p:sp>
+      <p:pic>
+        <p:nvPicPr>
+          <p:cNvPr id="7" name="Picture 6" descr="A close up of a logo&#10;&#10;Description automatically generated">
+            <a:extLst>
+              <a:ext uri="{FF2B5EF4-FFF2-40B4-BE49-F238E27FC236}">
+                <a16:creationId xmlns:a16="http://schemas.microsoft.com/office/drawing/2014/main" id="{ACE00E4C-7286-6E42-BB54-DCABB217FAF3}"/>
+              </a:ext>
+            </a:extLst>
+          </p:cNvPr>
+          <p:cNvPicPr>
+            <a:picLocks noChangeAspect="1"/>
+          </p:cNvPicPr>
+          <p:nvPr/>
+        </p:nvPicPr>
+        <p:blipFill rotWithShape="1">
+          <a:blip r:embed="rId6"/>
+          <a:srcRect l="23632" t="56589" r="57425" b="8509"/>
+          <a:stretch/>
+        </p:blipFill>
+        <p:spPr>
+          <a:xfrm>
+            <a:off x="6834554" y="952257"/>
+            <a:ext cx="2866292" cy="3960694"/>
+          </a:xfrm>
+          <a:prstGeom prst="rect">
+            <a:avLst/>
+          </a:prstGeom>
+        </p:spPr>
+      </p:pic>
     </p:spTree>
     <p:extLst>
       <p:ext uri="{BB962C8B-B14F-4D97-AF65-F5344CB8AC3E}">
-        <p14:creationId xmlns:p14="http://schemas.microsoft.com/office/powerpoint/2010/main" val="117218512"/>
+        <p14:creationId xmlns:p14="http://schemas.microsoft.com/office/powerpoint/2010/main" val="1499854102"/>
       </p:ext>
     </p:extLst>
   </p:cSld>
@@ -6912,13 +9459,7 @@
               <a:rPr lang="en-US" dirty="0">
                 <a:latin typeface="Fredoka One" panose="02000000000000000000" pitchFamily="2" charset="77"/>
               </a:rPr>
-              <a:t>Step 3.1: </a:t>
-            </a:r>
-            <a:r>
-              <a:rPr lang="en-US" sz="3200" dirty="0">
-                <a:latin typeface="Fredoka One" panose="02000000000000000000" pitchFamily="2" charset="77"/>
-              </a:rPr>
-              <a:t>Generate a Cookie</a:t>
+              <a:t>Step 1: Link JavaScript to HTML </a:t>
             </a:r>
             <a:endParaRPr lang="en-US" dirty="0"/>
           </a:p>
@@ -6940,20 +9481,14 @@
             <p:ph idx="1"/>
           </p:nvPr>
         </p:nvSpPr>
-        <p:spPr>
-          <a:xfrm>
-            <a:off x="838200" y="1656731"/>
-            <a:ext cx="9933122" cy="4838646"/>
-          </a:xfrm>
-        </p:spPr>
-        <p:txBody>
-          <a:bodyPr>
-            <a:normAutofit fontScale="70000" lnSpcReduction="20000"/>
-          </a:bodyPr>
+        <p:spPr/>
+        <p:txBody>
+          <a:bodyPr/>
           <a:lstStyle/>
           <a:p>
-            <a:pPr marL="0" indent="0">
-              <a:buNone/>
+            <a:pPr marL="514350" indent="-514350">
+              <a:buFont typeface="+mj-lt"/>
+              <a:buAutoNum type="arabicPeriod"/>
             </a:pPr>
             <a:r>
               <a:rPr lang="en-US" dirty="0">
@@ -6961,15 +9496,7 @@
                 <a:ea typeface="Open Sans" panose="020B0606030504020204" pitchFamily="34" charset="0"/>
                 <a:cs typeface="Open Sans" panose="020B0606030504020204" pitchFamily="34" charset="0"/>
               </a:rPr>
-              <a:t>Create a function called </a:t>
-            </a:r>
-            <a:r>
-              <a:rPr lang="en-US" b="1" dirty="0" err="1">
-                <a:latin typeface="Open Sans" panose="020B0606030504020204" pitchFamily="34" charset="0"/>
-                <a:ea typeface="Open Sans" panose="020B0606030504020204" pitchFamily="34" charset="0"/>
-                <a:cs typeface="Open Sans" panose="020B0606030504020204" pitchFamily="34" charset="0"/>
-              </a:rPr>
-              <a:t>generateCookie</a:t>
+              <a:t>Code and place the </a:t>
             </a:r>
             <a:r>
               <a:rPr lang="en-US" b="1" dirty="0">
@@ -6977,6 +9504,38 @@
                 <a:ea typeface="Open Sans" panose="020B0606030504020204" pitchFamily="34" charset="0"/>
                 <a:cs typeface="Open Sans" panose="020B0606030504020204" pitchFamily="34" charset="0"/>
               </a:rPr>
+              <a:t>&lt;script&gt; </a:t>
+            </a:r>
+            <a:r>
+              <a:rPr lang="en-US" dirty="0">
+                <a:latin typeface="Open Sans" panose="020B0606030504020204" pitchFamily="34" charset="0"/>
+                <a:ea typeface="Open Sans" panose="020B0606030504020204" pitchFamily="34" charset="0"/>
+                <a:cs typeface="Open Sans" panose="020B0606030504020204" pitchFamily="34" charset="0"/>
+              </a:rPr>
+              <a:t>tag applying the </a:t>
+            </a:r>
+            <a:r>
+              <a:rPr lang="en-US" i="1" dirty="0">
+                <a:latin typeface="Open Sans" panose="020B0606030504020204" pitchFamily="34" charset="0"/>
+                <a:ea typeface="Open Sans" panose="020B0606030504020204" pitchFamily="34" charset="0"/>
+                <a:cs typeface="Open Sans" panose="020B0606030504020204" pitchFamily="34" charset="0"/>
+              </a:rPr>
+              <a:t>cookie-</a:t>
+            </a:r>
+            <a:r>
+              <a:rPr lang="en-US" i="1" dirty="0" err="1">
+                <a:latin typeface="Open Sans" panose="020B0606030504020204" pitchFamily="34" charset="0"/>
+                <a:ea typeface="Open Sans" panose="020B0606030504020204" pitchFamily="34" charset="0"/>
+                <a:cs typeface="Open Sans" panose="020B0606030504020204" pitchFamily="34" charset="0"/>
+              </a:rPr>
+              <a:t>party.js</a:t>
+            </a:r>
+            <a:r>
+              <a:rPr lang="en-US" i="1" dirty="0">
+                <a:latin typeface="Open Sans" panose="020B0606030504020204" pitchFamily="34" charset="0"/>
+                <a:ea typeface="Open Sans" panose="020B0606030504020204" pitchFamily="34" charset="0"/>
+                <a:cs typeface="Open Sans" panose="020B0606030504020204" pitchFamily="34" charset="0"/>
+              </a:rPr>
               <a:t> </a:t>
             </a:r>
             <a:r>
@@ -6985,7 +9544,80 @@
                 <a:ea typeface="Open Sans" panose="020B0606030504020204" pitchFamily="34" charset="0"/>
                 <a:cs typeface="Open Sans" panose="020B0606030504020204" pitchFamily="34" charset="0"/>
               </a:rPr>
-              <a:t>that does the following:</a:t>
+              <a:t>file to the </a:t>
+            </a:r>
+            <a:r>
+              <a:rPr lang="en-US" dirty="0" err="1">
+                <a:latin typeface="Open Sans" panose="020B0606030504020204" pitchFamily="34" charset="0"/>
+                <a:ea typeface="Open Sans" panose="020B0606030504020204" pitchFamily="34" charset="0"/>
+                <a:cs typeface="Open Sans" panose="020B0606030504020204" pitchFamily="34" charset="0"/>
+              </a:rPr>
+              <a:t>index.html</a:t>
+            </a:r>
+            <a:r>
+              <a:rPr lang="en-US" dirty="0">
+                <a:latin typeface="Open Sans" panose="020B0606030504020204" pitchFamily="34" charset="0"/>
+                <a:ea typeface="Open Sans" panose="020B0606030504020204" pitchFamily="34" charset="0"/>
+                <a:cs typeface="Open Sans" panose="020B0606030504020204" pitchFamily="34" charset="0"/>
+              </a:rPr>
+              <a:t> file</a:t>
+            </a:r>
+          </a:p>
+          <a:p>
+            <a:pPr marL="514350" indent="-514350">
+              <a:buFont typeface="+mj-lt"/>
+              <a:buAutoNum type="arabicPeriod"/>
+            </a:pPr>
+            <a:r>
+              <a:rPr lang="en-US" dirty="0">
+                <a:latin typeface="Open Sans" panose="020B0606030504020204" pitchFamily="34" charset="0"/>
+                <a:ea typeface="Open Sans" panose="020B0606030504020204" pitchFamily="34" charset="0"/>
+                <a:cs typeface="Open Sans" panose="020B0606030504020204" pitchFamily="34" charset="0"/>
+              </a:rPr>
+              <a:t>Make sure to place the </a:t>
+            </a:r>
+            <a:r>
+              <a:rPr lang="en-US" b="1" dirty="0">
+                <a:latin typeface="Open Sans" panose="020B0606030504020204" pitchFamily="34" charset="0"/>
+                <a:ea typeface="Open Sans" panose="020B0606030504020204" pitchFamily="34" charset="0"/>
+                <a:cs typeface="Open Sans" panose="020B0606030504020204" pitchFamily="34" charset="0"/>
+              </a:rPr>
+              <a:t>&lt;script&gt;</a:t>
+            </a:r>
+            <a:r>
+              <a:rPr lang="en-US" dirty="0">
+                <a:latin typeface="Open Sans" panose="020B0606030504020204" pitchFamily="34" charset="0"/>
+                <a:ea typeface="Open Sans" panose="020B0606030504020204" pitchFamily="34" charset="0"/>
+                <a:cs typeface="Open Sans" panose="020B0606030504020204" pitchFamily="34" charset="0"/>
+              </a:rPr>
+              <a:t> tag at the bottom of the </a:t>
+            </a:r>
+            <a:r>
+              <a:rPr lang="en-US" b="1" dirty="0">
+                <a:latin typeface="Open Sans" panose="020B0606030504020204" pitchFamily="34" charset="0"/>
+                <a:ea typeface="Open Sans" panose="020B0606030504020204" pitchFamily="34" charset="0"/>
+                <a:cs typeface="Open Sans" panose="020B0606030504020204" pitchFamily="34" charset="0"/>
+              </a:rPr>
+              <a:t>&lt;body&gt; </a:t>
+            </a:r>
+            <a:r>
+              <a:rPr lang="en-US" dirty="0">
+                <a:latin typeface="Open Sans" panose="020B0606030504020204" pitchFamily="34" charset="0"/>
+                <a:ea typeface="Open Sans" panose="020B0606030504020204" pitchFamily="34" charset="0"/>
+                <a:cs typeface="Open Sans" panose="020B0606030504020204" pitchFamily="34" charset="0"/>
+              </a:rPr>
+              <a:t>tag</a:t>
+            </a:r>
+          </a:p>
+          <a:p>
+            <a:pPr lvl="2"/>
+            <a:r>
+              <a:rPr lang="en-US" dirty="0">
+                <a:latin typeface="Open Sans" panose="020B0606030504020204" pitchFamily="34" charset="0"/>
+                <a:ea typeface="Open Sans" panose="020B0606030504020204" pitchFamily="34" charset="0"/>
+                <a:cs typeface="Open Sans" panose="020B0606030504020204" pitchFamily="34" charset="0"/>
+              </a:rPr>
+              <a:t>This ensures the JavaScript will only be run when the html has been fully loaded  </a:t>
             </a:r>
           </a:p>
           <a:p>
@@ -6999,9 +9631,8 @@
             </a:endParaRPr>
           </a:p>
           <a:p>
-            <a:pPr marL="514350" indent="-514350">
-              <a:buFont typeface="+mj-lt"/>
-              <a:buAutoNum type="arabicPeriod"/>
+            <a:pPr marL="0" indent="0">
+              <a:buNone/>
             </a:pPr>
             <a:r>
               <a:rPr lang="en-US" dirty="0">
@@ -7009,193 +9640,18 @@
                 <a:ea typeface="Open Sans" panose="020B0606030504020204" pitchFamily="34" charset="0"/>
                 <a:cs typeface="Open Sans" panose="020B0606030504020204" pitchFamily="34" charset="0"/>
               </a:rPr>
-              <a:t>Create an &lt;</a:t>
-            </a:r>
-            <a:r>
-              <a:rPr lang="en-US" dirty="0" err="1">
-                <a:latin typeface="Open Sans" panose="020B0606030504020204" pitchFamily="34" charset="0"/>
-                <a:ea typeface="Open Sans" panose="020B0606030504020204" pitchFamily="34" charset="0"/>
-                <a:cs typeface="Open Sans" panose="020B0606030504020204" pitchFamily="34" charset="0"/>
-              </a:rPr>
-              <a:t>img</a:t>
-            </a:r>
+              <a:t>Helpful links:</a:t>
+            </a:r>
+          </a:p>
+          <a:p>
+            <a:pPr marL="0" indent="0">
+              <a:buNone/>
+            </a:pPr>
             <a:r>
               <a:rPr lang="en-US" dirty="0">
-                <a:latin typeface="Open Sans" panose="020B0606030504020204" pitchFamily="34" charset="0"/>
-                <a:ea typeface="Open Sans" panose="020B0606030504020204" pitchFamily="34" charset="0"/>
-                <a:cs typeface="Open Sans" panose="020B0606030504020204" pitchFamily="34" charset="0"/>
-              </a:rPr>
-              <a:t>&gt; element</a:t>
-            </a:r>
-          </a:p>
-          <a:p>
-            <a:pPr marL="514350" indent="-514350">
-              <a:buFont typeface="+mj-lt"/>
-              <a:buAutoNum type="arabicPeriod"/>
-            </a:pPr>
-            <a:r>
-              <a:rPr lang="en-US" dirty="0">
-                <a:latin typeface="Open Sans" panose="020B0606030504020204" pitchFamily="34" charset="0"/>
-                <a:ea typeface="Open Sans" panose="020B0606030504020204" pitchFamily="34" charset="0"/>
-                <a:cs typeface="Open Sans" panose="020B0606030504020204" pitchFamily="34" charset="0"/>
-              </a:rPr>
-              <a:t>Adds the ‘cookie’ class to the element</a:t>
-            </a:r>
-          </a:p>
-          <a:p>
-            <a:pPr marL="514350" indent="-514350">
-              <a:buFont typeface="+mj-lt"/>
-              <a:buAutoNum type="arabicPeriod"/>
-            </a:pPr>
-            <a:r>
-              <a:rPr lang="en-US" dirty="0">
-                <a:latin typeface="Open Sans" panose="020B0606030504020204" pitchFamily="34" charset="0"/>
-                <a:ea typeface="Open Sans" panose="020B0606030504020204" pitchFamily="34" charset="0"/>
-                <a:cs typeface="Open Sans" panose="020B0606030504020204" pitchFamily="34" charset="0"/>
-              </a:rPr>
-              <a:t>Adjust the element based on the type of cookie selected in the dropdown menu</a:t>
-            </a:r>
-          </a:p>
-          <a:p>
-            <a:pPr lvl="1"/>
-            <a:r>
-              <a:rPr lang="en-US" dirty="0">
-                <a:latin typeface="Open Sans" panose="020B0606030504020204" pitchFamily="34" charset="0"/>
-                <a:ea typeface="Open Sans" panose="020B0606030504020204" pitchFamily="34" charset="0"/>
-                <a:cs typeface="Open Sans" panose="020B0606030504020204" pitchFamily="34" charset="0"/>
-              </a:rPr>
-              <a:t>Use the </a:t>
-            </a:r>
-            <a:r>
-              <a:rPr lang="en-US" i="1" dirty="0" err="1">
-                <a:latin typeface="Open Sans" panose="020B0606030504020204" pitchFamily="34" charset="0"/>
-                <a:ea typeface="Open Sans" panose="020B0606030504020204" pitchFamily="34" charset="0"/>
-                <a:cs typeface="Open Sans" panose="020B0606030504020204" pitchFamily="34" charset="0"/>
-              </a:rPr>
-              <a:t>selectedCookie</a:t>
-            </a:r>
-            <a:r>
-              <a:rPr lang="en-US" dirty="0">
-                <a:latin typeface="Open Sans" panose="020B0606030504020204" pitchFamily="34" charset="0"/>
-                <a:ea typeface="Open Sans" panose="020B0606030504020204" pitchFamily="34" charset="0"/>
-                <a:cs typeface="Open Sans" panose="020B0606030504020204" pitchFamily="34" charset="0"/>
-              </a:rPr>
-              <a:t> variable to: </a:t>
-            </a:r>
-          </a:p>
-          <a:p>
-            <a:pPr lvl="2"/>
-            <a:r>
-              <a:rPr lang="en-US" dirty="0">
-                <a:latin typeface="Open Sans" panose="020B0606030504020204" pitchFamily="34" charset="0"/>
-                <a:ea typeface="Open Sans" panose="020B0606030504020204" pitchFamily="34" charset="0"/>
-                <a:cs typeface="Open Sans" panose="020B0606030504020204" pitchFamily="34" charset="0"/>
-              </a:rPr>
-              <a:t>assign the </a:t>
-            </a:r>
-            <a:r>
-              <a:rPr lang="en-US" dirty="0" err="1">
-                <a:latin typeface="Open Sans" panose="020B0606030504020204" pitchFamily="34" charset="0"/>
-                <a:ea typeface="Open Sans" panose="020B0606030504020204" pitchFamily="34" charset="0"/>
-                <a:cs typeface="Open Sans" panose="020B0606030504020204" pitchFamily="34" charset="0"/>
-              </a:rPr>
-              <a:t>src</a:t>
-            </a:r>
-            <a:r>
-              <a:rPr lang="en-US" dirty="0">
-                <a:latin typeface="Open Sans" panose="020B0606030504020204" pitchFamily="34" charset="0"/>
-                <a:ea typeface="Open Sans" panose="020B0606030504020204" pitchFamily="34" charset="0"/>
-                <a:cs typeface="Open Sans" panose="020B0606030504020204" pitchFamily="34" charset="0"/>
-              </a:rPr>
-              <a:t> of </a:t>
-            </a:r>
-            <a:r>
-              <a:rPr lang="en-US" dirty="0" err="1">
-                <a:latin typeface="Open Sans" panose="020B0606030504020204" pitchFamily="34" charset="0"/>
-                <a:ea typeface="Open Sans" panose="020B0606030504020204" pitchFamily="34" charset="0"/>
-                <a:cs typeface="Open Sans" panose="020B0606030504020204" pitchFamily="34" charset="0"/>
-              </a:rPr>
-              <a:t>img</a:t>
-            </a:r>
-            <a:r>
-              <a:rPr lang="en-US" dirty="0">
-                <a:latin typeface="Open Sans" panose="020B0606030504020204" pitchFamily="34" charset="0"/>
-                <a:ea typeface="Open Sans" panose="020B0606030504020204" pitchFamily="34" charset="0"/>
-                <a:cs typeface="Open Sans" panose="020B0606030504020204" pitchFamily="34" charset="0"/>
-              </a:rPr>
-              <a:t> element</a:t>
-            </a:r>
-          </a:p>
-          <a:p>
-            <a:pPr lvl="2"/>
-            <a:r>
-              <a:rPr lang="en-US" dirty="0">
-                <a:latin typeface="Open Sans" panose="020B0606030504020204" pitchFamily="34" charset="0"/>
-                <a:ea typeface="Open Sans" panose="020B0606030504020204" pitchFamily="34" charset="0"/>
-                <a:cs typeface="Open Sans" panose="020B0606030504020204" pitchFamily="34" charset="0"/>
-              </a:rPr>
-              <a:t>Add a unique class to the </a:t>
-            </a:r>
-            <a:r>
-              <a:rPr lang="en-US" dirty="0" err="1">
-                <a:latin typeface="Open Sans" panose="020B0606030504020204" pitchFamily="34" charset="0"/>
-                <a:ea typeface="Open Sans" panose="020B0606030504020204" pitchFamily="34" charset="0"/>
-                <a:cs typeface="Open Sans" panose="020B0606030504020204" pitchFamily="34" charset="0"/>
-              </a:rPr>
-              <a:t>img</a:t>
-            </a:r>
-            <a:r>
-              <a:rPr lang="en-US" dirty="0">
-                <a:latin typeface="Open Sans" panose="020B0606030504020204" pitchFamily="34" charset="0"/>
-                <a:ea typeface="Open Sans" panose="020B0606030504020204" pitchFamily="34" charset="0"/>
-                <a:cs typeface="Open Sans" panose="020B0606030504020204" pitchFamily="34" charset="0"/>
-              </a:rPr>
-              <a:t> element</a:t>
-            </a:r>
-          </a:p>
-          <a:p>
-            <a:pPr marL="514350" indent="-514350">
-              <a:buFont typeface="+mj-lt"/>
-              <a:buAutoNum type="arabicPeriod"/>
-            </a:pPr>
-            <a:r>
-              <a:rPr lang="en-US" dirty="0">
-                <a:latin typeface="Open Sans" panose="020B0606030504020204" pitchFamily="34" charset="0"/>
-                <a:ea typeface="Open Sans" panose="020B0606030504020204" pitchFamily="34" charset="0"/>
-                <a:cs typeface="Open Sans" panose="020B0606030504020204" pitchFamily="34" charset="0"/>
-              </a:rPr>
-              <a:t>Append cookie &lt;</a:t>
-            </a:r>
-            <a:r>
-              <a:rPr lang="en-US" dirty="0" err="1">
-                <a:latin typeface="Open Sans" panose="020B0606030504020204" pitchFamily="34" charset="0"/>
-                <a:ea typeface="Open Sans" panose="020B0606030504020204" pitchFamily="34" charset="0"/>
-                <a:cs typeface="Open Sans" panose="020B0606030504020204" pitchFamily="34" charset="0"/>
-              </a:rPr>
-              <a:t>img</a:t>
-            </a:r>
-            <a:r>
-              <a:rPr lang="en-US" dirty="0">
-                <a:latin typeface="Open Sans" panose="020B0606030504020204" pitchFamily="34" charset="0"/>
-                <a:ea typeface="Open Sans" panose="020B0606030504020204" pitchFamily="34" charset="0"/>
-                <a:cs typeface="Open Sans" panose="020B0606030504020204" pitchFamily="34" charset="0"/>
-              </a:rPr>
-              <a:t>&gt; element to the </a:t>
-            </a:r>
-            <a:br>
-              <a:rPr lang="en-US" dirty="0">
-                <a:latin typeface="Open Sans" panose="020B0606030504020204" pitchFamily="34" charset="0"/>
-                <a:ea typeface="Open Sans" panose="020B0606030504020204" pitchFamily="34" charset="0"/>
-                <a:cs typeface="Open Sans" panose="020B0606030504020204" pitchFamily="34" charset="0"/>
-              </a:rPr>
-            </a:br>
-            <a:r>
-              <a:rPr lang="en-US" i="1" dirty="0">
-                <a:latin typeface="Open Sans" panose="020B0606030504020204" pitchFamily="34" charset="0"/>
-                <a:ea typeface="Open Sans" panose="020B0606030504020204" pitchFamily="34" charset="0"/>
-                <a:cs typeface="Open Sans" panose="020B0606030504020204" pitchFamily="34" charset="0"/>
-              </a:rPr>
-              <a:t>#cookie-container</a:t>
+                <a:hlinkClick r:id="rId2"/>
+              </a:rPr>
+              <a:t>https://www.w3schools.com/tags/tag_script.asp</a:t>
             </a:r>
             <a:endParaRPr lang="en-US" dirty="0">
               <a:latin typeface="Open Sans" panose="020B0606030504020204" pitchFamily="34" charset="0"/>
@@ -7203,162 +9659,12 @@
               <a:cs typeface="Open Sans" panose="020B0606030504020204" pitchFamily="34" charset="0"/>
             </a:endParaRPr>
           </a:p>
-          <a:p>
-            <a:pPr marL="514350" indent="-514350">
-              <a:buFont typeface="+mj-lt"/>
-              <a:buAutoNum type="arabicPeriod"/>
-            </a:pPr>
-            <a:endParaRPr lang="en-US" dirty="0">
-              <a:latin typeface="Open Sans" panose="020B0606030504020204" pitchFamily="34" charset="0"/>
-              <a:ea typeface="Open Sans" panose="020B0606030504020204" pitchFamily="34" charset="0"/>
-              <a:cs typeface="Open Sans" panose="020B0606030504020204" pitchFamily="34" charset="0"/>
-            </a:endParaRPr>
-          </a:p>
-          <a:p>
-            <a:pPr marL="0" indent="0">
-              <a:buNone/>
-            </a:pPr>
-            <a:r>
-              <a:rPr lang="en-US" dirty="0">
-                <a:latin typeface="Open Sans" panose="020B0606030504020204" pitchFamily="34" charset="0"/>
-                <a:ea typeface="Open Sans" panose="020B0606030504020204" pitchFamily="34" charset="0"/>
-                <a:cs typeface="Open Sans" panose="020B0606030504020204" pitchFamily="34" charset="0"/>
-              </a:rPr>
-              <a:t>Helpful links:</a:t>
-            </a:r>
-          </a:p>
-          <a:p>
-            <a:pPr marL="0" indent="0">
-              <a:buNone/>
-            </a:pPr>
-            <a:r>
-              <a:rPr lang="en-US" sz="1800" dirty="0">
-                <a:hlinkClick r:id="rId2"/>
-              </a:rPr>
-              <a:t>https://developer.mozilla.org/en-US/docs/Web/API/Element/classList</a:t>
-            </a:r>
-            <a:endParaRPr lang="en-US" sz="1800" dirty="0"/>
-          </a:p>
-          <a:p>
-            <a:pPr marL="0" indent="0">
-              <a:buNone/>
-            </a:pPr>
-            <a:r>
-              <a:rPr lang="en-US" sz="1800" dirty="0">
-                <a:hlinkClick r:id="rId3"/>
-              </a:rPr>
-              <a:t>https://developer.mozilla.org/en-US/docs/Web/API/ParentNode/append</a:t>
-            </a:r>
-            <a:endParaRPr lang="en-US" sz="1800" dirty="0"/>
-          </a:p>
-          <a:p>
-            <a:pPr marL="0" indent="0">
-              <a:buNone/>
-            </a:pPr>
-            <a:r>
-              <a:rPr lang="en-US" sz="1800" dirty="0">
-                <a:hlinkClick r:id="rId4"/>
-              </a:rPr>
-              <a:t>https://www.w3schools.com/jsref/dom_obj_image.asp</a:t>
-            </a:r>
-            <a:endParaRPr lang="en-US" sz="1800" dirty="0"/>
-          </a:p>
-        </p:txBody>
-      </p:sp>
-      <p:pic>
-        <p:nvPicPr>
-          <p:cNvPr id="5" name="Picture 4" descr="A picture containing looking, sitting, bird, white&#10;&#10;Description automatically generated">
-            <a:extLst>
-              <a:ext uri="{FF2B5EF4-FFF2-40B4-BE49-F238E27FC236}">
-                <a16:creationId xmlns:a16="http://schemas.microsoft.com/office/drawing/2014/main" id="{3B9B41DD-4D4D-0B4C-B11D-87050BB10C29}"/>
-              </a:ext>
-            </a:extLst>
-          </p:cNvPr>
-          <p:cNvPicPr>
-            <a:picLocks noChangeAspect="1"/>
-          </p:cNvPicPr>
-          <p:nvPr/>
-        </p:nvPicPr>
-        <p:blipFill>
-          <a:blip r:embed="rId5"/>
-          <a:stretch>
-            <a:fillRect/>
-          </a:stretch>
-        </p:blipFill>
-        <p:spPr>
-          <a:xfrm>
-            <a:off x="8988926" y="3742291"/>
-            <a:ext cx="1130300" cy="1193800"/>
-          </a:xfrm>
-          <a:prstGeom prst="rect">
-            <a:avLst/>
-          </a:prstGeom>
-        </p:spPr>
-      </p:pic>
-      <p:pic>
-        <p:nvPicPr>
-          <p:cNvPr id="7" name="Picture 6" descr="A close up of a logo&#10;&#10;Description automatically generated">
-            <a:extLst>
-              <a:ext uri="{FF2B5EF4-FFF2-40B4-BE49-F238E27FC236}">
-                <a16:creationId xmlns:a16="http://schemas.microsoft.com/office/drawing/2014/main" id="{32AAACC0-8688-CB41-9FB8-2F837B5B9B8D}"/>
-              </a:ext>
-            </a:extLst>
-          </p:cNvPr>
-          <p:cNvPicPr>
-            <a:picLocks noChangeAspect="1"/>
-          </p:cNvPicPr>
-          <p:nvPr/>
-        </p:nvPicPr>
-        <p:blipFill>
-          <a:blip r:embed="rId6"/>
-          <a:stretch>
-            <a:fillRect/>
-          </a:stretch>
-        </p:blipFill>
-        <p:spPr>
-          <a:xfrm>
-            <a:off x="7513772" y="4393166"/>
-            <a:ext cx="1054100" cy="1085850"/>
-          </a:xfrm>
-          <a:prstGeom prst="rect">
-            <a:avLst/>
-          </a:prstGeom>
-        </p:spPr>
-      </p:pic>
-      <p:pic>
-        <p:nvPicPr>
-          <p:cNvPr id="8" name="Picture 7" descr="A picture containing food, clock&#10;&#10;Description automatically generated">
-            <a:extLst>
-              <a:ext uri="{FF2B5EF4-FFF2-40B4-BE49-F238E27FC236}">
-                <a16:creationId xmlns:a16="http://schemas.microsoft.com/office/drawing/2014/main" id="{A93E903B-F9A3-584F-AA46-BE3F5F0A95E6}"/>
-              </a:ext>
-            </a:extLst>
-          </p:cNvPr>
-          <p:cNvPicPr>
-            <a:picLocks noChangeAspect="1"/>
-          </p:cNvPicPr>
-          <p:nvPr/>
-        </p:nvPicPr>
-        <p:blipFill>
-          <a:blip r:embed="rId7"/>
-          <a:stretch>
-            <a:fillRect/>
-          </a:stretch>
-        </p:blipFill>
-        <p:spPr>
-          <a:xfrm>
-            <a:off x="8845923" y="5195034"/>
-            <a:ext cx="1073150" cy="1041400"/>
-          </a:xfrm>
-          <a:prstGeom prst="rect">
-            <a:avLst/>
-          </a:prstGeom>
-        </p:spPr>
-      </p:pic>
+        </p:txBody>
+      </p:sp>
     </p:spTree>
     <p:extLst>
       <p:ext uri="{BB962C8B-B14F-4D97-AF65-F5344CB8AC3E}">
-        <p14:creationId xmlns:p14="http://schemas.microsoft.com/office/powerpoint/2010/main" val="2110882223"/>
+        <p14:creationId xmlns:p14="http://schemas.microsoft.com/office/powerpoint/2010/main" val="1308595080"/>
       </p:ext>
     </p:extLst>
   </p:cSld>

--- a/events-coding-session.pptx
+++ b/events-coding-session.pptx
@@ -16,8 +16,8 @@
     <p:sldId id="259" r:id="rId10"/>
     <p:sldId id="260" r:id="rId11"/>
     <p:sldId id="263" r:id="rId12"/>
-    <p:sldId id="262" r:id="rId13"/>
-    <p:sldId id="266" r:id="rId14"/>
+    <p:sldId id="266" r:id="rId13"/>
+    <p:sldId id="262" r:id="rId14"/>
     <p:sldId id="264" r:id="rId15"/>
     <p:sldId id="265" r:id="rId16"/>
     <p:sldId id="267" r:id="rId17"/>
@@ -276,7 +276,7 @@
           <a:p>
             <a:fld id="{C1BA92A5-DE8A-6741-AA42-ED5C19DA102F}" type="datetimeFigureOut">
               <a:rPr lang="en-US" smtClean="0"/>
-              <a:t>6/20/20</a:t>
+              <a:t>6/21/20</a:t>
             </a:fld>
             <a:endParaRPr lang="en-US"/>
           </a:p>
@@ -474,7 +474,7 @@
           <a:p>
             <a:fld id="{C1BA92A5-DE8A-6741-AA42-ED5C19DA102F}" type="datetimeFigureOut">
               <a:rPr lang="en-US" smtClean="0"/>
-              <a:t>6/20/20</a:t>
+              <a:t>6/21/20</a:t>
             </a:fld>
             <a:endParaRPr lang="en-US"/>
           </a:p>
@@ -682,7 +682,7 @@
           <a:p>
             <a:fld id="{C1BA92A5-DE8A-6741-AA42-ED5C19DA102F}" type="datetimeFigureOut">
               <a:rPr lang="en-US" smtClean="0"/>
-              <a:t>6/20/20</a:t>
+              <a:t>6/21/20</a:t>
             </a:fld>
             <a:endParaRPr lang="en-US"/>
           </a:p>
@@ -880,7 +880,7 @@
           <a:p>
             <a:fld id="{C1BA92A5-DE8A-6741-AA42-ED5C19DA102F}" type="datetimeFigureOut">
               <a:rPr lang="en-US" smtClean="0"/>
-              <a:t>6/20/20</a:t>
+              <a:t>6/21/20</a:t>
             </a:fld>
             <a:endParaRPr lang="en-US"/>
           </a:p>
@@ -1155,7 +1155,7 @@
           <a:p>
             <a:fld id="{C1BA92A5-DE8A-6741-AA42-ED5C19DA102F}" type="datetimeFigureOut">
               <a:rPr lang="en-US" smtClean="0"/>
-              <a:t>6/20/20</a:t>
+              <a:t>6/21/20</a:t>
             </a:fld>
             <a:endParaRPr lang="en-US"/>
           </a:p>
@@ -1420,7 +1420,7 @@
           <a:p>
             <a:fld id="{C1BA92A5-DE8A-6741-AA42-ED5C19DA102F}" type="datetimeFigureOut">
               <a:rPr lang="en-US" smtClean="0"/>
-              <a:t>6/20/20</a:t>
+              <a:t>6/21/20</a:t>
             </a:fld>
             <a:endParaRPr lang="en-US"/>
           </a:p>
@@ -1832,7 +1832,7 @@
           <a:p>
             <a:fld id="{C1BA92A5-DE8A-6741-AA42-ED5C19DA102F}" type="datetimeFigureOut">
               <a:rPr lang="en-US" smtClean="0"/>
-              <a:t>6/20/20</a:t>
+              <a:t>6/21/20</a:t>
             </a:fld>
             <a:endParaRPr lang="en-US"/>
           </a:p>
@@ -1973,7 +1973,7 @@
           <a:p>
             <a:fld id="{C1BA92A5-DE8A-6741-AA42-ED5C19DA102F}" type="datetimeFigureOut">
               <a:rPr lang="en-US" smtClean="0"/>
-              <a:t>6/20/20</a:t>
+              <a:t>6/21/20</a:t>
             </a:fld>
             <a:endParaRPr lang="en-US"/>
           </a:p>
@@ -2086,7 +2086,7 @@
           <a:p>
             <a:fld id="{C1BA92A5-DE8A-6741-AA42-ED5C19DA102F}" type="datetimeFigureOut">
               <a:rPr lang="en-US" smtClean="0"/>
-              <a:t>6/20/20</a:t>
+              <a:t>6/21/20</a:t>
             </a:fld>
             <a:endParaRPr lang="en-US"/>
           </a:p>
@@ -2397,7 +2397,7 @@
           <a:p>
             <a:fld id="{C1BA92A5-DE8A-6741-AA42-ED5C19DA102F}" type="datetimeFigureOut">
               <a:rPr lang="en-US" smtClean="0"/>
-              <a:t>6/20/20</a:t>
+              <a:t>6/21/20</a:t>
             </a:fld>
             <a:endParaRPr lang="en-US"/>
           </a:p>
@@ -2685,7 +2685,7 @@
           <a:p>
             <a:fld id="{C1BA92A5-DE8A-6741-AA42-ED5C19DA102F}" type="datetimeFigureOut">
               <a:rPr lang="en-US" smtClean="0"/>
-              <a:t>6/20/20</a:t>
+              <a:t>6/21/20</a:t>
             </a:fld>
             <a:endParaRPr lang="en-US"/>
           </a:p>
@@ -2926,7 +2926,7 @@
           <a:p>
             <a:fld id="{C1BA92A5-DE8A-6741-AA42-ED5C19DA102F}" type="datetimeFigureOut">
               <a:rPr lang="en-US" smtClean="0"/>
-              <a:t>6/20/20</a:t>
+              <a:t>6/21/20</a:t>
             </a:fld>
             <a:endParaRPr lang="en-US"/>
           </a:p>
@@ -4360,6 +4360,53 @@
       </p:grpSpPr>
       <p:sp>
         <p:nvSpPr>
+          <p:cNvPr id="9" name="Oval 8">
+            <a:extLst>
+              <a:ext uri="{FF2B5EF4-FFF2-40B4-BE49-F238E27FC236}">
+                <a16:creationId xmlns:a16="http://schemas.microsoft.com/office/drawing/2014/main" id="{D10C1CBC-6FA7-564A-A72C-24835C409F2A}"/>
+              </a:ext>
+            </a:extLst>
+          </p:cNvPr>
+          <p:cNvSpPr/>
+          <p:nvPr/>
+        </p:nvSpPr>
+        <p:spPr>
+          <a:xfrm>
+            <a:off x="8775212" y="3745523"/>
+            <a:ext cx="2813050" cy="2678121"/>
+          </a:xfrm>
+          <a:prstGeom prst="ellipse">
+            <a:avLst/>
+          </a:prstGeom>
+          <a:ln>
+            <a:noFill/>
+          </a:ln>
+        </p:spPr>
+        <p:style>
+          <a:lnRef idx="2">
+            <a:schemeClr val="accent6"/>
+          </a:lnRef>
+          <a:fillRef idx="1">
+            <a:schemeClr val="lt1"/>
+          </a:fillRef>
+          <a:effectRef idx="0">
+            <a:schemeClr val="accent6"/>
+          </a:effectRef>
+          <a:fontRef idx="minor">
+            <a:schemeClr val="dk1"/>
+          </a:fontRef>
+        </p:style>
+        <p:txBody>
+          <a:bodyPr rtlCol="0" anchor="ctr"/>
+          <a:lstStyle/>
+          <a:p>
+            <a:pPr algn="ctr"/>
+            <a:endParaRPr lang="en-US"/>
+          </a:p>
+        </p:txBody>
+      </p:sp>
+      <p:sp>
+        <p:nvSpPr>
           <p:cNvPr id="2" name="Title 1">
             <a:extLst>
               <a:ext uri="{FF2B5EF4-FFF2-40B4-BE49-F238E27FC236}">
@@ -4419,7 +4466,7 @@
         </p:spPr>
         <p:txBody>
           <a:bodyPr>
-            <a:normAutofit fontScale="70000" lnSpcReduction="20000"/>
+            <a:normAutofit/>
           </a:bodyPr>
           <a:lstStyle/>
           <a:p>
@@ -4432,7 +4479,23 @@
                 <a:ea typeface="Open Sans" panose="020B0606030504020204" pitchFamily="34" charset="0"/>
                 <a:cs typeface="Open Sans" panose="020B0606030504020204" pitchFamily="34" charset="0"/>
               </a:rPr>
-              <a:t>Create a function called </a:t>
+              <a:t>Add an on ‘click’ event listener to the cookie jar &lt;</a:t>
+            </a:r>
+            <a:r>
+              <a:rPr lang="en-US" dirty="0" err="1">
+                <a:latin typeface="Open Sans" panose="020B0606030504020204" pitchFamily="34" charset="0"/>
+                <a:ea typeface="Open Sans" panose="020B0606030504020204" pitchFamily="34" charset="0"/>
+                <a:cs typeface="Open Sans" panose="020B0606030504020204" pitchFamily="34" charset="0"/>
+              </a:rPr>
+              <a:t>img</a:t>
+            </a:r>
+            <a:r>
+              <a:rPr lang="en-US" dirty="0">
+                <a:latin typeface="Open Sans" panose="020B0606030504020204" pitchFamily="34" charset="0"/>
+                <a:ea typeface="Open Sans" panose="020B0606030504020204" pitchFamily="34" charset="0"/>
+                <a:cs typeface="Open Sans" panose="020B0606030504020204" pitchFamily="34" charset="0"/>
+              </a:rPr>
+              <a:t>&gt; element that calls on the </a:t>
             </a:r>
             <a:r>
               <a:rPr lang="en-US" b="1" dirty="0" err="1">
@@ -4456,7 +4519,7 @@
                 <a:ea typeface="Open Sans" panose="020B0606030504020204" pitchFamily="34" charset="0"/>
                 <a:cs typeface="Open Sans" panose="020B0606030504020204" pitchFamily="34" charset="0"/>
               </a:rPr>
-              <a:t>that does the following:</a:t>
+              <a:t>function you will make in the next step</a:t>
             </a:r>
           </a:p>
           <a:p>
@@ -4470,222 +4533,6 @@
             </a:endParaRPr>
           </a:p>
           <a:p>
-            <a:pPr marL="514350" indent="-514350">
-              <a:buFont typeface="+mj-lt"/>
-              <a:buAutoNum type="arabicPeriod"/>
-            </a:pPr>
-            <a:r>
-              <a:rPr lang="en-US" dirty="0">
-                <a:latin typeface="Open Sans" panose="020B0606030504020204" pitchFamily="34" charset="0"/>
-                <a:ea typeface="Open Sans" panose="020B0606030504020204" pitchFamily="34" charset="0"/>
-                <a:cs typeface="Open Sans" panose="020B0606030504020204" pitchFamily="34" charset="0"/>
-              </a:rPr>
-              <a:t>Create an &lt;</a:t>
-            </a:r>
-            <a:r>
-              <a:rPr lang="en-US" dirty="0" err="1">
-                <a:latin typeface="Open Sans" panose="020B0606030504020204" pitchFamily="34" charset="0"/>
-                <a:ea typeface="Open Sans" panose="020B0606030504020204" pitchFamily="34" charset="0"/>
-                <a:cs typeface="Open Sans" panose="020B0606030504020204" pitchFamily="34" charset="0"/>
-              </a:rPr>
-              <a:t>img</a:t>
-            </a:r>
-            <a:r>
-              <a:rPr lang="en-US" dirty="0">
-                <a:latin typeface="Open Sans" panose="020B0606030504020204" pitchFamily="34" charset="0"/>
-                <a:ea typeface="Open Sans" panose="020B0606030504020204" pitchFamily="34" charset="0"/>
-                <a:cs typeface="Open Sans" panose="020B0606030504020204" pitchFamily="34" charset="0"/>
-              </a:rPr>
-              <a:t>&gt; element</a:t>
-            </a:r>
-          </a:p>
-          <a:p>
-            <a:pPr marL="514350" indent="-514350">
-              <a:buFont typeface="+mj-lt"/>
-              <a:buAutoNum type="arabicPeriod"/>
-            </a:pPr>
-            <a:r>
-              <a:rPr lang="en-US" dirty="0">
-                <a:latin typeface="Open Sans" panose="020B0606030504020204" pitchFamily="34" charset="0"/>
-                <a:ea typeface="Open Sans" panose="020B0606030504020204" pitchFamily="34" charset="0"/>
-                <a:cs typeface="Open Sans" panose="020B0606030504020204" pitchFamily="34" charset="0"/>
-              </a:rPr>
-              <a:t>Adds the ‘cookie’ class to the element</a:t>
-            </a:r>
-          </a:p>
-          <a:p>
-            <a:pPr marL="514350" indent="-514350">
-              <a:buFont typeface="+mj-lt"/>
-              <a:buAutoNum type="arabicPeriod"/>
-            </a:pPr>
-            <a:r>
-              <a:rPr lang="en-US" dirty="0">
-                <a:latin typeface="Open Sans" panose="020B0606030504020204" pitchFamily="34" charset="0"/>
-                <a:ea typeface="Open Sans" panose="020B0606030504020204" pitchFamily="34" charset="0"/>
-                <a:cs typeface="Open Sans" panose="020B0606030504020204" pitchFamily="34" charset="0"/>
-              </a:rPr>
-              <a:t>Adjust the element based on the type of cookie selected in the dropdown menu</a:t>
-            </a:r>
-          </a:p>
-          <a:p>
-            <a:pPr lvl="1"/>
-            <a:r>
-              <a:rPr lang="en-US" dirty="0">
-                <a:latin typeface="Open Sans" panose="020B0606030504020204" pitchFamily="34" charset="0"/>
-                <a:ea typeface="Open Sans" panose="020B0606030504020204" pitchFamily="34" charset="0"/>
-                <a:cs typeface="Open Sans" panose="020B0606030504020204" pitchFamily="34" charset="0"/>
-              </a:rPr>
-              <a:t>Use the </a:t>
-            </a:r>
-            <a:r>
-              <a:rPr lang="en-US" i="1" dirty="0" err="1">
-                <a:latin typeface="Open Sans" panose="020B0606030504020204" pitchFamily="34" charset="0"/>
-                <a:ea typeface="Open Sans" panose="020B0606030504020204" pitchFamily="34" charset="0"/>
-                <a:cs typeface="Open Sans" panose="020B0606030504020204" pitchFamily="34" charset="0"/>
-              </a:rPr>
-              <a:t>selectedCookie</a:t>
-            </a:r>
-            <a:r>
-              <a:rPr lang="en-US" dirty="0">
-                <a:latin typeface="Open Sans" panose="020B0606030504020204" pitchFamily="34" charset="0"/>
-                <a:ea typeface="Open Sans" panose="020B0606030504020204" pitchFamily="34" charset="0"/>
-                <a:cs typeface="Open Sans" panose="020B0606030504020204" pitchFamily="34" charset="0"/>
-              </a:rPr>
-              <a:t> variable to: </a:t>
-            </a:r>
-          </a:p>
-          <a:p>
-            <a:pPr lvl="2"/>
-            <a:r>
-              <a:rPr lang="en-US" dirty="0">
-                <a:latin typeface="Open Sans" panose="020B0606030504020204" pitchFamily="34" charset="0"/>
-                <a:ea typeface="Open Sans" panose="020B0606030504020204" pitchFamily="34" charset="0"/>
-                <a:cs typeface="Open Sans" panose="020B0606030504020204" pitchFamily="34" charset="0"/>
-              </a:rPr>
-              <a:t>assign the </a:t>
-            </a:r>
-            <a:r>
-              <a:rPr lang="en-US" dirty="0" err="1">
-                <a:latin typeface="Open Sans" panose="020B0606030504020204" pitchFamily="34" charset="0"/>
-                <a:ea typeface="Open Sans" panose="020B0606030504020204" pitchFamily="34" charset="0"/>
-                <a:cs typeface="Open Sans" panose="020B0606030504020204" pitchFamily="34" charset="0"/>
-              </a:rPr>
-              <a:t>src</a:t>
-            </a:r>
-            <a:r>
-              <a:rPr lang="en-US" dirty="0">
-                <a:latin typeface="Open Sans" panose="020B0606030504020204" pitchFamily="34" charset="0"/>
-                <a:ea typeface="Open Sans" panose="020B0606030504020204" pitchFamily="34" charset="0"/>
-                <a:cs typeface="Open Sans" panose="020B0606030504020204" pitchFamily="34" charset="0"/>
-              </a:rPr>
-              <a:t> of </a:t>
-            </a:r>
-            <a:r>
-              <a:rPr lang="en-US" dirty="0" err="1">
-                <a:latin typeface="Open Sans" panose="020B0606030504020204" pitchFamily="34" charset="0"/>
-                <a:ea typeface="Open Sans" panose="020B0606030504020204" pitchFamily="34" charset="0"/>
-                <a:cs typeface="Open Sans" panose="020B0606030504020204" pitchFamily="34" charset="0"/>
-              </a:rPr>
-              <a:t>img</a:t>
-            </a:r>
-            <a:r>
-              <a:rPr lang="en-US" dirty="0">
-                <a:latin typeface="Open Sans" panose="020B0606030504020204" pitchFamily="34" charset="0"/>
-                <a:ea typeface="Open Sans" panose="020B0606030504020204" pitchFamily="34" charset="0"/>
-                <a:cs typeface="Open Sans" panose="020B0606030504020204" pitchFamily="34" charset="0"/>
-              </a:rPr>
-              <a:t> element</a:t>
-            </a:r>
-          </a:p>
-          <a:p>
-            <a:pPr lvl="2"/>
-            <a:r>
-              <a:rPr lang="en-US" dirty="0">
-                <a:latin typeface="Open Sans" panose="020B0606030504020204" pitchFamily="34" charset="0"/>
-                <a:ea typeface="Open Sans" panose="020B0606030504020204" pitchFamily="34" charset="0"/>
-                <a:cs typeface="Open Sans" panose="020B0606030504020204" pitchFamily="34" charset="0"/>
-              </a:rPr>
-              <a:t>Add a unique class to the </a:t>
-            </a:r>
-            <a:r>
-              <a:rPr lang="en-US" dirty="0" err="1">
-                <a:latin typeface="Open Sans" panose="020B0606030504020204" pitchFamily="34" charset="0"/>
-                <a:ea typeface="Open Sans" panose="020B0606030504020204" pitchFamily="34" charset="0"/>
-                <a:cs typeface="Open Sans" panose="020B0606030504020204" pitchFamily="34" charset="0"/>
-              </a:rPr>
-              <a:t>img</a:t>
-            </a:r>
-            <a:r>
-              <a:rPr lang="en-US" dirty="0">
-                <a:latin typeface="Open Sans" panose="020B0606030504020204" pitchFamily="34" charset="0"/>
-                <a:ea typeface="Open Sans" panose="020B0606030504020204" pitchFamily="34" charset="0"/>
-                <a:cs typeface="Open Sans" panose="020B0606030504020204" pitchFamily="34" charset="0"/>
-              </a:rPr>
-              <a:t> element</a:t>
-            </a:r>
-          </a:p>
-          <a:p>
-            <a:pPr marL="514350" indent="-514350">
-              <a:buFont typeface="+mj-lt"/>
-              <a:buAutoNum type="arabicPeriod"/>
-            </a:pPr>
-            <a:r>
-              <a:rPr lang="en-US" dirty="0">
-                <a:latin typeface="Open Sans" panose="020B0606030504020204" pitchFamily="34" charset="0"/>
-                <a:ea typeface="Open Sans" panose="020B0606030504020204" pitchFamily="34" charset="0"/>
-                <a:cs typeface="Open Sans" panose="020B0606030504020204" pitchFamily="34" charset="0"/>
-              </a:rPr>
-              <a:t>Append cookie &lt;</a:t>
-            </a:r>
-            <a:r>
-              <a:rPr lang="en-US" dirty="0" err="1">
-                <a:latin typeface="Open Sans" panose="020B0606030504020204" pitchFamily="34" charset="0"/>
-                <a:ea typeface="Open Sans" panose="020B0606030504020204" pitchFamily="34" charset="0"/>
-                <a:cs typeface="Open Sans" panose="020B0606030504020204" pitchFamily="34" charset="0"/>
-              </a:rPr>
-              <a:t>img</a:t>
-            </a:r>
-            <a:r>
-              <a:rPr lang="en-US" dirty="0">
-                <a:latin typeface="Open Sans" panose="020B0606030504020204" pitchFamily="34" charset="0"/>
-                <a:ea typeface="Open Sans" panose="020B0606030504020204" pitchFamily="34" charset="0"/>
-                <a:cs typeface="Open Sans" panose="020B0606030504020204" pitchFamily="34" charset="0"/>
-              </a:rPr>
-              <a:t>&gt; element to the </a:t>
-            </a:r>
-            <a:br>
-              <a:rPr lang="en-US" dirty="0">
-                <a:latin typeface="Open Sans" panose="020B0606030504020204" pitchFamily="34" charset="0"/>
-                <a:ea typeface="Open Sans" panose="020B0606030504020204" pitchFamily="34" charset="0"/>
-                <a:cs typeface="Open Sans" panose="020B0606030504020204" pitchFamily="34" charset="0"/>
-              </a:rPr>
-            </a:br>
-            <a:r>
-              <a:rPr lang="en-US" i="1" dirty="0">
-                <a:latin typeface="Open Sans" panose="020B0606030504020204" pitchFamily="34" charset="0"/>
-                <a:ea typeface="Open Sans" panose="020B0606030504020204" pitchFamily="34" charset="0"/>
-                <a:cs typeface="Open Sans" panose="020B0606030504020204" pitchFamily="34" charset="0"/>
-              </a:rPr>
-              <a:t>#cookie-container</a:t>
-            </a:r>
-            <a:endParaRPr lang="en-US" dirty="0">
-              <a:latin typeface="Open Sans" panose="020B0606030504020204" pitchFamily="34" charset="0"/>
-              <a:ea typeface="Open Sans" panose="020B0606030504020204" pitchFamily="34" charset="0"/>
-              <a:cs typeface="Open Sans" panose="020B0606030504020204" pitchFamily="34" charset="0"/>
-            </a:endParaRPr>
-          </a:p>
-          <a:p>
-            <a:pPr marL="514350" indent="-514350">
-              <a:buFont typeface="+mj-lt"/>
-              <a:buAutoNum type="arabicPeriod"/>
-            </a:pPr>
-            <a:endParaRPr lang="en-US" dirty="0">
-              <a:latin typeface="Open Sans" panose="020B0606030504020204" pitchFamily="34" charset="0"/>
-              <a:ea typeface="Open Sans" panose="020B0606030504020204" pitchFamily="34" charset="0"/>
-              <a:cs typeface="Open Sans" panose="020B0606030504020204" pitchFamily="34" charset="0"/>
-            </a:endParaRPr>
-          </a:p>
-          <a:p>
             <a:pPr marL="0" indent="0">
               <a:buNone/>
             </a:pPr>
@@ -4706,31 +4553,7 @@
               <a:rPr lang="en-US" sz="1800" dirty="0">
                 <a:hlinkClick r:id="rId2"/>
               </a:rPr>
-              <a:t>https://developer.mozilla.org/en-US/docs/Web/API/Element/classList</a:t>
-            </a:r>
-            <a:endParaRPr lang="en-US" sz="1800" dirty="0"/>
-          </a:p>
-          <a:p>
-            <a:pPr marL="0" indent="0">
-              <a:buNone/>
-            </a:pPr>
-            <a:r>
-              <a:rPr lang="en-US" sz="1800" dirty="0">
-                <a:hlinkClick r:id="rId3"/>
-              </a:rPr>
-              <a:t>https://developer.mozilla.org/en-US/docs/Web/API/ParentNode/append</a:t>
-            </a:r>
-            <a:endParaRPr lang="en-US" sz="1800" dirty="0"/>
-          </a:p>
-          <a:p>
-            <a:pPr marL="0" indent="0">
-              <a:buNone/>
-            </a:pPr>
-            <a:r>
-              <a:rPr lang="en-US" sz="1800" dirty="0">
-                <a:hlinkClick r:id="rId4"/>
-              </a:rPr>
-              <a:t>https://www.w3schools.com/jsref/dom_obj_image.asp</a:t>
+              <a:t>https://www.w3schools.com/jsref/event_onclick.asp</a:t>
             </a:r>
             <a:endParaRPr lang="en-US" sz="1800" dirty="0"/>
           </a:p>
@@ -4738,10 +4561,10 @@
       </p:sp>
       <p:pic>
         <p:nvPicPr>
-          <p:cNvPr id="5" name="Picture 4" descr="A picture containing looking, sitting, bird, white&#10;&#10;Description automatically generated">
-            <a:extLst>
-              <a:ext uri="{FF2B5EF4-FFF2-40B4-BE49-F238E27FC236}">
-                <a16:creationId xmlns:a16="http://schemas.microsoft.com/office/drawing/2014/main" id="{3B9B41DD-4D4D-0B4C-B11D-87050BB10C29}"/>
+          <p:cNvPr id="8" name="Picture 7" descr="A close up of a sign&#10;&#10;Description automatically generated">
+            <a:extLst>
+              <a:ext uri="{FF2B5EF4-FFF2-40B4-BE49-F238E27FC236}">
+                <a16:creationId xmlns:a16="http://schemas.microsoft.com/office/drawing/2014/main" id="{36DF79AC-8F40-0D4A-A578-E6E08314B828}"/>
               </a:ext>
             </a:extLst>
           </p:cNvPr>
@@ -4751,75 +4574,15 @@
           <p:nvPr/>
         </p:nvPicPr>
         <p:blipFill>
-          <a:blip r:embed="rId5"/>
+          <a:blip r:embed="rId3"/>
           <a:stretch>
             <a:fillRect/>
           </a:stretch>
         </p:blipFill>
         <p:spPr>
           <a:xfrm>
-            <a:off x="8988926" y="3742291"/>
-            <a:ext cx="1130300" cy="1193800"/>
-          </a:xfrm>
-          <a:prstGeom prst="rect">
-            <a:avLst/>
-          </a:prstGeom>
-        </p:spPr>
-      </p:pic>
-      <p:pic>
-        <p:nvPicPr>
-          <p:cNvPr id="7" name="Picture 6" descr="A close up of a logo&#10;&#10;Description automatically generated">
-            <a:extLst>
-              <a:ext uri="{FF2B5EF4-FFF2-40B4-BE49-F238E27FC236}">
-                <a16:creationId xmlns:a16="http://schemas.microsoft.com/office/drawing/2014/main" id="{32AAACC0-8688-CB41-9FB8-2F837B5B9B8D}"/>
-              </a:ext>
-            </a:extLst>
-          </p:cNvPr>
-          <p:cNvPicPr>
-            <a:picLocks noChangeAspect="1"/>
-          </p:cNvPicPr>
-          <p:nvPr/>
-        </p:nvPicPr>
-        <p:blipFill>
-          <a:blip r:embed="rId6"/>
-          <a:stretch>
-            <a:fillRect/>
-          </a:stretch>
-        </p:blipFill>
-        <p:spPr>
-          <a:xfrm>
-            <a:off x="7513772" y="4393166"/>
-            <a:ext cx="1054100" cy="1085850"/>
-          </a:xfrm>
-          <a:prstGeom prst="rect">
-            <a:avLst/>
-          </a:prstGeom>
-        </p:spPr>
-      </p:pic>
-      <p:pic>
-        <p:nvPicPr>
-          <p:cNvPr id="8" name="Picture 7" descr="A picture containing food, clock&#10;&#10;Description automatically generated">
-            <a:extLst>
-              <a:ext uri="{FF2B5EF4-FFF2-40B4-BE49-F238E27FC236}">
-                <a16:creationId xmlns:a16="http://schemas.microsoft.com/office/drawing/2014/main" id="{A93E903B-F9A3-584F-AA46-BE3F5F0A95E6}"/>
-              </a:ext>
-            </a:extLst>
-          </p:cNvPr>
-          <p:cNvPicPr>
-            <a:picLocks noChangeAspect="1"/>
-          </p:cNvPicPr>
-          <p:nvPr/>
-        </p:nvPicPr>
-        <p:blipFill>
-          <a:blip r:embed="rId7"/>
-          <a:stretch>
-            <a:fillRect/>
-          </a:stretch>
-        </p:blipFill>
-        <p:spPr>
-          <a:xfrm>
-            <a:off x="8845923" y="5195034"/>
-            <a:ext cx="1073150" cy="1041400"/>
+            <a:off x="8997950" y="3890582"/>
+            <a:ext cx="2355850" cy="2047409"/>
           </a:xfrm>
           <a:prstGeom prst="rect">
             <a:avLst/>
@@ -4829,7 +4592,7 @@
     </p:spTree>
     <p:extLst>
       <p:ext uri="{BB962C8B-B14F-4D97-AF65-F5344CB8AC3E}">
-        <p14:creationId xmlns:p14="http://schemas.microsoft.com/office/powerpoint/2010/main" val="2110882223"/>
+        <p14:creationId xmlns:p14="http://schemas.microsoft.com/office/powerpoint/2010/main" val="460880512"/>
       </p:ext>
     </p:extLst>
   </p:cSld>
@@ -4869,53 +4632,6 @@
       </p:grpSpPr>
       <p:sp>
         <p:nvSpPr>
-          <p:cNvPr id="9" name="Oval 8">
-            <a:extLst>
-              <a:ext uri="{FF2B5EF4-FFF2-40B4-BE49-F238E27FC236}">
-                <a16:creationId xmlns:a16="http://schemas.microsoft.com/office/drawing/2014/main" id="{D10C1CBC-6FA7-564A-A72C-24835C409F2A}"/>
-              </a:ext>
-            </a:extLst>
-          </p:cNvPr>
-          <p:cNvSpPr/>
-          <p:nvPr/>
-        </p:nvSpPr>
-        <p:spPr>
-          <a:xfrm>
-            <a:off x="8775212" y="3745523"/>
-            <a:ext cx="2813050" cy="2678121"/>
-          </a:xfrm>
-          <a:prstGeom prst="ellipse">
-            <a:avLst/>
-          </a:prstGeom>
-          <a:ln>
-            <a:noFill/>
-          </a:ln>
-        </p:spPr>
-        <p:style>
-          <a:lnRef idx="2">
-            <a:schemeClr val="accent6"/>
-          </a:lnRef>
-          <a:fillRef idx="1">
-            <a:schemeClr val="lt1"/>
-          </a:fillRef>
-          <a:effectRef idx="0">
-            <a:schemeClr val="accent6"/>
-          </a:effectRef>
-          <a:fontRef idx="minor">
-            <a:schemeClr val="dk1"/>
-          </a:fontRef>
-        </p:style>
-        <p:txBody>
-          <a:bodyPr rtlCol="0" anchor="ctr"/>
-          <a:lstStyle/>
-          <a:p>
-            <a:pPr algn="ctr"/>
-            <a:endParaRPr lang="en-US"/>
-          </a:p>
-        </p:txBody>
-      </p:sp>
-      <p:sp>
-        <p:nvSpPr>
           <p:cNvPr id="2" name="Title 1">
             <a:extLst>
               <a:ext uri="{FF2B5EF4-FFF2-40B4-BE49-F238E27FC236}">
@@ -4969,13 +4685,13 @@
         </p:nvSpPr>
         <p:spPr>
           <a:xfrm>
-            <a:off x="838200" y="1656731"/>
-            <a:ext cx="9933122" cy="4838646"/>
+            <a:off x="838199" y="1656731"/>
+            <a:ext cx="10382573" cy="4838646"/>
           </a:xfrm>
         </p:spPr>
         <p:txBody>
           <a:bodyPr>
-            <a:normAutofit/>
+            <a:normAutofit fontScale="70000" lnSpcReduction="20000"/>
           </a:bodyPr>
           <a:lstStyle/>
           <a:p>
@@ -4988,15 +4704,23 @@
                 <a:ea typeface="Open Sans" panose="020B0606030504020204" pitchFamily="34" charset="0"/>
                 <a:cs typeface="Open Sans" panose="020B0606030504020204" pitchFamily="34" charset="0"/>
               </a:rPr>
-              <a:t>Add an on ‘click’ event listener to the cookie jar &lt;</a:t>
-            </a:r>
-            <a:r>
-              <a:rPr lang="en-US" dirty="0" err="1">
-                <a:latin typeface="Open Sans" panose="020B0606030504020204" pitchFamily="34" charset="0"/>
-                <a:ea typeface="Open Sans" panose="020B0606030504020204" pitchFamily="34" charset="0"/>
-                <a:cs typeface="Open Sans" panose="020B0606030504020204" pitchFamily="34" charset="0"/>
-              </a:rPr>
-              <a:t>img</a:t>
+              <a:t>Create a function called </a:t>
+            </a:r>
+            <a:r>
+              <a:rPr lang="en-US" b="1" dirty="0" err="1">
+                <a:latin typeface="Open Sans" panose="020B0606030504020204" pitchFamily="34" charset="0"/>
+                <a:ea typeface="Open Sans" panose="020B0606030504020204" pitchFamily="34" charset="0"/>
+                <a:cs typeface="Open Sans" panose="020B0606030504020204" pitchFamily="34" charset="0"/>
+              </a:rPr>
+              <a:t>generateCookie</a:t>
+            </a:r>
+            <a:r>
+              <a:rPr lang="en-US" b="1" dirty="0">
+                <a:latin typeface="Open Sans" panose="020B0606030504020204" pitchFamily="34" charset="0"/>
+                <a:ea typeface="Open Sans" panose="020B0606030504020204" pitchFamily="34" charset="0"/>
+                <a:cs typeface="Open Sans" panose="020B0606030504020204" pitchFamily="34" charset="0"/>
+              </a:rPr>
+              <a:t> </a:t>
             </a:r>
             <a:r>
               <a:rPr lang="en-US" dirty="0">
@@ -5004,31 +4728,7 @@
                 <a:ea typeface="Open Sans" panose="020B0606030504020204" pitchFamily="34" charset="0"/>
                 <a:cs typeface="Open Sans" panose="020B0606030504020204" pitchFamily="34" charset="0"/>
               </a:rPr>
-              <a:t>&gt; element that calls on the </a:t>
-            </a:r>
-            <a:r>
-              <a:rPr lang="en-US" b="1" dirty="0" err="1">
-                <a:latin typeface="Open Sans" panose="020B0606030504020204" pitchFamily="34" charset="0"/>
-                <a:ea typeface="Open Sans" panose="020B0606030504020204" pitchFamily="34" charset="0"/>
-                <a:cs typeface="Open Sans" panose="020B0606030504020204" pitchFamily="34" charset="0"/>
-              </a:rPr>
-              <a:t>generateCookie</a:t>
-            </a:r>
-            <a:r>
-              <a:rPr lang="en-US" b="1" dirty="0">
-                <a:latin typeface="Open Sans" panose="020B0606030504020204" pitchFamily="34" charset="0"/>
-                <a:ea typeface="Open Sans" panose="020B0606030504020204" pitchFamily="34" charset="0"/>
-                <a:cs typeface="Open Sans" panose="020B0606030504020204" pitchFamily="34" charset="0"/>
-              </a:rPr>
-              <a:t> </a:t>
-            </a:r>
-            <a:r>
-              <a:rPr lang="en-US" dirty="0">
-                <a:latin typeface="Open Sans" panose="020B0606030504020204" pitchFamily="34" charset="0"/>
-                <a:ea typeface="Open Sans" panose="020B0606030504020204" pitchFamily="34" charset="0"/>
-                <a:cs typeface="Open Sans" panose="020B0606030504020204" pitchFamily="34" charset="0"/>
-              </a:rPr>
-              <a:t>function you made in the last step</a:t>
+              <a:t>that does the following:</a:t>
             </a:r>
           </a:p>
           <a:p>
@@ -5042,8 +4742,9 @@
             </a:endParaRPr>
           </a:p>
           <a:p>
-            <a:pPr marL="0" indent="0">
-              <a:buNone/>
+            <a:pPr marL="514350" indent="-514350">
+              <a:buFont typeface="+mj-lt"/>
+              <a:buAutoNum type="arabicPeriod"/>
             </a:pPr>
             <a:r>
               <a:rPr lang="en-US" dirty="0">
@@ -5051,6 +4752,206 @@
                 <a:ea typeface="Open Sans" panose="020B0606030504020204" pitchFamily="34" charset="0"/>
                 <a:cs typeface="Open Sans" panose="020B0606030504020204" pitchFamily="34" charset="0"/>
               </a:rPr>
+              <a:t>Create an &lt;</a:t>
+            </a:r>
+            <a:r>
+              <a:rPr lang="en-US" dirty="0" err="1">
+                <a:latin typeface="Open Sans" panose="020B0606030504020204" pitchFamily="34" charset="0"/>
+                <a:ea typeface="Open Sans" panose="020B0606030504020204" pitchFamily="34" charset="0"/>
+                <a:cs typeface="Open Sans" panose="020B0606030504020204" pitchFamily="34" charset="0"/>
+              </a:rPr>
+              <a:t>img</a:t>
+            </a:r>
+            <a:r>
+              <a:rPr lang="en-US" dirty="0">
+                <a:latin typeface="Open Sans" panose="020B0606030504020204" pitchFamily="34" charset="0"/>
+                <a:ea typeface="Open Sans" panose="020B0606030504020204" pitchFamily="34" charset="0"/>
+                <a:cs typeface="Open Sans" panose="020B0606030504020204" pitchFamily="34" charset="0"/>
+              </a:rPr>
+              <a:t>&gt; element</a:t>
+            </a:r>
+          </a:p>
+          <a:p>
+            <a:pPr marL="514350" indent="-514350">
+              <a:buFont typeface="+mj-lt"/>
+              <a:buAutoNum type="arabicPeriod"/>
+            </a:pPr>
+            <a:r>
+              <a:rPr lang="en-US" dirty="0">
+                <a:latin typeface="Open Sans" panose="020B0606030504020204" pitchFamily="34" charset="0"/>
+                <a:ea typeface="Open Sans" panose="020B0606030504020204" pitchFamily="34" charset="0"/>
+                <a:cs typeface="Open Sans" panose="020B0606030504020204" pitchFamily="34" charset="0"/>
+              </a:rPr>
+              <a:t>Adds the ‘cookie’ class to the element</a:t>
+            </a:r>
+          </a:p>
+          <a:p>
+            <a:pPr marL="514350" indent="-514350">
+              <a:buFont typeface="+mj-lt"/>
+              <a:buAutoNum type="arabicPeriod"/>
+            </a:pPr>
+            <a:r>
+              <a:rPr lang="en-US" dirty="0">
+                <a:latin typeface="Open Sans" panose="020B0606030504020204" pitchFamily="34" charset="0"/>
+                <a:ea typeface="Open Sans" panose="020B0606030504020204" pitchFamily="34" charset="0"/>
+                <a:cs typeface="Open Sans" panose="020B0606030504020204" pitchFamily="34" charset="0"/>
+              </a:rPr>
+              <a:t>Adjust the element based on the type of cookie selected in the dropdown menu</a:t>
+            </a:r>
+          </a:p>
+          <a:p>
+            <a:pPr lvl="1"/>
+            <a:r>
+              <a:rPr lang="en-US" dirty="0">
+                <a:latin typeface="Open Sans" panose="020B0606030504020204" pitchFamily="34" charset="0"/>
+                <a:ea typeface="Open Sans" panose="020B0606030504020204" pitchFamily="34" charset="0"/>
+                <a:cs typeface="Open Sans" panose="020B0606030504020204" pitchFamily="34" charset="0"/>
+              </a:rPr>
+              <a:t>Use the </a:t>
+            </a:r>
+            <a:r>
+              <a:rPr lang="en-US" i="1" dirty="0" err="1">
+                <a:latin typeface="Open Sans" panose="020B0606030504020204" pitchFamily="34" charset="0"/>
+                <a:ea typeface="Open Sans" panose="020B0606030504020204" pitchFamily="34" charset="0"/>
+                <a:cs typeface="Open Sans" panose="020B0606030504020204" pitchFamily="34" charset="0"/>
+              </a:rPr>
+              <a:t>selectedCookie</a:t>
+            </a:r>
+            <a:r>
+              <a:rPr lang="en-US" dirty="0">
+                <a:latin typeface="Open Sans" panose="020B0606030504020204" pitchFamily="34" charset="0"/>
+                <a:ea typeface="Open Sans" panose="020B0606030504020204" pitchFamily="34" charset="0"/>
+                <a:cs typeface="Open Sans" panose="020B0606030504020204" pitchFamily="34" charset="0"/>
+              </a:rPr>
+              <a:t> variable to: </a:t>
+            </a:r>
+          </a:p>
+          <a:p>
+            <a:pPr lvl="2"/>
+            <a:r>
+              <a:rPr lang="en-US" dirty="0">
+                <a:latin typeface="Open Sans" panose="020B0606030504020204" pitchFamily="34" charset="0"/>
+                <a:ea typeface="Open Sans" panose="020B0606030504020204" pitchFamily="34" charset="0"/>
+                <a:cs typeface="Open Sans" panose="020B0606030504020204" pitchFamily="34" charset="0"/>
+              </a:rPr>
+              <a:t>assign the </a:t>
+            </a:r>
+            <a:r>
+              <a:rPr lang="en-US" dirty="0" err="1">
+                <a:latin typeface="Open Sans" panose="020B0606030504020204" pitchFamily="34" charset="0"/>
+                <a:ea typeface="Open Sans" panose="020B0606030504020204" pitchFamily="34" charset="0"/>
+                <a:cs typeface="Open Sans" panose="020B0606030504020204" pitchFamily="34" charset="0"/>
+              </a:rPr>
+              <a:t>src</a:t>
+            </a:r>
+            <a:r>
+              <a:rPr lang="en-US" dirty="0">
+                <a:latin typeface="Open Sans" panose="020B0606030504020204" pitchFamily="34" charset="0"/>
+                <a:ea typeface="Open Sans" panose="020B0606030504020204" pitchFamily="34" charset="0"/>
+                <a:cs typeface="Open Sans" panose="020B0606030504020204" pitchFamily="34" charset="0"/>
+              </a:rPr>
+              <a:t> of </a:t>
+            </a:r>
+            <a:r>
+              <a:rPr lang="en-US" dirty="0" err="1">
+                <a:latin typeface="Open Sans" panose="020B0606030504020204" pitchFamily="34" charset="0"/>
+                <a:ea typeface="Open Sans" panose="020B0606030504020204" pitchFamily="34" charset="0"/>
+                <a:cs typeface="Open Sans" panose="020B0606030504020204" pitchFamily="34" charset="0"/>
+              </a:rPr>
+              <a:t>img</a:t>
+            </a:r>
+            <a:r>
+              <a:rPr lang="en-US" dirty="0">
+                <a:latin typeface="Open Sans" panose="020B0606030504020204" pitchFamily="34" charset="0"/>
+                <a:ea typeface="Open Sans" panose="020B0606030504020204" pitchFamily="34" charset="0"/>
+                <a:cs typeface="Open Sans" panose="020B0606030504020204" pitchFamily="34" charset="0"/>
+              </a:rPr>
+              <a:t> element</a:t>
+            </a:r>
+          </a:p>
+          <a:p>
+            <a:pPr lvl="2"/>
+            <a:r>
+              <a:rPr lang="en-US" dirty="0">
+                <a:latin typeface="Open Sans" panose="020B0606030504020204" pitchFamily="34" charset="0"/>
+                <a:ea typeface="Open Sans" panose="020B0606030504020204" pitchFamily="34" charset="0"/>
+                <a:cs typeface="Open Sans" panose="020B0606030504020204" pitchFamily="34" charset="0"/>
+              </a:rPr>
+              <a:t>Add a unique class to the </a:t>
+            </a:r>
+            <a:r>
+              <a:rPr lang="en-US" dirty="0" err="1">
+                <a:latin typeface="Open Sans" panose="020B0606030504020204" pitchFamily="34" charset="0"/>
+                <a:ea typeface="Open Sans" panose="020B0606030504020204" pitchFamily="34" charset="0"/>
+                <a:cs typeface="Open Sans" panose="020B0606030504020204" pitchFamily="34" charset="0"/>
+              </a:rPr>
+              <a:t>img</a:t>
+            </a:r>
+            <a:r>
+              <a:rPr lang="en-US" dirty="0">
+                <a:latin typeface="Open Sans" panose="020B0606030504020204" pitchFamily="34" charset="0"/>
+                <a:ea typeface="Open Sans" panose="020B0606030504020204" pitchFamily="34" charset="0"/>
+                <a:cs typeface="Open Sans" panose="020B0606030504020204" pitchFamily="34" charset="0"/>
+              </a:rPr>
+              <a:t> element</a:t>
+            </a:r>
+          </a:p>
+          <a:p>
+            <a:pPr marL="514350" indent="-514350">
+              <a:buFont typeface="+mj-lt"/>
+              <a:buAutoNum type="arabicPeriod"/>
+            </a:pPr>
+            <a:r>
+              <a:rPr lang="en-US" dirty="0">
+                <a:latin typeface="Open Sans" panose="020B0606030504020204" pitchFamily="34" charset="0"/>
+                <a:ea typeface="Open Sans" panose="020B0606030504020204" pitchFamily="34" charset="0"/>
+                <a:cs typeface="Open Sans" panose="020B0606030504020204" pitchFamily="34" charset="0"/>
+              </a:rPr>
+              <a:t>Append cookie &lt;</a:t>
+            </a:r>
+            <a:r>
+              <a:rPr lang="en-US" dirty="0" err="1">
+                <a:latin typeface="Open Sans" panose="020B0606030504020204" pitchFamily="34" charset="0"/>
+                <a:ea typeface="Open Sans" panose="020B0606030504020204" pitchFamily="34" charset="0"/>
+                <a:cs typeface="Open Sans" panose="020B0606030504020204" pitchFamily="34" charset="0"/>
+              </a:rPr>
+              <a:t>img</a:t>
+            </a:r>
+            <a:r>
+              <a:rPr lang="en-US" dirty="0">
+                <a:latin typeface="Open Sans" panose="020B0606030504020204" pitchFamily="34" charset="0"/>
+                <a:ea typeface="Open Sans" panose="020B0606030504020204" pitchFamily="34" charset="0"/>
+                <a:cs typeface="Open Sans" panose="020B0606030504020204" pitchFamily="34" charset="0"/>
+              </a:rPr>
+              <a:t>&gt; element to the </a:t>
+            </a:r>
+            <a:br>
+              <a:rPr lang="en-US" dirty="0">
+                <a:latin typeface="Open Sans" panose="020B0606030504020204" pitchFamily="34" charset="0"/>
+                <a:ea typeface="Open Sans" panose="020B0606030504020204" pitchFamily="34" charset="0"/>
+                <a:cs typeface="Open Sans" panose="020B0606030504020204" pitchFamily="34" charset="0"/>
+              </a:rPr>
+            </a:br>
+            <a:r>
+              <a:rPr lang="en-US" i="1" dirty="0">
+                <a:latin typeface="Open Sans" panose="020B0606030504020204" pitchFamily="34" charset="0"/>
+                <a:ea typeface="Open Sans" panose="020B0606030504020204" pitchFamily="34" charset="0"/>
+                <a:cs typeface="Open Sans" panose="020B0606030504020204" pitchFamily="34" charset="0"/>
+              </a:rPr>
+              <a:t>#cookie-container</a:t>
+            </a:r>
+          </a:p>
+          <a:p>
+            <a:pPr marL="514350" indent="-514350">
+              <a:buFont typeface="+mj-lt"/>
+              <a:buAutoNum type="arabicPeriod"/>
+            </a:pPr>
+            <a:r>
+              <a:rPr lang="en-US" dirty="0">
+                <a:latin typeface="Open Sans" panose="020B0606030504020204" pitchFamily="34" charset="0"/>
+                <a:ea typeface="Open Sans" panose="020B0606030504020204" pitchFamily="34" charset="0"/>
+                <a:cs typeface="Open Sans" panose="020B0606030504020204" pitchFamily="34" charset="0"/>
+              </a:rPr>
               <a:t>Whenever you click on the cookie jar </a:t>
             </a:r>
             <a:r>
@@ -5071,8 +4972,9 @@
             </a:r>
           </a:p>
           <a:p>
-            <a:pPr marL="0" indent="0">
-              <a:buNone/>
+            <a:pPr marL="514350" indent="-514350">
+              <a:buFont typeface="+mj-lt"/>
+              <a:buAutoNum type="arabicPeriod"/>
             </a:pPr>
             <a:endParaRPr lang="en-US" dirty="0">
               <a:latin typeface="Open Sans" panose="020B0606030504020204" pitchFamily="34" charset="0"/>
@@ -5101,7 +5003,31 @@
               <a:rPr lang="en-US" sz="1800" dirty="0">
                 <a:hlinkClick r:id="rId2"/>
               </a:rPr>
-              <a:t>https://www.w3schools.com/jsref/event_onclick.asp</a:t>
+              <a:t>https://developer.mozilla.org/en-US/docs/Web/API/Element/classList</a:t>
+            </a:r>
+            <a:endParaRPr lang="en-US" sz="1800" dirty="0"/>
+          </a:p>
+          <a:p>
+            <a:pPr marL="0" indent="0">
+              <a:buNone/>
+            </a:pPr>
+            <a:r>
+              <a:rPr lang="en-US" sz="1800" dirty="0">
+                <a:hlinkClick r:id="rId3"/>
+              </a:rPr>
+              <a:t>https://developer.mozilla.org/en-US/docs/Web/API/ParentNode/append</a:t>
+            </a:r>
+            <a:endParaRPr lang="en-US" sz="1800" dirty="0"/>
+          </a:p>
+          <a:p>
+            <a:pPr marL="0" indent="0">
+              <a:buNone/>
+            </a:pPr>
+            <a:r>
+              <a:rPr lang="en-US" sz="1800" dirty="0">
+                <a:hlinkClick r:id="rId4"/>
+              </a:rPr>
+              <a:t>https://www.w3schools.com/jsref/dom_obj_image.asp</a:t>
             </a:r>
             <a:endParaRPr lang="en-US" sz="1800" dirty="0"/>
           </a:p>
@@ -5109,10 +5035,10 @@
       </p:sp>
       <p:pic>
         <p:nvPicPr>
-          <p:cNvPr id="8" name="Picture 7" descr="A close up of a sign&#10;&#10;Description automatically generated">
-            <a:extLst>
-              <a:ext uri="{FF2B5EF4-FFF2-40B4-BE49-F238E27FC236}">
-                <a16:creationId xmlns:a16="http://schemas.microsoft.com/office/drawing/2014/main" id="{36DF79AC-8F40-0D4A-A578-E6E08314B828}"/>
+          <p:cNvPr id="5" name="Picture 4" descr="A picture containing looking, sitting, bird, white&#10;&#10;Description automatically generated">
+            <a:extLst>
+              <a:ext uri="{FF2B5EF4-FFF2-40B4-BE49-F238E27FC236}">
+                <a16:creationId xmlns:a16="http://schemas.microsoft.com/office/drawing/2014/main" id="{3B9B41DD-4D4D-0B4C-B11D-87050BB10C29}"/>
               </a:ext>
             </a:extLst>
           </p:cNvPr>
@@ -5122,15 +5048,75 @@
           <p:nvPr/>
         </p:nvPicPr>
         <p:blipFill>
-          <a:blip r:embed="rId3"/>
+          <a:blip r:embed="rId5"/>
           <a:stretch>
             <a:fillRect/>
           </a:stretch>
         </p:blipFill>
         <p:spPr>
           <a:xfrm>
-            <a:off x="8997950" y="3890582"/>
-            <a:ext cx="2355850" cy="2047409"/>
+            <a:off x="9919073" y="3687443"/>
+            <a:ext cx="1130300" cy="1193800"/>
+          </a:xfrm>
+          <a:prstGeom prst="rect">
+            <a:avLst/>
+          </a:prstGeom>
+        </p:spPr>
+      </p:pic>
+      <p:pic>
+        <p:nvPicPr>
+          <p:cNvPr id="7" name="Picture 6" descr="A close up of a logo&#10;&#10;Description automatically generated">
+            <a:extLst>
+              <a:ext uri="{FF2B5EF4-FFF2-40B4-BE49-F238E27FC236}">
+                <a16:creationId xmlns:a16="http://schemas.microsoft.com/office/drawing/2014/main" id="{32AAACC0-8688-CB41-9FB8-2F837B5B9B8D}"/>
+              </a:ext>
+            </a:extLst>
+          </p:cNvPr>
+          <p:cNvPicPr>
+            <a:picLocks noChangeAspect="1"/>
+          </p:cNvPicPr>
+          <p:nvPr/>
+        </p:nvPicPr>
+        <p:blipFill>
+          <a:blip r:embed="rId6"/>
+          <a:stretch>
+            <a:fillRect/>
+          </a:stretch>
+        </p:blipFill>
+        <p:spPr>
+          <a:xfrm>
+            <a:off x="7017174" y="5195034"/>
+            <a:ext cx="1054100" cy="1085850"/>
+          </a:xfrm>
+          <a:prstGeom prst="rect">
+            <a:avLst/>
+          </a:prstGeom>
+        </p:spPr>
+      </p:pic>
+      <p:pic>
+        <p:nvPicPr>
+          <p:cNvPr id="8" name="Picture 7" descr="A picture containing food, clock&#10;&#10;Description automatically generated">
+            <a:extLst>
+              <a:ext uri="{FF2B5EF4-FFF2-40B4-BE49-F238E27FC236}">
+                <a16:creationId xmlns:a16="http://schemas.microsoft.com/office/drawing/2014/main" id="{A93E903B-F9A3-584F-AA46-BE3F5F0A95E6}"/>
+              </a:ext>
+            </a:extLst>
+          </p:cNvPr>
+          <p:cNvPicPr>
+            <a:picLocks noChangeAspect="1"/>
+          </p:cNvPicPr>
+          <p:nvPr/>
+        </p:nvPicPr>
+        <p:blipFill>
+          <a:blip r:embed="rId7"/>
+          <a:stretch>
+            <a:fillRect/>
+          </a:stretch>
+        </p:blipFill>
+        <p:spPr>
+          <a:xfrm>
+            <a:off x="8845923" y="5195034"/>
+            <a:ext cx="1073150" cy="1041400"/>
           </a:xfrm>
           <a:prstGeom prst="rect">
             <a:avLst/>
@@ -5140,7 +5126,7 @@
     </p:spTree>
     <p:extLst>
       <p:ext uri="{BB962C8B-B14F-4D97-AF65-F5344CB8AC3E}">
-        <p14:creationId xmlns:p14="http://schemas.microsoft.com/office/powerpoint/2010/main" val="460880512"/>
+        <p14:creationId xmlns:p14="http://schemas.microsoft.com/office/powerpoint/2010/main" val="2110882223"/>
       </p:ext>
     </p:extLst>
   </p:cSld>
